--- a/Other/Presentation/Presentation 01.pptx
+++ b/Other/Presentation/Presentation 01.pptx
@@ -4,9 +4,21 @@
   <p:sldMasterIdLst>
     <p:sldMasterId id="2147483777" r:id="rId1"/>
   </p:sldMasterIdLst>
+  <p:notesMasterIdLst>
+    <p:notesMasterId r:id="rId13"/>
+  </p:notesMasterIdLst>
   <p:sldIdLst>
     <p:sldId id="256" r:id="rId2"/>
     <p:sldId id="257" r:id="rId3"/>
+    <p:sldId id="258" r:id="rId4"/>
+    <p:sldId id="259" r:id="rId5"/>
+    <p:sldId id="260" r:id="rId6"/>
+    <p:sldId id="261" r:id="rId7"/>
+    <p:sldId id="262" r:id="rId8"/>
+    <p:sldId id="265" r:id="rId9"/>
+    <p:sldId id="266" r:id="rId10"/>
+    <p:sldId id="267" r:id="rId11"/>
+    <p:sldId id="263" r:id="rId12"/>
   </p:sldIdLst>
   <p:sldSz cx="12192000" cy="6858000"/>
   <p:notesSz cx="6858000" cy="9144000"/>
@@ -105,7 +117,445 @@
       </a:defRPr>
     </a:lvl9pPr>
   </p:defaultTextStyle>
+  <p:extLst>
+    <p:ext uri="{EFAFB233-063F-42B5-8137-9DF3F51BA10A}">
+      <p15:sldGuideLst xmlns:p15="http://schemas.microsoft.com/office/powerpoint/2012/main"/>
+    </p:ext>
+  </p:extLst>
 </p:presentation>
+</file>
+
+<file path=ppt/notesMasters/notesMaster1.xml><?xml version="1.0" encoding="utf-8"?>
+<p:notesMaster xmlns:a="http://schemas.openxmlformats.org/drawingml/2006/main" xmlns:r="http://schemas.openxmlformats.org/officeDocument/2006/relationships" xmlns:p="http://schemas.openxmlformats.org/presentationml/2006/main">
+  <p:cSld>
+    <p:bg>
+      <p:bgRef idx="1001">
+        <a:schemeClr val="bg1"/>
+      </p:bgRef>
+    </p:bg>
+    <p:spTree>
+      <p:nvGrpSpPr>
+        <p:cNvPr id="1" name=""/>
+        <p:cNvGrpSpPr/>
+        <p:nvPr/>
+      </p:nvGrpSpPr>
+      <p:grpSpPr>
+        <a:xfrm>
+          <a:off x="0" y="0"/>
+          <a:ext cx="0" cy="0"/>
+          <a:chOff x="0" y="0"/>
+          <a:chExt cx="0" cy="0"/>
+        </a:xfrm>
+      </p:grpSpPr>
+      <p:sp>
+        <p:nvSpPr>
+          <p:cNvPr id="2" name="Header Placeholder 1"/>
+          <p:cNvSpPr>
+            <a:spLocks noGrp="1"/>
+          </p:cNvSpPr>
+          <p:nvPr>
+            <p:ph type="hdr" sz="quarter"/>
+          </p:nvPr>
+        </p:nvSpPr>
+        <p:spPr>
+          <a:xfrm>
+            <a:off x="0" y="0"/>
+            <a:ext cx="2971800" cy="458788"/>
+          </a:xfrm>
+          <a:prstGeom prst="rect">
+            <a:avLst/>
+          </a:prstGeom>
+        </p:spPr>
+        <p:txBody>
+          <a:bodyPr vert="horz" lIns="91440" tIns="45720" rIns="91440" bIns="45720" rtlCol="0"/>
+          <a:lstStyle>
+            <a:lvl1pPr algn="l">
+              <a:defRPr sz="1200"/>
+            </a:lvl1pPr>
+          </a:lstStyle>
+          <a:p>
+            <a:endParaRPr lang="en-US"/>
+          </a:p>
+        </p:txBody>
+      </p:sp>
+      <p:sp>
+        <p:nvSpPr>
+          <p:cNvPr id="3" name="Date Placeholder 2"/>
+          <p:cNvSpPr>
+            <a:spLocks noGrp="1"/>
+          </p:cNvSpPr>
+          <p:nvPr>
+            <p:ph type="dt" idx="1"/>
+          </p:nvPr>
+        </p:nvSpPr>
+        <p:spPr>
+          <a:xfrm>
+            <a:off x="3884613" y="0"/>
+            <a:ext cx="2971800" cy="458788"/>
+          </a:xfrm>
+          <a:prstGeom prst="rect">
+            <a:avLst/>
+          </a:prstGeom>
+        </p:spPr>
+        <p:txBody>
+          <a:bodyPr vert="horz" lIns="91440" tIns="45720" rIns="91440" bIns="45720" rtlCol="0"/>
+          <a:lstStyle>
+            <a:lvl1pPr algn="r">
+              <a:defRPr sz="1200"/>
+            </a:lvl1pPr>
+          </a:lstStyle>
+          <a:p>
+            <a:fld id="{918D9EA9-49F1-4E29-9D17-5E7FC4736AC3}" type="datetimeFigureOut">
+              <a:rPr lang="en-US" smtClean="0"/>
+              <a:t>9/6/2022</a:t>
+            </a:fld>
+            <a:endParaRPr lang="en-US"/>
+          </a:p>
+        </p:txBody>
+      </p:sp>
+      <p:sp>
+        <p:nvSpPr>
+          <p:cNvPr id="4" name="Slide Image Placeholder 3"/>
+          <p:cNvSpPr>
+            <a:spLocks noGrp="1" noRot="1" noChangeAspect="1"/>
+          </p:cNvSpPr>
+          <p:nvPr>
+            <p:ph type="sldImg" idx="2"/>
+          </p:nvPr>
+        </p:nvSpPr>
+        <p:spPr>
+          <a:xfrm>
+            <a:off x="685800" y="1143000"/>
+            <a:ext cx="5486400" cy="3086100"/>
+          </a:xfrm>
+          <a:prstGeom prst="rect">
+            <a:avLst/>
+          </a:prstGeom>
+          <a:noFill/>
+          <a:ln w="12700">
+            <a:solidFill>
+              <a:prstClr val="black"/>
+            </a:solidFill>
+          </a:ln>
+        </p:spPr>
+        <p:txBody>
+          <a:bodyPr vert="horz" lIns="91440" tIns="45720" rIns="91440" bIns="45720" rtlCol="0" anchor="ctr"/>
+          <a:lstStyle/>
+          <a:p>
+            <a:endParaRPr lang="en-US"/>
+          </a:p>
+        </p:txBody>
+      </p:sp>
+      <p:sp>
+        <p:nvSpPr>
+          <p:cNvPr id="5" name="Notes Placeholder 4"/>
+          <p:cNvSpPr>
+            <a:spLocks noGrp="1"/>
+          </p:cNvSpPr>
+          <p:nvPr>
+            <p:ph type="body" sz="quarter" idx="3"/>
+          </p:nvPr>
+        </p:nvSpPr>
+        <p:spPr>
+          <a:xfrm>
+            <a:off x="685800" y="4400550"/>
+            <a:ext cx="5486400" cy="3600450"/>
+          </a:xfrm>
+          <a:prstGeom prst="rect">
+            <a:avLst/>
+          </a:prstGeom>
+        </p:spPr>
+        <p:txBody>
+          <a:bodyPr vert="horz" lIns="91440" tIns="45720" rIns="91440" bIns="45720" rtlCol="0"/>
+          <a:lstStyle/>
+          <a:p>
+            <a:pPr lvl="0"/>
+            <a:r>
+              <a:rPr lang="en-US"/>
+              <a:t>Click to edit Master text styles</a:t>
+            </a:r>
+          </a:p>
+          <a:p>
+            <a:pPr lvl="1"/>
+            <a:r>
+              <a:rPr lang="en-US"/>
+              <a:t>Second level</a:t>
+            </a:r>
+          </a:p>
+          <a:p>
+            <a:pPr lvl="2"/>
+            <a:r>
+              <a:rPr lang="en-US"/>
+              <a:t>Third level</a:t>
+            </a:r>
+          </a:p>
+          <a:p>
+            <a:pPr lvl="3"/>
+            <a:r>
+              <a:rPr lang="en-US"/>
+              <a:t>Fourth level</a:t>
+            </a:r>
+          </a:p>
+          <a:p>
+            <a:pPr lvl="4"/>
+            <a:r>
+              <a:rPr lang="en-US"/>
+              <a:t>Fifth level</a:t>
+            </a:r>
+          </a:p>
+        </p:txBody>
+      </p:sp>
+      <p:sp>
+        <p:nvSpPr>
+          <p:cNvPr id="6" name="Footer Placeholder 5"/>
+          <p:cNvSpPr>
+            <a:spLocks noGrp="1"/>
+          </p:cNvSpPr>
+          <p:nvPr>
+            <p:ph type="ftr" sz="quarter" idx="4"/>
+          </p:nvPr>
+        </p:nvSpPr>
+        <p:spPr>
+          <a:xfrm>
+            <a:off x="0" y="8685213"/>
+            <a:ext cx="2971800" cy="458787"/>
+          </a:xfrm>
+          <a:prstGeom prst="rect">
+            <a:avLst/>
+          </a:prstGeom>
+        </p:spPr>
+        <p:txBody>
+          <a:bodyPr vert="horz" lIns="91440" tIns="45720" rIns="91440" bIns="45720" rtlCol="0" anchor="b"/>
+          <a:lstStyle>
+            <a:lvl1pPr algn="l">
+              <a:defRPr sz="1200"/>
+            </a:lvl1pPr>
+          </a:lstStyle>
+          <a:p>
+            <a:endParaRPr lang="en-US"/>
+          </a:p>
+        </p:txBody>
+      </p:sp>
+      <p:sp>
+        <p:nvSpPr>
+          <p:cNvPr id="7" name="Slide Number Placeholder 6"/>
+          <p:cNvSpPr>
+            <a:spLocks noGrp="1"/>
+          </p:cNvSpPr>
+          <p:nvPr>
+            <p:ph type="sldNum" sz="quarter" idx="5"/>
+          </p:nvPr>
+        </p:nvSpPr>
+        <p:spPr>
+          <a:xfrm>
+            <a:off x="3884613" y="8685213"/>
+            <a:ext cx="2971800" cy="458787"/>
+          </a:xfrm>
+          <a:prstGeom prst="rect">
+            <a:avLst/>
+          </a:prstGeom>
+        </p:spPr>
+        <p:txBody>
+          <a:bodyPr vert="horz" lIns="91440" tIns="45720" rIns="91440" bIns="45720" rtlCol="0" anchor="b"/>
+          <a:lstStyle>
+            <a:lvl1pPr algn="r">
+              <a:defRPr sz="1200"/>
+            </a:lvl1pPr>
+          </a:lstStyle>
+          <a:p>
+            <a:fld id="{84F1008E-92D1-4873-A1B3-4394C093D55A}" type="slidenum">
+              <a:rPr lang="en-US" smtClean="0"/>
+              <a:t>‹#›</a:t>
+            </a:fld>
+            <a:endParaRPr lang="en-US"/>
+          </a:p>
+        </p:txBody>
+      </p:sp>
+    </p:spTree>
+    <p:extLst>
+      <p:ext uri="{BB962C8B-B14F-4D97-AF65-F5344CB8AC3E}">
+        <p14:creationId xmlns:p14="http://schemas.microsoft.com/office/powerpoint/2010/main" val="1506629035"/>
+      </p:ext>
+    </p:extLst>
+  </p:cSld>
+  <p:clrMap bg1="lt1" tx1="dk1" bg2="lt2" tx2="dk2" accent1="accent1" accent2="accent2" accent3="accent3" accent4="accent4" accent5="accent5" accent6="accent6" hlink="hlink" folHlink="folHlink"/>
+  <p:notesStyle>
+    <a:lvl1pPr marL="0" algn="l" defTabSz="914400" rtl="0" eaLnBrk="1" latinLnBrk="0" hangingPunct="1">
+      <a:defRPr sz="1200" kern="1200">
+        <a:solidFill>
+          <a:schemeClr val="tx1"/>
+        </a:solidFill>
+        <a:latin typeface="+mn-lt"/>
+        <a:ea typeface="+mn-ea"/>
+        <a:cs typeface="+mn-cs"/>
+      </a:defRPr>
+    </a:lvl1pPr>
+    <a:lvl2pPr marL="457200" algn="l" defTabSz="914400" rtl="0" eaLnBrk="1" latinLnBrk="0" hangingPunct="1">
+      <a:defRPr sz="1200" kern="1200">
+        <a:solidFill>
+          <a:schemeClr val="tx1"/>
+        </a:solidFill>
+        <a:latin typeface="+mn-lt"/>
+        <a:ea typeface="+mn-ea"/>
+        <a:cs typeface="+mn-cs"/>
+      </a:defRPr>
+    </a:lvl2pPr>
+    <a:lvl3pPr marL="914400" algn="l" defTabSz="914400" rtl="0" eaLnBrk="1" latinLnBrk="0" hangingPunct="1">
+      <a:defRPr sz="1200" kern="1200">
+        <a:solidFill>
+          <a:schemeClr val="tx1"/>
+        </a:solidFill>
+        <a:latin typeface="+mn-lt"/>
+        <a:ea typeface="+mn-ea"/>
+        <a:cs typeface="+mn-cs"/>
+      </a:defRPr>
+    </a:lvl3pPr>
+    <a:lvl4pPr marL="1371600" algn="l" defTabSz="914400" rtl="0" eaLnBrk="1" latinLnBrk="0" hangingPunct="1">
+      <a:defRPr sz="1200" kern="1200">
+        <a:solidFill>
+          <a:schemeClr val="tx1"/>
+        </a:solidFill>
+        <a:latin typeface="+mn-lt"/>
+        <a:ea typeface="+mn-ea"/>
+        <a:cs typeface="+mn-cs"/>
+      </a:defRPr>
+    </a:lvl4pPr>
+    <a:lvl5pPr marL="1828800" algn="l" defTabSz="914400" rtl="0" eaLnBrk="1" latinLnBrk="0" hangingPunct="1">
+      <a:defRPr sz="1200" kern="1200">
+        <a:solidFill>
+          <a:schemeClr val="tx1"/>
+        </a:solidFill>
+        <a:latin typeface="+mn-lt"/>
+        <a:ea typeface="+mn-ea"/>
+        <a:cs typeface="+mn-cs"/>
+      </a:defRPr>
+    </a:lvl5pPr>
+    <a:lvl6pPr marL="2286000" algn="l" defTabSz="914400" rtl="0" eaLnBrk="1" latinLnBrk="0" hangingPunct="1">
+      <a:defRPr sz="1200" kern="1200">
+        <a:solidFill>
+          <a:schemeClr val="tx1"/>
+        </a:solidFill>
+        <a:latin typeface="+mn-lt"/>
+        <a:ea typeface="+mn-ea"/>
+        <a:cs typeface="+mn-cs"/>
+      </a:defRPr>
+    </a:lvl6pPr>
+    <a:lvl7pPr marL="2743200" algn="l" defTabSz="914400" rtl="0" eaLnBrk="1" latinLnBrk="0" hangingPunct="1">
+      <a:defRPr sz="1200" kern="1200">
+        <a:solidFill>
+          <a:schemeClr val="tx1"/>
+        </a:solidFill>
+        <a:latin typeface="+mn-lt"/>
+        <a:ea typeface="+mn-ea"/>
+        <a:cs typeface="+mn-cs"/>
+      </a:defRPr>
+    </a:lvl7pPr>
+    <a:lvl8pPr marL="3200400" algn="l" defTabSz="914400" rtl="0" eaLnBrk="1" latinLnBrk="0" hangingPunct="1">
+      <a:defRPr sz="1200" kern="1200">
+        <a:solidFill>
+          <a:schemeClr val="tx1"/>
+        </a:solidFill>
+        <a:latin typeface="+mn-lt"/>
+        <a:ea typeface="+mn-ea"/>
+        <a:cs typeface="+mn-cs"/>
+      </a:defRPr>
+    </a:lvl8pPr>
+    <a:lvl9pPr marL="3657600" algn="l" defTabSz="914400" rtl="0" eaLnBrk="1" latinLnBrk="0" hangingPunct="1">
+      <a:defRPr sz="1200" kern="1200">
+        <a:solidFill>
+          <a:schemeClr val="tx1"/>
+        </a:solidFill>
+        <a:latin typeface="+mn-lt"/>
+        <a:ea typeface="+mn-ea"/>
+        <a:cs typeface="+mn-cs"/>
+      </a:defRPr>
+    </a:lvl9pPr>
+  </p:notesStyle>
+</p:notesMaster>
+</file>
+
+<file path=ppt/notesSlides/notesSlide1.xml><?xml version="1.0" encoding="utf-8"?>
+<p:notes xmlns:a="http://schemas.openxmlformats.org/drawingml/2006/main" xmlns:r="http://schemas.openxmlformats.org/officeDocument/2006/relationships" xmlns:p="http://schemas.openxmlformats.org/presentationml/2006/main">
+  <p:cSld>
+    <p:spTree>
+      <p:nvGrpSpPr>
+        <p:cNvPr id="1" name=""/>
+        <p:cNvGrpSpPr/>
+        <p:nvPr/>
+      </p:nvGrpSpPr>
+      <p:grpSpPr>
+        <a:xfrm>
+          <a:off x="0" y="0"/>
+          <a:ext cx="0" cy="0"/>
+          <a:chOff x="0" y="0"/>
+          <a:chExt cx="0" cy="0"/>
+        </a:xfrm>
+      </p:grpSpPr>
+      <p:sp>
+        <p:nvSpPr>
+          <p:cNvPr id="2" name="Slide Image Placeholder 1"/>
+          <p:cNvSpPr>
+            <a:spLocks noGrp="1" noRot="1" noChangeAspect="1"/>
+          </p:cNvSpPr>
+          <p:nvPr>
+            <p:ph type="sldImg"/>
+          </p:nvPr>
+        </p:nvSpPr>
+        <p:spPr/>
+      </p:sp>
+      <p:sp>
+        <p:nvSpPr>
+          <p:cNvPr id="3" name="Notes Placeholder 2"/>
+          <p:cNvSpPr>
+            <a:spLocks noGrp="1"/>
+          </p:cNvSpPr>
+          <p:nvPr>
+            <p:ph type="body" idx="1"/>
+          </p:nvPr>
+        </p:nvSpPr>
+        <p:spPr/>
+        <p:txBody>
+          <a:bodyPr/>
+          <a:lstStyle/>
+          <a:p>
+            <a:endParaRPr lang="en-US" dirty="0"/>
+          </a:p>
+        </p:txBody>
+      </p:sp>
+      <p:sp>
+        <p:nvSpPr>
+          <p:cNvPr id="4" name="Slide Number Placeholder 3"/>
+          <p:cNvSpPr>
+            <a:spLocks noGrp="1"/>
+          </p:cNvSpPr>
+          <p:nvPr>
+            <p:ph type="sldNum" sz="quarter" idx="5"/>
+          </p:nvPr>
+        </p:nvSpPr>
+        <p:spPr/>
+        <p:txBody>
+          <a:bodyPr/>
+          <a:lstStyle/>
+          <a:p>
+            <a:fld id="{84F1008E-92D1-4873-A1B3-4394C093D55A}" type="slidenum">
+              <a:rPr lang="en-US" smtClean="0"/>
+              <a:t>8</a:t>
+            </a:fld>
+            <a:endParaRPr lang="en-US"/>
+          </a:p>
+        </p:txBody>
+      </p:sp>
+    </p:spTree>
+    <p:extLst>
+      <p:ext uri="{BB962C8B-B14F-4D97-AF65-F5344CB8AC3E}">
+        <p14:creationId xmlns:p14="http://schemas.microsoft.com/office/powerpoint/2010/main" val="1627224023"/>
+      </p:ext>
+    </p:extLst>
+  </p:cSld>
+  <p:clrMapOvr>
+    <a:masterClrMapping/>
+  </p:clrMapOvr>
+</p:notes>
 </file>
 
 <file path=ppt/slideLayouts/slideLayout1.xml><?xml version="1.0" encoding="utf-8"?>
@@ -325,7 +775,7 @@
           <a:p>
             <a:fld id="{4AAD5ABE-EBE4-4691-8AE3-F48614D07B50}" type="datetimeFigureOut">
               <a:rPr lang="en-US" smtClean="0"/>
-              <a:t>8/30/2022</a:t>
+              <a:t>9/6/2022</a:t>
             </a:fld>
             <a:endParaRPr lang="en-US"/>
           </a:p>
@@ -660,7 +1110,7 @@
           <a:p>
             <a:fld id="{4AAD5ABE-EBE4-4691-8AE3-F48614D07B50}" type="datetimeFigureOut">
               <a:rPr lang="en-US" smtClean="0"/>
-              <a:t>8/30/2022</a:t>
+              <a:t>9/6/2022</a:t>
             </a:fld>
             <a:endParaRPr lang="en-US"/>
           </a:p>
@@ -963,7 +1413,7 @@
           <a:p>
             <a:fld id="{4AAD5ABE-EBE4-4691-8AE3-F48614D07B50}" type="datetimeFigureOut">
               <a:rPr lang="en-US" smtClean="0"/>
-              <a:t>8/30/2022</a:t>
+              <a:t>9/6/2022</a:t>
             </a:fld>
             <a:endParaRPr lang="en-US"/>
           </a:p>
@@ -1211,7 +1661,7 @@
           <a:p>
             <a:fld id="{4AAD5ABE-EBE4-4691-8AE3-F48614D07B50}" type="datetimeFigureOut">
               <a:rPr lang="en-US" smtClean="0"/>
-              <a:t>8/30/2022</a:t>
+              <a:t>9/6/2022</a:t>
             </a:fld>
             <a:endParaRPr lang="en-US"/>
           </a:p>
@@ -1619,7 +2069,7 @@
           <a:p>
             <a:fld id="{4AAD5ABE-EBE4-4691-8AE3-F48614D07B50}" type="datetimeFigureOut">
               <a:rPr lang="en-US" smtClean="0"/>
-              <a:t>8/30/2022</a:t>
+              <a:t>9/6/2022</a:t>
             </a:fld>
             <a:endParaRPr lang="en-US"/>
           </a:p>
@@ -1934,7 +2384,7 @@
           <a:p>
             <a:fld id="{4AAD5ABE-EBE4-4691-8AE3-F48614D07B50}" type="datetimeFigureOut">
               <a:rPr lang="en-US" smtClean="0"/>
-              <a:t>8/30/2022</a:t>
+              <a:t>9/6/2022</a:t>
             </a:fld>
             <a:endParaRPr lang="en-US"/>
           </a:p>
@@ -2479,7 +2929,7 @@
           <a:p>
             <a:fld id="{4AAD5ABE-EBE4-4691-8AE3-F48614D07B50}" type="datetimeFigureOut">
               <a:rPr lang="en-US" smtClean="0"/>
-              <a:t>8/30/2022</a:t>
+              <a:t>9/6/2022</a:t>
             </a:fld>
             <a:endParaRPr lang="en-US"/>
           </a:p>
@@ -2675,7 +3125,7 @@
           <a:p>
             <a:fld id="{4AAD5ABE-EBE4-4691-8AE3-F48614D07B50}" type="datetimeFigureOut">
               <a:rPr lang="en-US" smtClean="0"/>
-              <a:t>8/30/2022</a:t>
+              <a:t>9/6/2022</a:t>
             </a:fld>
             <a:endParaRPr lang="en-US"/>
           </a:p>
@@ -2889,7 +3339,7 @@
           <a:p>
             <a:fld id="{4AAD5ABE-EBE4-4691-8AE3-F48614D07B50}" type="datetimeFigureOut">
               <a:rPr lang="en-US" smtClean="0"/>
-              <a:t>8/30/2022</a:t>
+              <a:t>9/6/2022</a:t>
             </a:fld>
             <a:endParaRPr lang="en-US"/>
           </a:p>
@@ -3259,7 +3709,7 @@
           <a:p>
             <a:fld id="{4AAD5ABE-EBE4-4691-8AE3-F48614D07B50}" type="datetimeFigureOut">
               <a:rPr lang="en-US" smtClean="0"/>
-              <a:t>8/30/2022</a:t>
+              <a:t>9/6/2022</a:t>
             </a:fld>
             <a:endParaRPr lang="en-US"/>
           </a:p>
@@ -3663,7 +4113,7 @@
           <a:p>
             <a:fld id="{4AAD5ABE-EBE4-4691-8AE3-F48614D07B50}" type="datetimeFigureOut">
               <a:rPr lang="en-US" smtClean="0"/>
-              <a:t>8/30/2022</a:t>
+              <a:t>9/6/2022</a:t>
             </a:fld>
             <a:endParaRPr lang="en-US"/>
           </a:p>
@@ -3975,7 +4425,7 @@
           <a:p>
             <a:fld id="{4AAD5ABE-EBE4-4691-8AE3-F48614D07B50}" type="datetimeFigureOut">
               <a:rPr lang="en-US" smtClean="0"/>
-              <a:t>8/30/2022</a:t>
+              <a:t>9/6/2022</a:t>
             </a:fld>
             <a:endParaRPr lang="en-US"/>
           </a:p>
@@ -4564,6 +5014,496 @@
   <p:clrMapOvr>
     <a:masterClrMapping/>
   </p:clrMapOvr>
+  <mc:AlternateContent xmlns:mc="http://schemas.openxmlformats.org/markup-compatibility/2006">
+    <mc:Choice xmlns:p14="http://schemas.microsoft.com/office/powerpoint/2010/main" Requires="p14">
+      <p:transition spd="med" p14:dur="700">
+        <p:fade/>
+      </p:transition>
+    </mc:Choice>
+    <mc:Fallback>
+      <p:transition spd="med">
+        <p:fade/>
+      </p:transition>
+    </mc:Fallback>
+  </mc:AlternateContent>
+</p:sld>
+</file>
+
+<file path=ppt/slides/slide10.xml><?xml version="1.0" encoding="utf-8"?>
+<p:sld xmlns:a="http://schemas.openxmlformats.org/drawingml/2006/main" xmlns:r="http://schemas.openxmlformats.org/officeDocument/2006/relationships" xmlns:p="http://schemas.openxmlformats.org/presentationml/2006/main">
+  <p:cSld>
+    <p:spTree>
+      <p:nvGrpSpPr>
+        <p:cNvPr id="1" name=""/>
+        <p:cNvGrpSpPr/>
+        <p:nvPr/>
+      </p:nvGrpSpPr>
+      <p:grpSpPr>
+        <a:xfrm>
+          <a:off x="0" y="0"/>
+          <a:ext cx="0" cy="0"/>
+          <a:chOff x="0" y="0"/>
+          <a:chExt cx="0" cy="0"/>
+        </a:xfrm>
+      </p:grpSpPr>
+      <p:sp>
+        <p:nvSpPr>
+          <p:cNvPr id="2" name="Title 1">
+            <a:extLst>
+              <a:ext uri="{FF2B5EF4-FFF2-40B4-BE49-F238E27FC236}">
+                <a16:creationId xmlns:a16="http://schemas.microsoft.com/office/drawing/2014/main" id="{B6B9F9D5-1364-C056-CDC3-1E4760642DA4}"/>
+              </a:ext>
+            </a:extLst>
+          </p:cNvPr>
+          <p:cNvSpPr>
+            <a:spLocks noGrp="1"/>
+          </p:cNvSpPr>
+          <p:nvPr>
+            <p:ph type="title"/>
+          </p:nvPr>
+        </p:nvSpPr>
+        <p:spPr/>
+        <p:txBody>
+          <a:bodyPr/>
+          <a:lstStyle/>
+          <a:p>
+            <a:pPr algn="l"/>
+            <a:r>
+              <a:rPr lang="en-US" dirty="0"/>
+              <a:t>How Model Works: (normal) graph</a:t>
+            </a:r>
+          </a:p>
+        </p:txBody>
+      </p:sp>
+      <p:sp>
+        <p:nvSpPr>
+          <p:cNvPr id="6" name="Text Box 4">
+            <a:extLst>
+              <a:ext uri="{FF2B5EF4-FFF2-40B4-BE49-F238E27FC236}">
+                <a16:creationId xmlns:a16="http://schemas.microsoft.com/office/drawing/2014/main" id="{1A262D66-141A-0C2A-0546-81F765C727BB}"/>
+              </a:ext>
+            </a:extLst>
+          </p:cNvPr>
+          <p:cNvSpPr txBox="1">
+            <a:spLocks noChangeArrowheads="1"/>
+          </p:cNvSpPr>
+          <p:nvPr/>
+        </p:nvSpPr>
+        <p:spPr bwMode="auto">
+          <a:xfrm>
+            <a:off x="3609889" y="3938341"/>
+            <a:ext cx="762000" cy="346075"/>
+          </a:xfrm>
+          <a:prstGeom prst="rect">
+            <a:avLst/>
+          </a:prstGeom>
+          <a:noFill/>
+          <a:ln w="25400" algn="ctr">
+            <a:noFill/>
+            <a:miter lim="800000"/>
+            <a:headEnd/>
+            <a:tailEnd/>
+          </a:ln>
+          <a:effectLst/>
+        </p:spPr>
+        <p:txBody>
+          <a:bodyPr vert="horz" wrap="square" lIns="36576" tIns="36576" rIns="36576" bIns="36576" numCol="1" anchor="t" anchorCtr="0" compatLnSpc="1">
+            <a:prstTxWarp prst="textNoShape">
+              <a:avLst/>
+            </a:prstTxWarp>
+          </a:bodyPr>
+          <a:lstStyle/>
+          <a:p>
+            <a:pPr marL="0" marR="0" lvl="0" indent="0" algn="ctr" defTabSz="914400" rtl="0" eaLnBrk="0" fontAlgn="base" latinLnBrk="0" hangingPunct="0">
+              <a:lnSpc>
+                <a:spcPct val="100000"/>
+              </a:lnSpc>
+              <a:spcBef>
+                <a:spcPct val="0"/>
+              </a:spcBef>
+              <a:spcAft>
+                <a:spcPct val="0"/>
+              </a:spcAft>
+              <a:buClrTx/>
+              <a:buSzTx/>
+              <a:buFontTx/>
+              <a:buNone/>
+              <a:tabLst/>
+            </a:pPr>
+            <a:r>
+              <a:rPr kumimoji="0" lang="en-US" altLang="en-US" sz="1200" b="0" i="0" u="none" strike="noStrike" cap="none" normalizeH="0" baseline="0" dirty="0">
+                <a:ln>
+                  <a:noFill/>
+                </a:ln>
+                <a:effectLst/>
+                <a:latin typeface="CMU Serif" panose="02000603000000000000" pitchFamily="2" charset="0"/>
+              </a:rPr>
+              <a:t>Entity 1</a:t>
+            </a:r>
+            <a:endParaRPr kumimoji="0" lang="en-US" altLang="en-US" sz="2000" b="0" i="0" u="none" strike="noStrike" cap="none" normalizeH="0" baseline="0" dirty="0">
+              <a:ln>
+                <a:noFill/>
+              </a:ln>
+              <a:effectLst/>
+              <a:latin typeface="Arial" panose="020B0604020202020204" pitchFamily="34" charset="0"/>
+            </a:endParaRPr>
+          </a:p>
+        </p:txBody>
+      </p:sp>
+      <p:sp>
+        <p:nvSpPr>
+          <p:cNvPr id="7" name="Text Box 5">
+            <a:extLst>
+              <a:ext uri="{FF2B5EF4-FFF2-40B4-BE49-F238E27FC236}">
+                <a16:creationId xmlns:a16="http://schemas.microsoft.com/office/drawing/2014/main" id="{9DF82333-C128-B958-74DF-F890ADA329ED}"/>
+              </a:ext>
+            </a:extLst>
+          </p:cNvPr>
+          <p:cNvSpPr txBox="1">
+            <a:spLocks noChangeArrowheads="1"/>
+          </p:cNvSpPr>
+          <p:nvPr/>
+        </p:nvSpPr>
+        <p:spPr bwMode="auto">
+          <a:xfrm>
+            <a:off x="7310352" y="3938340"/>
+            <a:ext cx="762000" cy="346075"/>
+          </a:xfrm>
+          <a:prstGeom prst="rect">
+            <a:avLst/>
+          </a:prstGeom>
+          <a:noFill/>
+          <a:ln w="25400" algn="ctr">
+            <a:noFill/>
+            <a:miter lim="800000"/>
+            <a:headEnd/>
+            <a:tailEnd/>
+          </a:ln>
+          <a:effectLst/>
+        </p:spPr>
+        <p:txBody>
+          <a:bodyPr vert="horz" wrap="square" lIns="36576" tIns="36576" rIns="36576" bIns="36576" numCol="1" anchor="t" anchorCtr="0" compatLnSpc="1">
+            <a:prstTxWarp prst="textNoShape">
+              <a:avLst/>
+            </a:prstTxWarp>
+          </a:bodyPr>
+          <a:lstStyle/>
+          <a:p>
+            <a:pPr marL="0" marR="0" lvl="0" indent="0" algn="ctr" defTabSz="914400" rtl="0" eaLnBrk="0" fontAlgn="base" latinLnBrk="0" hangingPunct="0">
+              <a:lnSpc>
+                <a:spcPct val="100000"/>
+              </a:lnSpc>
+              <a:spcBef>
+                <a:spcPct val="0"/>
+              </a:spcBef>
+              <a:spcAft>
+                <a:spcPct val="0"/>
+              </a:spcAft>
+              <a:buClrTx/>
+              <a:buSzTx/>
+              <a:buFontTx/>
+              <a:buNone/>
+              <a:tabLst/>
+            </a:pPr>
+            <a:r>
+              <a:rPr kumimoji="0" lang="en-US" altLang="en-US" sz="1200" b="0" i="0" u="none" strike="noStrike" cap="none" normalizeH="0" baseline="0" dirty="0">
+                <a:ln>
+                  <a:noFill/>
+                </a:ln>
+                <a:effectLst/>
+                <a:latin typeface="CMU Serif" panose="02000603000000000000" pitchFamily="2" charset="0"/>
+              </a:rPr>
+              <a:t>Entity 2</a:t>
+            </a:r>
+            <a:endParaRPr kumimoji="0" lang="en-US" altLang="en-US" sz="2000" b="0" i="0" u="none" strike="noStrike" cap="none" normalizeH="0" baseline="0" dirty="0">
+              <a:ln>
+                <a:noFill/>
+              </a:ln>
+              <a:effectLst/>
+              <a:latin typeface="Arial" panose="020B0604020202020204" pitchFamily="34" charset="0"/>
+            </a:endParaRPr>
+          </a:p>
+        </p:txBody>
+      </p:sp>
+      <p:sp>
+        <p:nvSpPr>
+          <p:cNvPr id="8" name="Oval 6">
+            <a:extLst>
+              <a:ext uri="{FF2B5EF4-FFF2-40B4-BE49-F238E27FC236}">
+                <a16:creationId xmlns:a16="http://schemas.microsoft.com/office/drawing/2014/main" id="{BC22E35A-0CD2-62F3-01F6-D8651AFBBB49}"/>
+              </a:ext>
+            </a:extLst>
+          </p:cNvPr>
+          <p:cNvSpPr>
+            <a:spLocks noChangeArrowheads="1"/>
+          </p:cNvSpPr>
+          <p:nvPr/>
+        </p:nvSpPr>
+        <p:spPr bwMode="auto">
+          <a:xfrm>
+            <a:off x="3878971" y="3606553"/>
+            <a:ext cx="223837" cy="223837"/>
+          </a:xfrm>
+          <a:prstGeom prst="ellipse">
+            <a:avLst/>
+          </a:prstGeom>
+          <a:noFill/>
+          <a:ln w="25400" algn="ctr">
+            <a:solidFill>
+              <a:schemeClr val="tx1"/>
+            </a:solidFill>
+            <a:round/>
+            <a:headEnd/>
+            <a:tailEnd/>
+          </a:ln>
+          <a:effectLst/>
+        </p:spPr>
+        <p:txBody>
+          <a:bodyPr vert="horz" wrap="square" lIns="36576" tIns="36576" rIns="36576" bIns="36576" numCol="1" anchor="t" anchorCtr="0" compatLnSpc="1">
+            <a:prstTxWarp prst="textNoShape">
+              <a:avLst/>
+            </a:prstTxWarp>
+          </a:bodyPr>
+          <a:lstStyle/>
+          <a:p>
+            <a:endParaRPr lang="en-US"/>
+          </a:p>
+        </p:txBody>
+      </p:sp>
+      <p:sp>
+        <p:nvSpPr>
+          <p:cNvPr id="9" name="Oval 7">
+            <a:extLst>
+              <a:ext uri="{FF2B5EF4-FFF2-40B4-BE49-F238E27FC236}">
+                <a16:creationId xmlns:a16="http://schemas.microsoft.com/office/drawing/2014/main" id="{8592924A-6DD5-EE45-59D7-792366615FC2}"/>
+              </a:ext>
+            </a:extLst>
+          </p:cNvPr>
+          <p:cNvSpPr>
+            <a:spLocks noChangeArrowheads="1"/>
+          </p:cNvSpPr>
+          <p:nvPr/>
+        </p:nvSpPr>
+        <p:spPr bwMode="auto">
+          <a:xfrm>
+            <a:off x="7579433" y="3609728"/>
+            <a:ext cx="223838" cy="222250"/>
+          </a:xfrm>
+          <a:prstGeom prst="ellipse">
+            <a:avLst/>
+          </a:prstGeom>
+          <a:noFill/>
+          <a:ln w="25400" algn="ctr">
+            <a:solidFill>
+              <a:schemeClr val="tx1"/>
+            </a:solidFill>
+            <a:round/>
+            <a:headEnd/>
+            <a:tailEnd/>
+          </a:ln>
+          <a:effectLst/>
+        </p:spPr>
+        <p:txBody>
+          <a:bodyPr vert="horz" wrap="square" lIns="36576" tIns="36576" rIns="36576" bIns="36576" numCol="1" anchor="t" anchorCtr="0" compatLnSpc="1">
+            <a:prstTxWarp prst="textNoShape">
+              <a:avLst/>
+            </a:prstTxWarp>
+          </a:bodyPr>
+          <a:lstStyle/>
+          <a:p>
+            <a:endParaRPr lang="en-US"/>
+          </a:p>
+        </p:txBody>
+      </p:sp>
+      <p:cxnSp>
+        <p:nvCxnSpPr>
+          <p:cNvPr id="2056" name="AutoShape 8">
+            <a:extLst>
+              <a:ext uri="{FF2B5EF4-FFF2-40B4-BE49-F238E27FC236}">
+                <a16:creationId xmlns:a16="http://schemas.microsoft.com/office/drawing/2014/main" id="{A054B463-1B9D-0C47-658B-FC1087468A9E}"/>
+              </a:ext>
+            </a:extLst>
+          </p:cNvPr>
+          <p:cNvCxnSpPr>
+            <a:cxnSpLocks noChangeShapeType="1"/>
+          </p:cNvCxnSpPr>
+          <p:nvPr/>
+        </p:nvCxnSpPr>
+        <p:spPr bwMode="auto">
+          <a:xfrm>
+            <a:off x="4112333" y="3717678"/>
+            <a:ext cx="3465513" cy="0"/>
+          </a:xfrm>
+          <a:prstGeom prst="straightConnector1">
+            <a:avLst/>
+          </a:prstGeom>
+          <a:noFill/>
+          <a:ln w="25400">
+            <a:solidFill>
+              <a:schemeClr val="tx1"/>
+            </a:solidFill>
+            <a:round/>
+            <a:headEnd type="triangle" w="med" len="med"/>
+            <a:tailEnd type="triangle" w="med" len="med"/>
+          </a:ln>
+          <a:effectLst/>
+          <a:extLst>
+            <a:ext uri="{909E8E84-426E-40DD-AFC4-6F175D3DCCD1}">
+              <a14:hiddenFill xmlns:a14="http://schemas.microsoft.com/office/drawing/2010/main">
+                <a:noFill/>
+              </a14:hiddenFill>
+            </a:ext>
+            <a:ext uri="{AF507438-7753-43E0-B8FC-AC1667EBCBE1}">
+              <a14:hiddenEffects xmlns:a14="http://schemas.microsoft.com/office/drawing/2010/main">
+                <a:effectLst>
+                  <a:outerShdw dist="35921" dir="2700000" algn="ctr" rotWithShape="0">
+                    <a:srgbClr val="CCCCCC"/>
+                  </a:outerShdw>
+                </a:effectLst>
+              </a14:hiddenEffects>
+            </a:ext>
+          </a:extLst>
+        </p:spPr>
+      </p:cxnSp>
+    </p:spTree>
+    <p:extLst>
+      <p:ext uri="{BB962C8B-B14F-4D97-AF65-F5344CB8AC3E}">
+        <p14:creationId xmlns:p14="http://schemas.microsoft.com/office/powerpoint/2010/main" val="2519985381"/>
+      </p:ext>
+    </p:extLst>
+  </p:cSld>
+  <p:clrMapOvr>
+    <a:masterClrMapping/>
+  </p:clrMapOvr>
+  <mc:AlternateContent xmlns:mc="http://schemas.openxmlformats.org/markup-compatibility/2006">
+    <mc:Choice xmlns:p14="http://schemas.microsoft.com/office/powerpoint/2010/main" Requires="p14">
+      <p:transition spd="med" p14:dur="700">
+        <p:fade/>
+      </p:transition>
+    </mc:Choice>
+    <mc:Fallback>
+      <p:transition spd="med">
+        <p:fade/>
+      </p:transition>
+    </mc:Fallback>
+  </mc:AlternateContent>
+</p:sld>
+</file>
+
+<file path=ppt/slides/slide11.xml><?xml version="1.0" encoding="utf-8"?>
+<p:sld xmlns:a="http://schemas.openxmlformats.org/drawingml/2006/main" xmlns:r="http://schemas.openxmlformats.org/officeDocument/2006/relationships" xmlns:p="http://schemas.openxmlformats.org/presentationml/2006/main">
+  <p:cSld>
+    <p:spTree>
+      <p:nvGrpSpPr>
+        <p:cNvPr id="1" name=""/>
+        <p:cNvGrpSpPr/>
+        <p:nvPr/>
+      </p:nvGrpSpPr>
+      <p:grpSpPr>
+        <a:xfrm>
+          <a:off x="0" y="0"/>
+          <a:ext cx="0" cy="0"/>
+          <a:chOff x="0" y="0"/>
+          <a:chExt cx="0" cy="0"/>
+        </a:xfrm>
+      </p:grpSpPr>
+      <p:sp>
+        <p:nvSpPr>
+          <p:cNvPr id="2" name="Title 1">
+            <a:extLst>
+              <a:ext uri="{FF2B5EF4-FFF2-40B4-BE49-F238E27FC236}">
+                <a16:creationId xmlns:a16="http://schemas.microsoft.com/office/drawing/2014/main" id="{B6B9F9D5-1364-C056-CDC3-1E4760642DA4}"/>
+              </a:ext>
+            </a:extLst>
+          </p:cNvPr>
+          <p:cNvSpPr>
+            <a:spLocks noGrp="1"/>
+          </p:cNvSpPr>
+          <p:nvPr>
+            <p:ph type="title"/>
+          </p:nvPr>
+        </p:nvSpPr>
+        <p:spPr/>
+        <p:txBody>
+          <a:bodyPr/>
+          <a:lstStyle/>
+          <a:p>
+            <a:pPr algn="l"/>
+            <a:r>
+              <a:rPr lang="en-US" dirty="0"/>
+              <a:t>Environment: Economy</a:t>
+            </a:r>
+          </a:p>
+        </p:txBody>
+      </p:sp>
+      <p:sp>
+        <p:nvSpPr>
+          <p:cNvPr id="3" name="Content Placeholder 2">
+            <a:extLst>
+              <a:ext uri="{FF2B5EF4-FFF2-40B4-BE49-F238E27FC236}">
+                <a16:creationId xmlns:a16="http://schemas.microsoft.com/office/drawing/2014/main" id="{3281FC19-996E-C663-CF91-0330A46D7691}"/>
+              </a:ext>
+            </a:extLst>
+          </p:cNvPr>
+          <p:cNvSpPr>
+            <a:spLocks noGrp="1"/>
+          </p:cNvSpPr>
+          <p:nvPr>
+            <p:ph idx="1"/>
+          </p:nvPr>
+        </p:nvSpPr>
+        <p:spPr/>
+        <p:txBody>
+          <a:bodyPr/>
+          <a:lstStyle/>
+          <a:p>
+            <a:r>
+              <a:rPr lang="en-US" dirty="0"/>
+              <a:t>class Economy:</a:t>
+            </a:r>
+          </a:p>
+          <a:p>
+            <a:pPr marL="0" indent="0">
+              <a:buNone/>
+            </a:pPr>
+            <a:r>
+              <a:rPr lang="en-US" dirty="0"/>
+              <a:t>	- works hand in hand with model class</a:t>
+            </a:r>
+          </a:p>
+          <a:p>
+            <a:pPr marL="0" indent="0">
+              <a:buNone/>
+            </a:pPr>
+            <a:r>
+              <a:rPr lang="en-US" dirty="0"/>
+              <a:t>	- decides about resource distribution</a:t>
+            </a:r>
+          </a:p>
+        </p:txBody>
+      </p:sp>
+    </p:spTree>
+    <p:extLst>
+      <p:ext uri="{BB962C8B-B14F-4D97-AF65-F5344CB8AC3E}">
+        <p14:creationId xmlns:p14="http://schemas.microsoft.com/office/powerpoint/2010/main" val="4259528607"/>
+      </p:ext>
+    </p:extLst>
+  </p:cSld>
+  <p:clrMapOvr>
+    <a:masterClrMapping/>
+  </p:clrMapOvr>
+  <mc:AlternateContent xmlns:mc="http://schemas.openxmlformats.org/markup-compatibility/2006">
+    <mc:Choice xmlns:p14="http://schemas.microsoft.com/office/powerpoint/2010/main" Requires="p14">
+      <p:transition spd="med" p14:dur="700">
+        <p:fade/>
+      </p:transition>
+    </mc:Choice>
+    <mc:Fallback>
+      <p:transition spd="med">
+        <p:fade/>
+      </p:transition>
+    </mc:Fallback>
+  </mc:AlternateContent>
 </p:sld>
 </file>
 
@@ -4608,7 +5548,7 @@
             <a:pPr algn="l"/>
             <a:r>
               <a:rPr lang="en-US" dirty="0"/>
-              <a:t>Expectation from the Model</a:t>
+              <a:t>Expectations</a:t>
             </a:r>
           </a:p>
         </p:txBody>
@@ -4634,6 +5574,24 @@
           <a:bodyPr/>
           <a:lstStyle/>
           <a:p>
+            <a:r>
+              <a:rPr lang="en-US" dirty="0"/>
+              <a:t>Scalable</a:t>
+            </a:r>
+          </a:p>
+          <a:p>
+            <a:r>
+              <a:rPr lang="en-US" dirty="0"/>
+              <a:t>Fathomable</a:t>
+            </a:r>
+          </a:p>
+          <a:p>
+            <a:r>
+              <a:rPr lang="en-US" dirty="0"/>
+              <a:t>Fast</a:t>
+            </a:r>
+          </a:p>
+          <a:p>
             <a:endParaRPr lang="en-US" dirty="0"/>
           </a:p>
         </p:txBody>
@@ -4648,6 +5606,4168 @@
   <p:clrMapOvr>
     <a:masterClrMapping/>
   </p:clrMapOvr>
+  <mc:AlternateContent xmlns:mc="http://schemas.openxmlformats.org/markup-compatibility/2006">
+    <mc:Choice xmlns:p14="http://schemas.microsoft.com/office/powerpoint/2010/main" Requires="p14">
+      <p:transition spd="med" p14:dur="700">
+        <p:fade/>
+      </p:transition>
+    </mc:Choice>
+    <mc:Fallback>
+      <p:transition spd="med">
+        <p:fade/>
+      </p:transition>
+    </mc:Fallback>
+  </mc:AlternateContent>
+  <p:timing>
+    <p:tnLst>
+      <p:par>
+        <p:cTn id="1" dur="indefinite" restart="never" nodeType="tmRoot">
+          <p:childTnLst>
+            <p:seq concurrent="1" nextAc="seek">
+              <p:cTn id="2" dur="indefinite" nodeType="mainSeq">
+                <p:childTnLst>
+                  <p:par>
+                    <p:cTn id="3" fill="hold">
+                      <p:stCondLst>
+                        <p:cond delay="indefinite"/>
+                      </p:stCondLst>
+                      <p:childTnLst>
+                        <p:par>
+                          <p:cTn id="4" fill="hold">
+                            <p:stCondLst>
+                              <p:cond delay="0"/>
+                            </p:stCondLst>
+                            <p:childTnLst>
+                              <p:par>
+                                <p:cTn id="5" presetID="10" presetClass="entr" presetSubtype="0" fill="hold" nodeType="clickEffect">
+                                  <p:stCondLst>
+                                    <p:cond delay="0"/>
+                                  </p:stCondLst>
+                                  <p:childTnLst>
+                                    <p:set>
+                                      <p:cBhvr>
+                                        <p:cTn id="6" dur="1" fill="hold">
+                                          <p:stCondLst>
+                                            <p:cond delay="0"/>
+                                          </p:stCondLst>
+                                        </p:cTn>
+                                        <p:tgtEl>
+                                          <p:spTgt spid="3">
+                                            <p:txEl>
+                                              <p:pRg st="0" end="0"/>
+                                            </p:txEl>
+                                          </p:spTgt>
+                                        </p:tgtEl>
+                                        <p:attrNameLst>
+                                          <p:attrName>style.visibility</p:attrName>
+                                        </p:attrNameLst>
+                                      </p:cBhvr>
+                                      <p:to>
+                                        <p:strVal val="visible"/>
+                                      </p:to>
+                                    </p:set>
+                                    <p:animEffect transition="in" filter="fade">
+                                      <p:cBhvr>
+                                        <p:cTn id="7" dur="500"/>
+                                        <p:tgtEl>
+                                          <p:spTgt spid="3">
+                                            <p:txEl>
+                                              <p:pRg st="0" end="0"/>
+                                            </p:txEl>
+                                          </p:spTgt>
+                                        </p:tgtEl>
+                                      </p:cBhvr>
+                                    </p:animEffect>
+                                  </p:childTnLst>
+                                </p:cTn>
+                              </p:par>
+                            </p:childTnLst>
+                          </p:cTn>
+                        </p:par>
+                      </p:childTnLst>
+                    </p:cTn>
+                  </p:par>
+                  <p:par>
+                    <p:cTn id="8" fill="hold">
+                      <p:stCondLst>
+                        <p:cond delay="indefinite"/>
+                      </p:stCondLst>
+                      <p:childTnLst>
+                        <p:par>
+                          <p:cTn id="9" fill="hold">
+                            <p:stCondLst>
+                              <p:cond delay="0"/>
+                            </p:stCondLst>
+                            <p:childTnLst>
+                              <p:par>
+                                <p:cTn id="10" presetID="10" presetClass="entr" presetSubtype="0" fill="hold" nodeType="clickEffect">
+                                  <p:stCondLst>
+                                    <p:cond delay="0"/>
+                                  </p:stCondLst>
+                                  <p:childTnLst>
+                                    <p:set>
+                                      <p:cBhvr>
+                                        <p:cTn id="11" dur="1" fill="hold">
+                                          <p:stCondLst>
+                                            <p:cond delay="0"/>
+                                          </p:stCondLst>
+                                        </p:cTn>
+                                        <p:tgtEl>
+                                          <p:spTgt spid="3">
+                                            <p:txEl>
+                                              <p:pRg st="1" end="1"/>
+                                            </p:txEl>
+                                          </p:spTgt>
+                                        </p:tgtEl>
+                                        <p:attrNameLst>
+                                          <p:attrName>style.visibility</p:attrName>
+                                        </p:attrNameLst>
+                                      </p:cBhvr>
+                                      <p:to>
+                                        <p:strVal val="visible"/>
+                                      </p:to>
+                                    </p:set>
+                                    <p:animEffect transition="in" filter="fade">
+                                      <p:cBhvr>
+                                        <p:cTn id="12" dur="500"/>
+                                        <p:tgtEl>
+                                          <p:spTgt spid="3">
+                                            <p:txEl>
+                                              <p:pRg st="1" end="1"/>
+                                            </p:txEl>
+                                          </p:spTgt>
+                                        </p:tgtEl>
+                                      </p:cBhvr>
+                                    </p:animEffect>
+                                  </p:childTnLst>
+                                </p:cTn>
+                              </p:par>
+                            </p:childTnLst>
+                          </p:cTn>
+                        </p:par>
+                      </p:childTnLst>
+                    </p:cTn>
+                  </p:par>
+                  <p:par>
+                    <p:cTn id="13" fill="hold">
+                      <p:stCondLst>
+                        <p:cond delay="indefinite"/>
+                      </p:stCondLst>
+                      <p:childTnLst>
+                        <p:par>
+                          <p:cTn id="14" fill="hold">
+                            <p:stCondLst>
+                              <p:cond delay="0"/>
+                            </p:stCondLst>
+                            <p:childTnLst>
+                              <p:par>
+                                <p:cTn id="15" presetID="10" presetClass="entr" presetSubtype="0" fill="hold" nodeType="clickEffect">
+                                  <p:stCondLst>
+                                    <p:cond delay="0"/>
+                                  </p:stCondLst>
+                                  <p:childTnLst>
+                                    <p:set>
+                                      <p:cBhvr>
+                                        <p:cTn id="16" dur="1" fill="hold">
+                                          <p:stCondLst>
+                                            <p:cond delay="0"/>
+                                          </p:stCondLst>
+                                        </p:cTn>
+                                        <p:tgtEl>
+                                          <p:spTgt spid="3">
+                                            <p:txEl>
+                                              <p:pRg st="2" end="2"/>
+                                            </p:txEl>
+                                          </p:spTgt>
+                                        </p:tgtEl>
+                                        <p:attrNameLst>
+                                          <p:attrName>style.visibility</p:attrName>
+                                        </p:attrNameLst>
+                                      </p:cBhvr>
+                                      <p:to>
+                                        <p:strVal val="visible"/>
+                                      </p:to>
+                                    </p:set>
+                                    <p:animEffect transition="in" filter="fade">
+                                      <p:cBhvr>
+                                        <p:cTn id="17" dur="500"/>
+                                        <p:tgtEl>
+                                          <p:spTgt spid="3">
+                                            <p:txEl>
+                                              <p:pRg st="2" end="2"/>
+                                            </p:txEl>
+                                          </p:spTgt>
+                                        </p:tgtEl>
+                                      </p:cBhvr>
+                                    </p:animEffect>
+                                  </p:childTnLst>
+                                </p:cTn>
+                              </p:par>
+                            </p:childTnLst>
+                          </p:cTn>
+                        </p:par>
+                      </p:childTnLst>
+                    </p:cTn>
+                  </p:par>
+                </p:childTnLst>
+              </p:cTn>
+              <p:prevCondLst>
+                <p:cond evt="onPrev" delay="0">
+                  <p:tgtEl>
+                    <p:sldTgt/>
+                  </p:tgtEl>
+                </p:cond>
+              </p:prevCondLst>
+              <p:nextCondLst>
+                <p:cond evt="onNext" delay="0">
+                  <p:tgtEl>
+                    <p:sldTgt/>
+                  </p:tgtEl>
+                </p:cond>
+              </p:nextCondLst>
+            </p:seq>
+          </p:childTnLst>
+        </p:cTn>
+      </p:par>
+    </p:tnLst>
+  </p:timing>
+</p:sld>
+</file>
+
+<file path=ppt/slides/slide3.xml><?xml version="1.0" encoding="utf-8"?>
+<p:sld xmlns:a="http://schemas.openxmlformats.org/drawingml/2006/main" xmlns:r="http://schemas.openxmlformats.org/officeDocument/2006/relationships" xmlns:p="http://schemas.openxmlformats.org/presentationml/2006/main">
+  <p:cSld>
+    <p:spTree>
+      <p:nvGrpSpPr>
+        <p:cNvPr id="1" name=""/>
+        <p:cNvGrpSpPr/>
+        <p:nvPr/>
+      </p:nvGrpSpPr>
+      <p:grpSpPr>
+        <a:xfrm>
+          <a:off x="0" y="0"/>
+          <a:ext cx="0" cy="0"/>
+          <a:chOff x="0" y="0"/>
+          <a:chExt cx="0" cy="0"/>
+        </a:xfrm>
+      </p:grpSpPr>
+      <p:sp>
+        <p:nvSpPr>
+          <p:cNvPr id="2" name="Title 1">
+            <a:extLst>
+              <a:ext uri="{FF2B5EF4-FFF2-40B4-BE49-F238E27FC236}">
+                <a16:creationId xmlns:a16="http://schemas.microsoft.com/office/drawing/2014/main" id="{B6B9F9D5-1364-C056-CDC3-1E4760642DA4}"/>
+              </a:ext>
+            </a:extLst>
+          </p:cNvPr>
+          <p:cNvSpPr>
+            <a:spLocks noGrp="1"/>
+          </p:cNvSpPr>
+          <p:nvPr>
+            <p:ph type="title"/>
+          </p:nvPr>
+        </p:nvSpPr>
+        <p:spPr/>
+        <p:txBody>
+          <a:bodyPr/>
+          <a:lstStyle/>
+          <a:p>
+            <a:pPr algn="l"/>
+            <a:r>
+              <a:rPr lang="en-US" dirty="0"/>
+              <a:t>How I Approach</a:t>
+            </a:r>
+          </a:p>
+        </p:txBody>
+      </p:sp>
+      <p:sp>
+        <p:nvSpPr>
+          <p:cNvPr id="4" name="Oval 2">
+            <a:extLst>
+              <a:ext uri="{FF2B5EF4-FFF2-40B4-BE49-F238E27FC236}">
+                <a16:creationId xmlns:a16="http://schemas.microsoft.com/office/drawing/2014/main" id="{F690301D-09A6-85AD-9CB3-52DD2A86CD5F}"/>
+              </a:ext>
+            </a:extLst>
+          </p:cNvPr>
+          <p:cNvSpPr>
+            <a:spLocks noChangeArrowheads="1"/>
+          </p:cNvSpPr>
+          <p:nvPr/>
+        </p:nvSpPr>
+        <p:spPr bwMode="auto">
+          <a:xfrm>
+            <a:off x="4197258" y="3262312"/>
+            <a:ext cx="1543050" cy="1222375"/>
+          </a:xfrm>
+          <a:prstGeom prst="ellipse">
+            <a:avLst/>
+          </a:prstGeom>
+          <a:noFill/>
+          <a:ln w="25400" algn="ctr">
+            <a:solidFill>
+              <a:schemeClr val="tx1"/>
+            </a:solidFill>
+            <a:round/>
+            <a:headEnd/>
+            <a:tailEnd/>
+          </a:ln>
+          <a:effectLst/>
+          <a:extLst>
+            <a:ext uri="{909E8E84-426E-40DD-AFC4-6F175D3DCCD1}">
+              <a14:hiddenFill xmlns:a14="http://schemas.microsoft.com/office/drawing/2010/main">
+                <a:solidFill>
+                  <a:srgbClr val="FFFFFF"/>
+                </a:solidFill>
+              </a14:hiddenFill>
+            </a:ext>
+            <a:ext uri="{AF507438-7753-43E0-B8FC-AC1667EBCBE1}">
+              <a14:hiddenEffects xmlns:a14="http://schemas.microsoft.com/office/drawing/2010/main">
+                <a:effectLst>
+                  <a:outerShdw dist="35921" dir="2700000" algn="ctr" rotWithShape="0">
+                    <a:srgbClr val="CCCCCC"/>
+                  </a:outerShdw>
+                </a:effectLst>
+              </a14:hiddenEffects>
+            </a:ext>
+          </a:extLst>
+        </p:spPr>
+        <p:txBody>
+          <a:bodyPr vert="horz" wrap="square" lIns="36576" tIns="36576" rIns="36576" bIns="36576" numCol="1" anchor="t" anchorCtr="0" compatLnSpc="1">
+            <a:prstTxWarp prst="textNoShape">
+              <a:avLst/>
+            </a:prstTxWarp>
+          </a:bodyPr>
+          <a:lstStyle/>
+          <a:p>
+            <a:endParaRPr lang="en-US"/>
+          </a:p>
+        </p:txBody>
+      </p:sp>
+      <p:sp>
+        <p:nvSpPr>
+          <p:cNvPr id="5" name="Text Box 3">
+            <a:extLst>
+              <a:ext uri="{FF2B5EF4-FFF2-40B4-BE49-F238E27FC236}">
+                <a16:creationId xmlns:a16="http://schemas.microsoft.com/office/drawing/2014/main" id="{7D609D68-9C22-4FB6-E897-5971490C49CD}"/>
+              </a:ext>
+            </a:extLst>
+          </p:cNvPr>
+          <p:cNvSpPr txBox="1">
+            <a:spLocks noChangeArrowheads="1"/>
+          </p:cNvSpPr>
+          <p:nvPr/>
+        </p:nvSpPr>
+        <p:spPr bwMode="auto">
+          <a:xfrm>
+            <a:off x="4372705" y="3706501"/>
+            <a:ext cx="1235075" cy="700088"/>
+          </a:xfrm>
+          <a:prstGeom prst="rect">
+            <a:avLst/>
+          </a:prstGeom>
+          <a:noFill/>
+          <a:ln w="25400" algn="ctr">
+            <a:noFill/>
+            <a:miter lim="800000"/>
+            <a:headEnd/>
+            <a:tailEnd/>
+          </a:ln>
+          <a:effectLst/>
+          <a:extLst>
+            <a:ext uri="{909E8E84-426E-40DD-AFC4-6F175D3DCCD1}">
+              <a14:hiddenFill xmlns:a14="http://schemas.microsoft.com/office/drawing/2010/main">
+                <a:solidFill>
+                  <a:srgbClr val="FFFFFF"/>
+                </a:solidFill>
+              </a14:hiddenFill>
+            </a:ext>
+            <a:ext uri="{AF507438-7753-43E0-B8FC-AC1667EBCBE1}">
+              <a14:hiddenEffects xmlns:a14="http://schemas.microsoft.com/office/drawing/2010/main">
+                <a:effectLst>
+                  <a:outerShdw dist="35921" dir="2700000" algn="ctr" rotWithShape="0">
+                    <a:srgbClr val="CCCCCC"/>
+                  </a:outerShdw>
+                </a:effectLst>
+              </a14:hiddenEffects>
+            </a:ext>
+          </a:extLst>
+        </p:spPr>
+        <p:txBody>
+          <a:bodyPr vert="horz" wrap="square" lIns="36576" tIns="36576" rIns="36576" bIns="36576" numCol="1" anchor="t" anchorCtr="0" compatLnSpc="1">
+            <a:prstTxWarp prst="textNoShape">
+              <a:avLst/>
+            </a:prstTxWarp>
+          </a:bodyPr>
+          <a:lstStyle/>
+          <a:p>
+            <a:pPr marL="0" marR="0" lvl="0" indent="0" algn="ctr" defTabSz="914400" rtl="0" eaLnBrk="0" fontAlgn="base" latinLnBrk="0" hangingPunct="0">
+              <a:lnSpc>
+                <a:spcPct val="100000"/>
+              </a:lnSpc>
+              <a:spcBef>
+                <a:spcPct val="0"/>
+              </a:spcBef>
+              <a:spcAft>
+                <a:spcPct val="0"/>
+              </a:spcAft>
+              <a:buClrTx/>
+              <a:buSzTx/>
+              <a:buFontTx/>
+              <a:buNone/>
+              <a:tabLst/>
+            </a:pPr>
+            <a:r>
+              <a:rPr kumimoji="0" lang="en-US" altLang="en-US" sz="1600" b="0" i="0" u="none" strike="noStrike" cap="none" normalizeH="0" baseline="0" dirty="0">
+                <a:ln>
+                  <a:noFill/>
+                </a:ln>
+                <a:effectLst/>
+                <a:latin typeface="CMU Serif" panose="02000603000000000000" pitchFamily="2" charset="0"/>
+              </a:rPr>
+              <a:t>Environment</a:t>
+            </a:r>
+            <a:endParaRPr kumimoji="0" lang="en-US" altLang="en-US" sz="1800" b="0" i="0" u="none" strike="noStrike" cap="none" normalizeH="0" baseline="0" dirty="0">
+              <a:ln>
+                <a:noFill/>
+              </a:ln>
+              <a:effectLst/>
+              <a:latin typeface="Arial" panose="020B0604020202020204" pitchFamily="34" charset="0"/>
+            </a:endParaRPr>
+          </a:p>
+        </p:txBody>
+      </p:sp>
+      <p:cxnSp>
+        <p:nvCxnSpPr>
+          <p:cNvPr id="1028" name="AutoShape 4">
+            <a:extLst>
+              <a:ext uri="{FF2B5EF4-FFF2-40B4-BE49-F238E27FC236}">
+                <a16:creationId xmlns:a16="http://schemas.microsoft.com/office/drawing/2014/main" id="{41716E63-FAB7-B992-E762-FA0AD3D4822A}"/>
+              </a:ext>
+            </a:extLst>
+          </p:cNvPr>
+          <p:cNvCxnSpPr>
+            <a:cxnSpLocks noChangeShapeType="1"/>
+          </p:cNvCxnSpPr>
+          <p:nvPr/>
+        </p:nvCxnSpPr>
+        <p:spPr bwMode="auto">
+          <a:xfrm rot="16200000">
+            <a:off x="6269739" y="2494756"/>
+            <a:ext cx="179387" cy="1689100"/>
+          </a:xfrm>
+          <a:prstGeom prst="curvedConnector3">
+            <a:avLst>
+              <a:gd name="adj1" fmla="val 220681"/>
+            </a:avLst>
+          </a:prstGeom>
+          <a:noFill/>
+          <a:ln w="25400">
+            <a:solidFill>
+              <a:schemeClr val="tx1"/>
+            </a:solidFill>
+            <a:round/>
+            <a:headEnd/>
+            <a:tailEnd type="triangle" w="med" len="med"/>
+          </a:ln>
+          <a:effectLst/>
+          <a:extLst>
+            <a:ext uri="{909E8E84-426E-40DD-AFC4-6F175D3DCCD1}">
+              <a14:hiddenFill xmlns:a14="http://schemas.microsoft.com/office/drawing/2010/main">
+                <a:noFill/>
+              </a14:hiddenFill>
+            </a:ext>
+            <a:ext uri="{AF507438-7753-43E0-B8FC-AC1667EBCBE1}">
+              <a14:hiddenEffects xmlns:a14="http://schemas.microsoft.com/office/drawing/2010/main">
+                <a:effectLst>
+                  <a:outerShdw dist="35921" dir="2700000" algn="ctr" rotWithShape="0">
+                    <a:srgbClr val="CCCCCC"/>
+                  </a:outerShdw>
+                </a:effectLst>
+              </a14:hiddenEffects>
+            </a:ext>
+          </a:extLst>
+        </p:spPr>
+      </p:cxnSp>
+      <p:cxnSp>
+        <p:nvCxnSpPr>
+          <p:cNvPr id="1029" name="AutoShape 5">
+            <a:extLst>
+              <a:ext uri="{FF2B5EF4-FFF2-40B4-BE49-F238E27FC236}">
+                <a16:creationId xmlns:a16="http://schemas.microsoft.com/office/drawing/2014/main" id="{F2DDC8A0-BB6D-1280-7032-B7613479D57E}"/>
+              </a:ext>
+            </a:extLst>
+          </p:cNvPr>
+          <p:cNvCxnSpPr>
+            <a:cxnSpLocks noChangeShapeType="1"/>
+          </p:cNvCxnSpPr>
+          <p:nvPr/>
+        </p:nvCxnSpPr>
+        <p:spPr bwMode="auto">
+          <a:xfrm rot="5400000">
+            <a:off x="5723639" y="3563143"/>
+            <a:ext cx="179388" cy="1689100"/>
+          </a:xfrm>
+          <a:prstGeom prst="curvedConnector3">
+            <a:avLst>
+              <a:gd name="adj1" fmla="val 220681"/>
+            </a:avLst>
+          </a:prstGeom>
+          <a:noFill/>
+          <a:ln w="25400">
+            <a:solidFill>
+              <a:schemeClr val="tx1"/>
+            </a:solidFill>
+            <a:round/>
+            <a:headEnd/>
+            <a:tailEnd type="triangle" w="med" len="med"/>
+          </a:ln>
+          <a:effectLst/>
+          <a:extLst>
+            <a:ext uri="{909E8E84-426E-40DD-AFC4-6F175D3DCCD1}">
+              <a14:hiddenFill xmlns:a14="http://schemas.microsoft.com/office/drawing/2010/main">
+                <a:noFill/>
+              </a14:hiddenFill>
+            </a:ext>
+            <a:ext uri="{AF507438-7753-43E0-B8FC-AC1667EBCBE1}">
+              <a14:hiddenEffects xmlns:a14="http://schemas.microsoft.com/office/drawing/2010/main">
+                <a:effectLst>
+                  <a:outerShdw dist="35921" dir="2700000" algn="ctr" rotWithShape="0">
+                    <a:srgbClr val="CCCCCC"/>
+                  </a:outerShdw>
+                </a:effectLst>
+              </a14:hiddenEffects>
+            </a:ext>
+          </a:extLst>
+        </p:spPr>
+      </p:cxnSp>
+      <p:sp>
+        <p:nvSpPr>
+          <p:cNvPr id="6" name="Oval 6">
+            <a:extLst>
+              <a:ext uri="{FF2B5EF4-FFF2-40B4-BE49-F238E27FC236}">
+                <a16:creationId xmlns:a16="http://schemas.microsoft.com/office/drawing/2014/main" id="{66184CBE-1112-0DBE-7551-5F1FCBF47990}"/>
+              </a:ext>
+            </a:extLst>
+          </p:cNvPr>
+          <p:cNvSpPr>
+            <a:spLocks noChangeArrowheads="1"/>
+          </p:cNvSpPr>
+          <p:nvPr/>
+        </p:nvSpPr>
+        <p:spPr bwMode="auto">
+          <a:xfrm>
+            <a:off x="6432458" y="3262312"/>
+            <a:ext cx="1543050" cy="1222375"/>
+          </a:xfrm>
+          <a:prstGeom prst="ellipse">
+            <a:avLst/>
+          </a:prstGeom>
+          <a:noFill/>
+          <a:ln w="25400" algn="ctr">
+            <a:solidFill>
+              <a:schemeClr val="tx1"/>
+            </a:solidFill>
+            <a:round/>
+            <a:headEnd/>
+            <a:tailEnd/>
+          </a:ln>
+          <a:effectLst/>
+          <a:extLst>
+            <a:ext uri="{909E8E84-426E-40DD-AFC4-6F175D3DCCD1}">
+              <a14:hiddenFill xmlns:a14="http://schemas.microsoft.com/office/drawing/2010/main">
+                <a:solidFill>
+                  <a:srgbClr val="FFFFFF"/>
+                </a:solidFill>
+              </a14:hiddenFill>
+            </a:ext>
+            <a:ext uri="{AF507438-7753-43E0-B8FC-AC1667EBCBE1}">
+              <a14:hiddenEffects xmlns:a14="http://schemas.microsoft.com/office/drawing/2010/main">
+                <a:effectLst>
+                  <a:outerShdw dist="35921" dir="2700000" algn="ctr" rotWithShape="0">
+                    <a:srgbClr val="CCCCCC"/>
+                  </a:outerShdw>
+                </a:effectLst>
+              </a14:hiddenEffects>
+            </a:ext>
+          </a:extLst>
+        </p:spPr>
+        <p:txBody>
+          <a:bodyPr vert="horz" wrap="square" lIns="36576" tIns="36576" rIns="36576" bIns="36576" numCol="1" anchor="t" anchorCtr="0" compatLnSpc="1">
+            <a:prstTxWarp prst="textNoShape">
+              <a:avLst/>
+            </a:prstTxWarp>
+          </a:bodyPr>
+          <a:lstStyle/>
+          <a:p>
+            <a:endParaRPr lang="en-US"/>
+          </a:p>
+        </p:txBody>
+      </p:sp>
+      <p:sp>
+        <p:nvSpPr>
+          <p:cNvPr id="7" name="Text Box 7">
+            <a:extLst>
+              <a:ext uri="{FF2B5EF4-FFF2-40B4-BE49-F238E27FC236}">
+                <a16:creationId xmlns:a16="http://schemas.microsoft.com/office/drawing/2014/main" id="{A23831AE-41AD-293D-9DEB-F8BD3DC3FC86}"/>
+              </a:ext>
+            </a:extLst>
+          </p:cNvPr>
+          <p:cNvSpPr txBox="1">
+            <a:spLocks noChangeArrowheads="1"/>
+          </p:cNvSpPr>
+          <p:nvPr/>
+        </p:nvSpPr>
+        <p:spPr bwMode="auto">
+          <a:xfrm>
+            <a:off x="6586445" y="3707605"/>
+            <a:ext cx="1235075" cy="700087"/>
+          </a:xfrm>
+          <a:prstGeom prst="rect">
+            <a:avLst/>
+          </a:prstGeom>
+          <a:noFill/>
+          <a:ln w="25400" algn="ctr">
+            <a:noFill/>
+            <a:miter lim="800000"/>
+            <a:headEnd/>
+            <a:tailEnd/>
+          </a:ln>
+          <a:effectLst/>
+          <a:extLst>
+            <a:ext uri="{909E8E84-426E-40DD-AFC4-6F175D3DCCD1}">
+              <a14:hiddenFill xmlns:a14="http://schemas.microsoft.com/office/drawing/2010/main">
+                <a:solidFill>
+                  <a:srgbClr val="FFFFFF"/>
+                </a:solidFill>
+              </a14:hiddenFill>
+            </a:ext>
+            <a:ext uri="{AF507438-7753-43E0-B8FC-AC1667EBCBE1}">
+              <a14:hiddenEffects xmlns:a14="http://schemas.microsoft.com/office/drawing/2010/main">
+                <a:effectLst>
+                  <a:outerShdw dist="35921" dir="2700000" algn="ctr" rotWithShape="0">
+                    <a:srgbClr val="CCCCCC"/>
+                  </a:outerShdw>
+                </a:effectLst>
+              </a14:hiddenEffects>
+            </a:ext>
+          </a:extLst>
+        </p:spPr>
+        <p:txBody>
+          <a:bodyPr vert="horz" wrap="square" lIns="36576" tIns="36576" rIns="36576" bIns="36576" numCol="1" anchor="t" anchorCtr="0" compatLnSpc="1">
+            <a:prstTxWarp prst="textNoShape">
+              <a:avLst/>
+            </a:prstTxWarp>
+          </a:bodyPr>
+          <a:lstStyle/>
+          <a:p>
+            <a:pPr marL="0" marR="0" lvl="0" indent="0" algn="ctr" defTabSz="914400" rtl="0" eaLnBrk="0" fontAlgn="base" latinLnBrk="0" hangingPunct="0">
+              <a:lnSpc>
+                <a:spcPct val="100000"/>
+              </a:lnSpc>
+              <a:spcBef>
+                <a:spcPct val="0"/>
+              </a:spcBef>
+              <a:spcAft>
+                <a:spcPct val="0"/>
+              </a:spcAft>
+              <a:buClrTx/>
+              <a:buSzTx/>
+              <a:buFontTx/>
+              <a:buNone/>
+              <a:tabLst/>
+            </a:pPr>
+            <a:r>
+              <a:rPr kumimoji="0" lang="en-US" altLang="en-US" sz="1600" b="0" i="0" u="none" strike="noStrike" cap="none" normalizeH="0" baseline="0" dirty="0">
+                <a:ln>
+                  <a:noFill/>
+                </a:ln>
+                <a:effectLst/>
+                <a:latin typeface="CMU Serif" panose="02000603000000000000" pitchFamily="2" charset="0"/>
+              </a:rPr>
+              <a:t>Agent(s)</a:t>
+            </a:r>
+            <a:endParaRPr kumimoji="0" lang="en-US" altLang="en-US" sz="1800" b="0" i="0" u="none" strike="noStrike" cap="none" normalizeH="0" baseline="0" dirty="0">
+              <a:ln>
+                <a:noFill/>
+              </a:ln>
+              <a:effectLst/>
+              <a:latin typeface="Arial" panose="020B0604020202020204" pitchFamily="34" charset="0"/>
+            </a:endParaRPr>
+          </a:p>
+        </p:txBody>
+      </p:sp>
+      <p:sp>
+        <p:nvSpPr>
+          <p:cNvPr id="8" name="TextBox 7">
+            <a:extLst>
+              <a:ext uri="{FF2B5EF4-FFF2-40B4-BE49-F238E27FC236}">
+                <a16:creationId xmlns:a16="http://schemas.microsoft.com/office/drawing/2014/main" id="{54A785F9-7AD9-09E5-A5DB-3F07B303D0AB}"/>
+              </a:ext>
+            </a:extLst>
+          </p:cNvPr>
+          <p:cNvSpPr txBox="1"/>
+          <p:nvPr/>
+        </p:nvSpPr>
+        <p:spPr>
+          <a:xfrm>
+            <a:off x="5140169" y="4762188"/>
+            <a:ext cx="1615367" cy="276999"/>
+          </a:xfrm>
+          <a:prstGeom prst="rect">
+            <a:avLst/>
+          </a:prstGeom>
+          <a:noFill/>
+        </p:spPr>
+        <p:txBody>
+          <a:bodyPr wrap="square" rtlCol="0">
+            <a:spAutoFit/>
+          </a:bodyPr>
+          <a:lstStyle/>
+          <a:p>
+            <a:r>
+              <a:rPr lang="en-US" sz="1200" dirty="0"/>
+              <a:t>more on that later…</a:t>
+            </a:r>
+          </a:p>
+        </p:txBody>
+      </p:sp>
+    </p:spTree>
+    <p:extLst>
+      <p:ext uri="{BB962C8B-B14F-4D97-AF65-F5344CB8AC3E}">
+        <p14:creationId xmlns:p14="http://schemas.microsoft.com/office/powerpoint/2010/main" val="1471693836"/>
+      </p:ext>
+    </p:extLst>
+  </p:cSld>
+  <p:clrMapOvr>
+    <a:masterClrMapping/>
+  </p:clrMapOvr>
+  <mc:AlternateContent xmlns:mc="http://schemas.openxmlformats.org/markup-compatibility/2006">
+    <mc:Choice xmlns:p14="http://schemas.microsoft.com/office/powerpoint/2010/main" Requires="p14">
+      <p:transition spd="med" p14:dur="700">
+        <p:fade/>
+      </p:transition>
+    </mc:Choice>
+    <mc:Fallback>
+      <p:transition spd="med">
+        <p:fade/>
+      </p:transition>
+    </mc:Fallback>
+  </mc:AlternateContent>
+  <p:timing>
+    <p:tnLst>
+      <p:par>
+        <p:cTn id="1" dur="indefinite" restart="never" nodeType="tmRoot">
+          <p:childTnLst>
+            <p:seq concurrent="1" nextAc="seek">
+              <p:cTn id="2" dur="indefinite" nodeType="mainSeq">
+                <p:childTnLst>
+                  <p:par>
+                    <p:cTn id="3" fill="hold">
+                      <p:stCondLst>
+                        <p:cond delay="indefinite"/>
+                      </p:stCondLst>
+                      <p:childTnLst>
+                        <p:par>
+                          <p:cTn id="4" fill="hold">
+                            <p:stCondLst>
+                              <p:cond delay="0"/>
+                            </p:stCondLst>
+                            <p:childTnLst>
+                              <p:par>
+                                <p:cTn id="5" presetID="10" presetClass="entr" presetSubtype="0" fill="hold" grpId="0" nodeType="clickEffect">
+                                  <p:stCondLst>
+                                    <p:cond delay="0"/>
+                                  </p:stCondLst>
+                                  <p:childTnLst>
+                                    <p:set>
+                                      <p:cBhvr>
+                                        <p:cTn id="6" dur="1" fill="hold">
+                                          <p:stCondLst>
+                                            <p:cond delay="0"/>
+                                          </p:stCondLst>
+                                        </p:cTn>
+                                        <p:tgtEl>
+                                          <p:spTgt spid="4"/>
+                                        </p:tgtEl>
+                                        <p:attrNameLst>
+                                          <p:attrName>style.visibility</p:attrName>
+                                        </p:attrNameLst>
+                                      </p:cBhvr>
+                                      <p:to>
+                                        <p:strVal val="visible"/>
+                                      </p:to>
+                                    </p:set>
+                                    <p:animEffect transition="in" filter="fade">
+                                      <p:cBhvr>
+                                        <p:cTn id="7" dur="500"/>
+                                        <p:tgtEl>
+                                          <p:spTgt spid="4"/>
+                                        </p:tgtEl>
+                                      </p:cBhvr>
+                                    </p:animEffect>
+                                  </p:childTnLst>
+                                </p:cTn>
+                              </p:par>
+                              <p:par>
+                                <p:cTn id="8" presetID="10" presetClass="entr" presetSubtype="0" fill="hold" grpId="0" nodeType="withEffect">
+                                  <p:stCondLst>
+                                    <p:cond delay="0"/>
+                                  </p:stCondLst>
+                                  <p:childTnLst>
+                                    <p:set>
+                                      <p:cBhvr>
+                                        <p:cTn id="9" dur="1" fill="hold">
+                                          <p:stCondLst>
+                                            <p:cond delay="0"/>
+                                          </p:stCondLst>
+                                        </p:cTn>
+                                        <p:tgtEl>
+                                          <p:spTgt spid="5"/>
+                                        </p:tgtEl>
+                                        <p:attrNameLst>
+                                          <p:attrName>style.visibility</p:attrName>
+                                        </p:attrNameLst>
+                                      </p:cBhvr>
+                                      <p:to>
+                                        <p:strVal val="visible"/>
+                                      </p:to>
+                                    </p:set>
+                                    <p:animEffect transition="in" filter="fade">
+                                      <p:cBhvr>
+                                        <p:cTn id="10" dur="500"/>
+                                        <p:tgtEl>
+                                          <p:spTgt spid="5"/>
+                                        </p:tgtEl>
+                                      </p:cBhvr>
+                                    </p:animEffect>
+                                  </p:childTnLst>
+                                </p:cTn>
+                              </p:par>
+                              <p:par>
+                                <p:cTn id="11" presetID="10" presetClass="entr" presetSubtype="0" fill="hold" grpId="0" nodeType="withEffect">
+                                  <p:stCondLst>
+                                    <p:cond delay="0"/>
+                                  </p:stCondLst>
+                                  <p:childTnLst>
+                                    <p:set>
+                                      <p:cBhvr>
+                                        <p:cTn id="12" dur="1" fill="hold">
+                                          <p:stCondLst>
+                                            <p:cond delay="0"/>
+                                          </p:stCondLst>
+                                        </p:cTn>
+                                        <p:tgtEl>
+                                          <p:spTgt spid="6"/>
+                                        </p:tgtEl>
+                                        <p:attrNameLst>
+                                          <p:attrName>style.visibility</p:attrName>
+                                        </p:attrNameLst>
+                                      </p:cBhvr>
+                                      <p:to>
+                                        <p:strVal val="visible"/>
+                                      </p:to>
+                                    </p:set>
+                                    <p:animEffect transition="in" filter="fade">
+                                      <p:cBhvr>
+                                        <p:cTn id="13" dur="500"/>
+                                        <p:tgtEl>
+                                          <p:spTgt spid="6"/>
+                                        </p:tgtEl>
+                                      </p:cBhvr>
+                                    </p:animEffect>
+                                  </p:childTnLst>
+                                </p:cTn>
+                              </p:par>
+                              <p:par>
+                                <p:cTn id="14" presetID="10" presetClass="entr" presetSubtype="0" fill="hold" grpId="0" nodeType="withEffect">
+                                  <p:stCondLst>
+                                    <p:cond delay="0"/>
+                                  </p:stCondLst>
+                                  <p:childTnLst>
+                                    <p:set>
+                                      <p:cBhvr>
+                                        <p:cTn id="15" dur="1" fill="hold">
+                                          <p:stCondLst>
+                                            <p:cond delay="0"/>
+                                          </p:stCondLst>
+                                        </p:cTn>
+                                        <p:tgtEl>
+                                          <p:spTgt spid="7"/>
+                                        </p:tgtEl>
+                                        <p:attrNameLst>
+                                          <p:attrName>style.visibility</p:attrName>
+                                        </p:attrNameLst>
+                                      </p:cBhvr>
+                                      <p:to>
+                                        <p:strVal val="visible"/>
+                                      </p:to>
+                                    </p:set>
+                                    <p:animEffect transition="in" filter="fade">
+                                      <p:cBhvr>
+                                        <p:cTn id="16" dur="500"/>
+                                        <p:tgtEl>
+                                          <p:spTgt spid="7"/>
+                                        </p:tgtEl>
+                                      </p:cBhvr>
+                                    </p:animEffect>
+                                  </p:childTnLst>
+                                </p:cTn>
+                              </p:par>
+                            </p:childTnLst>
+                          </p:cTn>
+                        </p:par>
+                      </p:childTnLst>
+                    </p:cTn>
+                  </p:par>
+                  <p:par>
+                    <p:cTn id="17" fill="hold">
+                      <p:stCondLst>
+                        <p:cond delay="indefinite"/>
+                      </p:stCondLst>
+                      <p:childTnLst>
+                        <p:par>
+                          <p:cTn id="18" fill="hold">
+                            <p:stCondLst>
+                              <p:cond delay="0"/>
+                            </p:stCondLst>
+                            <p:childTnLst>
+                              <p:par>
+                                <p:cTn id="19" presetID="10" presetClass="entr" presetSubtype="0" fill="hold" nodeType="clickEffect">
+                                  <p:stCondLst>
+                                    <p:cond delay="0"/>
+                                  </p:stCondLst>
+                                  <p:childTnLst>
+                                    <p:set>
+                                      <p:cBhvr>
+                                        <p:cTn id="20" dur="1" fill="hold">
+                                          <p:stCondLst>
+                                            <p:cond delay="0"/>
+                                          </p:stCondLst>
+                                        </p:cTn>
+                                        <p:tgtEl>
+                                          <p:spTgt spid="1028"/>
+                                        </p:tgtEl>
+                                        <p:attrNameLst>
+                                          <p:attrName>style.visibility</p:attrName>
+                                        </p:attrNameLst>
+                                      </p:cBhvr>
+                                      <p:to>
+                                        <p:strVal val="visible"/>
+                                      </p:to>
+                                    </p:set>
+                                    <p:animEffect transition="in" filter="fade">
+                                      <p:cBhvr>
+                                        <p:cTn id="21" dur="500"/>
+                                        <p:tgtEl>
+                                          <p:spTgt spid="1028"/>
+                                        </p:tgtEl>
+                                      </p:cBhvr>
+                                    </p:animEffect>
+                                  </p:childTnLst>
+                                </p:cTn>
+                              </p:par>
+                            </p:childTnLst>
+                          </p:cTn>
+                        </p:par>
+                      </p:childTnLst>
+                    </p:cTn>
+                  </p:par>
+                  <p:par>
+                    <p:cTn id="22" fill="hold">
+                      <p:stCondLst>
+                        <p:cond delay="indefinite"/>
+                      </p:stCondLst>
+                      <p:childTnLst>
+                        <p:par>
+                          <p:cTn id="23" fill="hold">
+                            <p:stCondLst>
+                              <p:cond delay="0"/>
+                            </p:stCondLst>
+                            <p:childTnLst>
+                              <p:par>
+                                <p:cTn id="24" presetID="10" presetClass="entr" presetSubtype="0" fill="hold" nodeType="clickEffect">
+                                  <p:stCondLst>
+                                    <p:cond delay="0"/>
+                                  </p:stCondLst>
+                                  <p:childTnLst>
+                                    <p:set>
+                                      <p:cBhvr>
+                                        <p:cTn id="25" dur="1" fill="hold">
+                                          <p:stCondLst>
+                                            <p:cond delay="0"/>
+                                          </p:stCondLst>
+                                        </p:cTn>
+                                        <p:tgtEl>
+                                          <p:spTgt spid="1029"/>
+                                        </p:tgtEl>
+                                        <p:attrNameLst>
+                                          <p:attrName>style.visibility</p:attrName>
+                                        </p:attrNameLst>
+                                      </p:cBhvr>
+                                      <p:to>
+                                        <p:strVal val="visible"/>
+                                      </p:to>
+                                    </p:set>
+                                    <p:animEffect transition="in" filter="fade">
+                                      <p:cBhvr>
+                                        <p:cTn id="26" dur="500"/>
+                                        <p:tgtEl>
+                                          <p:spTgt spid="1029"/>
+                                        </p:tgtEl>
+                                      </p:cBhvr>
+                                    </p:animEffect>
+                                  </p:childTnLst>
+                                </p:cTn>
+                              </p:par>
+                            </p:childTnLst>
+                          </p:cTn>
+                        </p:par>
+                      </p:childTnLst>
+                    </p:cTn>
+                  </p:par>
+                  <p:par>
+                    <p:cTn id="27" fill="hold">
+                      <p:stCondLst>
+                        <p:cond delay="indefinite"/>
+                      </p:stCondLst>
+                      <p:childTnLst>
+                        <p:par>
+                          <p:cTn id="28" fill="hold">
+                            <p:stCondLst>
+                              <p:cond delay="0"/>
+                            </p:stCondLst>
+                            <p:childTnLst>
+                              <p:par>
+                                <p:cTn id="29" presetID="10" presetClass="entr" presetSubtype="0" fill="hold" grpId="0" nodeType="clickEffect">
+                                  <p:stCondLst>
+                                    <p:cond delay="0"/>
+                                  </p:stCondLst>
+                                  <p:childTnLst>
+                                    <p:set>
+                                      <p:cBhvr>
+                                        <p:cTn id="30" dur="1" fill="hold">
+                                          <p:stCondLst>
+                                            <p:cond delay="0"/>
+                                          </p:stCondLst>
+                                        </p:cTn>
+                                        <p:tgtEl>
+                                          <p:spTgt spid="8"/>
+                                        </p:tgtEl>
+                                        <p:attrNameLst>
+                                          <p:attrName>style.visibility</p:attrName>
+                                        </p:attrNameLst>
+                                      </p:cBhvr>
+                                      <p:to>
+                                        <p:strVal val="visible"/>
+                                      </p:to>
+                                    </p:set>
+                                    <p:animEffect transition="in" filter="fade">
+                                      <p:cBhvr>
+                                        <p:cTn id="31" dur="500"/>
+                                        <p:tgtEl>
+                                          <p:spTgt spid="8"/>
+                                        </p:tgtEl>
+                                      </p:cBhvr>
+                                    </p:animEffect>
+                                  </p:childTnLst>
+                                </p:cTn>
+                              </p:par>
+                            </p:childTnLst>
+                          </p:cTn>
+                        </p:par>
+                      </p:childTnLst>
+                    </p:cTn>
+                  </p:par>
+                </p:childTnLst>
+              </p:cTn>
+              <p:prevCondLst>
+                <p:cond evt="onPrev" delay="0">
+                  <p:tgtEl>
+                    <p:sldTgt/>
+                  </p:tgtEl>
+                </p:cond>
+              </p:prevCondLst>
+              <p:nextCondLst>
+                <p:cond evt="onNext" delay="0">
+                  <p:tgtEl>
+                    <p:sldTgt/>
+                  </p:tgtEl>
+                </p:cond>
+              </p:nextCondLst>
+            </p:seq>
+          </p:childTnLst>
+        </p:cTn>
+      </p:par>
+    </p:tnLst>
+    <p:bldLst>
+      <p:bldP spid="4" grpId="0" animBg="1"/>
+      <p:bldP spid="5" grpId="0"/>
+      <p:bldP spid="6" grpId="0" animBg="1"/>
+      <p:bldP spid="7" grpId="0"/>
+      <p:bldP spid="8" grpId="0"/>
+    </p:bldLst>
+  </p:timing>
+</p:sld>
+</file>
+
+<file path=ppt/slides/slide4.xml><?xml version="1.0" encoding="utf-8"?>
+<p:sld xmlns:a="http://schemas.openxmlformats.org/drawingml/2006/main" xmlns:r="http://schemas.openxmlformats.org/officeDocument/2006/relationships" xmlns:p="http://schemas.openxmlformats.org/presentationml/2006/main">
+  <p:cSld>
+    <p:spTree>
+      <p:nvGrpSpPr>
+        <p:cNvPr id="1" name=""/>
+        <p:cNvGrpSpPr/>
+        <p:nvPr/>
+      </p:nvGrpSpPr>
+      <p:grpSpPr>
+        <a:xfrm>
+          <a:off x="0" y="0"/>
+          <a:ext cx="0" cy="0"/>
+          <a:chOff x="0" y="0"/>
+          <a:chExt cx="0" cy="0"/>
+        </a:xfrm>
+      </p:grpSpPr>
+      <p:sp>
+        <p:nvSpPr>
+          <p:cNvPr id="2" name="Title 1">
+            <a:extLst>
+              <a:ext uri="{FF2B5EF4-FFF2-40B4-BE49-F238E27FC236}">
+                <a16:creationId xmlns:a16="http://schemas.microsoft.com/office/drawing/2014/main" id="{B6B9F9D5-1364-C056-CDC3-1E4760642DA4}"/>
+              </a:ext>
+            </a:extLst>
+          </p:cNvPr>
+          <p:cNvSpPr>
+            <a:spLocks noGrp="1"/>
+          </p:cNvSpPr>
+          <p:nvPr>
+            <p:ph type="title"/>
+          </p:nvPr>
+        </p:nvSpPr>
+        <p:spPr/>
+        <p:txBody>
+          <a:bodyPr/>
+          <a:lstStyle/>
+          <a:p>
+            <a:pPr algn="l"/>
+            <a:r>
+              <a:rPr lang="en-US" dirty="0"/>
+              <a:t>Environment: Entity</a:t>
+            </a:r>
+          </a:p>
+        </p:txBody>
+      </p:sp>
+      <p:sp>
+        <p:nvSpPr>
+          <p:cNvPr id="3" name="Content Placeholder 2">
+            <a:extLst>
+              <a:ext uri="{FF2B5EF4-FFF2-40B4-BE49-F238E27FC236}">
+                <a16:creationId xmlns:a16="http://schemas.microsoft.com/office/drawing/2014/main" id="{3281FC19-996E-C663-CF91-0330A46D7691}"/>
+              </a:ext>
+            </a:extLst>
+          </p:cNvPr>
+          <p:cNvSpPr>
+            <a:spLocks noGrp="1"/>
+          </p:cNvSpPr>
+          <p:nvPr>
+            <p:ph idx="1"/>
+          </p:nvPr>
+        </p:nvSpPr>
+        <p:spPr>
+          <a:xfrm>
+            <a:off x="2197730" y="1732520"/>
+            <a:ext cx="7796540" cy="3997828"/>
+          </a:xfrm>
+        </p:spPr>
+        <p:txBody>
+          <a:bodyPr/>
+          <a:lstStyle/>
+          <a:p>
+            <a:r>
+              <a:rPr lang="en-US" dirty="0"/>
+              <a:t>class Entity:</a:t>
+            </a:r>
+          </a:p>
+          <a:p>
+            <a:pPr marL="0" indent="0">
+              <a:buNone/>
+            </a:pPr>
+            <a:r>
+              <a:rPr lang="en-US" dirty="0"/>
+              <a:t>	- can </a:t>
+            </a:r>
+            <a:r>
+              <a:rPr lang="en-US" u="sng" dirty="0"/>
+              <a:t>produce</a:t>
+            </a:r>
+            <a:r>
+              <a:rPr lang="en-US" dirty="0"/>
+              <a:t>, </a:t>
+            </a:r>
+            <a:r>
+              <a:rPr lang="en-US" u="sng" dirty="0"/>
+              <a:t>use</a:t>
+            </a:r>
+            <a:r>
+              <a:rPr lang="en-US" dirty="0"/>
+              <a:t>, and </a:t>
+            </a:r>
+            <a:r>
+              <a:rPr lang="en-US" u="sng" dirty="0"/>
+              <a:t>store</a:t>
+            </a:r>
+            <a:r>
+              <a:rPr lang="en-US" dirty="0"/>
+              <a:t> certain resources</a:t>
+            </a:r>
+          </a:p>
+          <a:p>
+            <a:pPr marL="0" indent="0">
+              <a:buNone/>
+            </a:pPr>
+            <a:r>
+              <a:rPr lang="en-US" dirty="0"/>
+              <a:t>	- has a physical “location”</a:t>
+            </a:r>
+          </a:p>
+        </p:txBody>
+      </p:sp>
+    </p:spTree>
+    <p:extLst>
+      <p:ext uri="{BB962C8B-B14F-4D97-AF65-F5344CB8AC3E}">
+        <p14:creationId xmlns:p14="http://schemas.microsoft.com/office/powerpoint/2010/main" val="3985093125"/>
+      </p:ext>
+    </p:extLst>
+  </p:cSld>
+  <p:clrMapOvr>
+    <a:masterClrMapping/>
+  </p:clrMapOvr>
+  <mc:AlternateContent xmlns:mc="http://schemas.openxmlformats.org/markup-compatibility/2006">
+    <mc:Choice xmlns:p14="http://schemas.microsoft.com/office/powerpoint/2010/main" Requires="p14">
+      <p:transition spd="med" p14:dur="700">
+        <p:fade/>
+      </p:transition>
+    </mc:Choice>
+    <mc:Fallback>
+      <p:transition spd="med">
+        <p:fade/>
+      </p:transition>
+    </mc:Fallback>
+  </mc:AlternateContent>
+</p:sld>
+</file>
+
+<file path=ppt/slides/slide5.xml><?xml version="1.0" encoding="utf-8"?>
+<p:sld xmlns:a="http://schemas.openxmlformats.org/drawingml/2006/main" xmlns:r="http://schemas.openxmlformats.org/officeDocument/2006/relationships" xmlns:p="http://schemas.openxmlformats.org/presentationml/2006/main">
+  <p:cSld>
+    <p:spTree>
+      <p:nvGrpSpPr>
+        <p:cNvPr id="1" name=""/>
+        <p:cNvGrpSpPr/>
+        <p:nvPr/>
+      </p:nvGrpSpPr>
+      <p:grpSpPr>
+        <a:xfrm>
+          <a:off x="0" y="0"/>
+          <a:ext cx="0" cy="0"/>
+          <a:chOff x="0" y="0"/>
+          <a:chExt cx="0" cy="0"/>
+        </a:xfrm>
+      </p:grpSpPr>
+      <p:sp>
+        <p:nvSpPr>
+          <p:cNvPr id="2" name="Title 1">
+            <a:extLst>
+              <a:ext uri="{FF2B5EF4-FFF2-40B4-BE49-F238E27FC236}">
+                <a16:creationId xmlns:a16="http://schemas.microsoft.com/office/drawing/2014/main" id="{B6B9F9D5-1364-C056-CDC3-1E4760642DA4}"/>
+              </a:ext>
+            </a:extLst>
+          </p:cNvPr>
+          <p:cNvSpPr>
+            <a:spLocks noGrp="1"/>
+          </p:cNvSpPr>
+          <p:nvPr>
+            <p:ph type="title"/>
+          </p:nvPr>
+        </p:nvSpPr>
+        <p:spPr/>
+        <p:txBody>
+          <a:bodyPr/>
+          <a:lstStyle/>
+          <a:p>
+            <a:pPr algn="l"/>
+            <a:r>
+              <a:rPr lang="en-US" dirty="0"/>
+              <a:t>Environment: Resource</a:t>
+            </a:r>
+          </a:p>
+        </p:txBody>
+      </p:sp>
+      <p:sp>
+        <p:nvSpPr>
+          <p:cNvPr id="3" name="Content Placeholder 2">
+            <a:extLst>
+              <a:ext uri="{FF2B5EF4-FFF2-40B4-BE49-F238E27FC236}">
+                <a16:creationId xmlns:a16="http://schemas.microsoft.com/office/drawing/2014/main" id="{3281FC19-996E-C663-CF91-0330A46D7691}"/>
+              </a:ext>
+            </a:extLst>
+          </p:cNvPr>
+          <p:cNvSpPr>
+            <a:spLocks noGrp="1"/>
+          </p:cNvSpPr>
+          <p:nvPr>
+            <p:ph idx="1"/>
+          </p:nvPr>
+        </p:nvSpPr>
+        <p:spPr>
+          <a:xfrm>
+            <a:off x="2197730" y="2052116"/>
+            <a:ext cx="7796540" cy="3997828"/>
+          </a:xfrm>
+        </p:spPr>
+        <p:txBody>
+          <a:bodyPr/>
+          <a:lstStyle/>
+          <a:p>
+            <a:r>
+              <a:rPr lang="en-US" dirty="0"/>
+              <a:t>class Resource:</a:t>
+            </a:r>
+          </a:p>
+          <a:p>
+            <a:pPr marL="0" indent="0">
+              <a:buNone/>
+            </a:pPr>
+            <a:r>
+              <a:rPr lang="en-US" dirty="0"/>
+              <a:t>	- represents a certain resource</a:t>
+            </a:r>
+          </a:p>
+          <a:p>
+            <a:pPr marL="0" indent="0">
+              <a:buNone/>
+            </a:pPr>
+            <a:r>
+              <a:rPr lang="en-US" dirty="0"/>
+              <a:t>	- gets added to the entity</a:t>
+            </a:r>
+          </a:p>
+          <a:p>
+            <a:pPr marL="0" indent="0">
+              <a:buNone/>
+            </a:pPr>
+            <a:r>
+              <a:rPr lang="en-US" dirty="0"/>
+              <a:t>	- has a number of “links” to other entities</a:t>
+            </a:r>
+          </a:p>
+        </p:txBody>
+      </p:sp>
+    </p:spTree>
+    <p:extLst>
+      <p:ext uri="{BB962C8B-B14F-4D97-AF65-F5344CB8AC3E}">
+        <p14:creationId xmlns:p14="http://schemas.microsoft.com/office/powerpoint/2010/main" val="873737183"/>
+      </p:ext>
+    </p:extLst>
+  </p:cSld>
+  <p:clrMapOvr>
+    <a:masterClrMapping/>
+  </p:clrMapOvr>
+  <mc:AlternateContent xmlns:mc="http://schemas.openxmlformats.org/markup-compatibility/2006">
+    <mc:Choice xmlns:p14="http://schemas.microsoft.com/office/powerpoint/2010/main" Requires="p14">
+      <p:transition spd="med" p14:dur="700">
+        <p:fade/>
+      </p:transition>
+    </mc:Choice>
+    <mc:Fallback>
+      <p:transition spd="med">
+        <p:fade/>
+      </p:transition>
+    </mc:Fallback>
+  </mc:AlternateContent>
+</p:sld>
+</file>
+
+<file path=ppt/slides/slide6.xml><?xml version="1.0" encoding="utf-8"?>
+<p:sld xmlns:a="http://schemas.openxmlformats.org/drawingml/2006/main" xmlns:r="http://schemas.openxmlformats.org/officeDocument/2006/relationships" xmlns:p="http://schemas.openxmlformats.org/presentationml/2006/main">
+  <p:cSld>
+    <p:spTree>
+      <p:nvGrpSpPr>
+        <p:cNvPr id="1" name=""/>
+        <p:cNvGrpSpPr/>
+        <p:nvPr/>
+      </p:nvGrpSpPr>
+      <p:grpSpPr>
+        <a:xfrm>
+          <a:off x="0" y="0"/>
+          <a:ext cx="0" cy="0"/>
+          <a:chOff x="0" y="0"/>
+          <a:chExt cx="0" cy="0"/>
+        </a:xfrm>
+      </p:grpSpPr>
+      <p:sp>
+        <p:nvSpPr>
+          <p:cNvPr id="2" name="Title 1">
+            <a:extLst>
+              <a:ext uri="{FF2B5EF4-FFF2-40B4-BE49-F238E27FC236}">
+                <a16:creationId xmlns:a16="http://schemas.microsoft.com/office/drawing/2014/main" id="{B6B9F9D5-1364-C056-CDC3-1E4760642DA4}"/>
+              </a:ext>
+            </a:extLst>
+          </p:cNvPr>
+          <p:cNvSpPr>
+            <a:spLocks noGrp="1"/>
+          </p:cNvSpPr>
+          <p:nvPr>
+            <p:ph type="title"/>
+          </p:nvPr>
+        </p:nvSpPr>
+        <p:spPr/>
+        <p:txBody>
+          <a:bodyPr/>
+          <a:lstStyle/>
+          <a:p>
+            <a:pPr algn="l"/>
+            <a:r>
+              <a:rPr lang="en-US" dirty="0"/>
+              <a:t>Environment: Link</a:t>
+            </a:r>
+          </a:p>
+        </p:txBody>
+      </p:sp>
+      <p:sp>
+        <p:nvSpPr>
+          <p:cNvPr id="3" name="Content Placeholder 2">
+            <a:extLst>
+              <a:ext uri="{FF2B5EF4-FFF2-40B4-BE49-F238E27FC236}">
+                <a16:creationId xmlns:a16="http://schemas.microsoft.com/office/drawing/2014/main" id="{3281FC19-996E-C663-CF91-0330A46D7691}"/>
+              </a:ext>
+            </a:extLst>
+          </p:cNvPr>
+          <p:cNvSpPr>
+            <a:spLocks noGrp="1"/>
+          </p:cNvSpPr>
+          <p:nvPr>
+            <p:ph idx="1"/>
+          </p:nvPr>
+        </p:nvSpPr>
+        <p:spPr>
+          <a:xfrm>
+            <a:off x="2116834" y="2052116"/>
+            <a:ext cx="7958331" cy="3997828"/>
+          </a:xfrm>
+        </p:spPr>
+        <p:txBody>
+          <a:bodyPr/>
+          <a:lstStyle/>
+          <a:p>
+            <a:r>
+              <a:rPr lang="en-US" dirty="0"/>
+              <a:t>class Link:</a:t>
+            </a:r>
+          </a:p>
+          <a:p>
+            <a:pPr marL="0" indent="0">
+              <a:buNone/>
+            </a:pPr>
+            <a:r>
+              <a:rPr lang="en-US" dirty="0"/>
+              <a:t>	- represents a link between two entities for a certain resource</a:t>
+            </a:r>
+          </a:p>
+          <a:p>
+            <a:pPr marL="0" indent="0">
+              <a:buNone/>
+            </a:pPr>
+            <a:r>
+              <a:rPr lang="en-US" dirty="0"/>
+              <a:t>	- gets added to resource instances</a:t>
+            </a:r>
+          </a:p>
+          <a:p>
+            <a:pPr marL="0" indent="0">
+              <a:buNone/>
+            </a:pPr>
+            <a:r>
+              <a:rPr lang="en-US" dirty="0"/>
+              <a:t>	- has “chance” of working for the route</a:t>
+            </a:r>
+          </a:p>
+          <a:p>
+            <a:pPr marL="0" indent="0">
+              <a:buNone/>
+            </a:pPr>
+            <a:r>
+              <a:rPr lang="en-US" dirty="0"/>
+              <a:t>	- has “</a:t>
+            </a:r>
+            <a:r>
+              <a:rPr lang="en-US" dirty="0" err="1"/>
+              <a:t>price_factor</a:t>
+            </a:r>
+            <a:r>
+              <a:rPr lang="en-US" dirty="0"/>
+              <a:t>” indicating the hardness of transfer</a:t>
+            </a:r>
+          </a:p>
+          <a:p>
+            <a:pPr marL="0" indent="0">
+              <a:buNone/>
+            </a:pPr>
+            <a:r>
+              <a:rPr lang="en-US" dirty="0"/>
+              <a:t>	- can be “active” or not</a:t>
+            </a:r>
+          </a:p>
+          <a:p>
+            <a:pPr marL="0" indent="0">
+              <a:buNone/>
+            </a:pPr>
+            <a:r>
+              <a:rPr lang="en-US" dirty="0"/>
+              <a:t>	- has “</a:t>
+            </a:r>
+            <a:r>
+              <a:rPr lang="en-US" dirty="0" err="1"/>
+              <a:t>max_discharge</a:t>
+            </a:r>
+            <a:r>
+              <a:rPr lang="en-US" dirty="0"/>
+              <a:t>” indicating maximum volume per step</a:t>
+            </a:r>
+          </a:p>
+        </p:txBody>
+      </p:sp>
+    </p:spTree>
+    <p:extLst>
+      <p:ext uri="{BB962C8B-B14F-4D97-AF65-F5344CB8AC3E}">
+        <p14:creationId xmlns:p14="http://schemas.microsoft.com/office/powerpoint/2010/main" val="1460730476"/>
+      </p:ext>
+    </p:extLst>
+  </p:cSld>
+  <p:clrMapOvr>
+    <a:masterClrMapping/>
+  </p:clrMapOvr>
+  <mc:AlternateContent xmlns:mc="http://schemas.openxmlformats.org/markup-compatibility/2006">
+    <mc:Choice xmlns:p14="http://schemas.microsoft.com/office/powerpoint/2010/main" Requires="p14">
+      <p:transition spd="med" p14:dur="700">
+        <p:fade/>
+      </p:transition>
+    </mc:Choice>
+    <mc:Fallback>
+      <p:transition spd="med">
+        <p:fade/>
+      </p:transition>
+    </mc:Fallback>
+  </mc:AlternateContent>
+</p:sld>
+</file>
+
+<file path=ppt/slides/slide7.xml><?xml version="1.0" encoding="utf-8"?>
+<p:sld xmlns:a="http://schemas.openxmlformats.org/drawingml/2006/main" xmlns:r="http://schemas.openxmlformats.org/officeDocument/2006/relationships" xmlns:p="http://schemas.openxmlformats.org/presentationml/2006/main">
+  <p:cSld>
+    <p:spTree>
+      <p:nvGrpSpPr>
+        <p:cNvPr id="1" name=""/>
+        <p:cNvGrpSpPr/>
+        <p:nvPr/>
+      </p:nvGrpSpPr>
+      <p:grpSpPr>
+        <a:xfrm>
+          <a:off x="0" y="0"/>
+          <a:ext cx="0" cy="0"/>
+          <a:chOff x="0" y="0"/>
+          <a:chExt cx="0" cy="0"/>
+        </a:xfrm>
+      </p:grpSpPr>
+      <p:sp>
+        <p:nvSpPr>
+          <p:cNvPr id="2" name="Title 1">
+            <a:extLst>
+              <a:ext uri="{FF2B5EF4-FFF2-40B4-BE49-F238E27FC236}">
+                <a16:creationId xmlns:a16="http://schemas.microsoft.com/office/drawing/2014/main" id="{B6B9F9D5-1364-C056-CDC3-1E4760642DA4}"/>
+              </a:ext>
+            </a:extLst>
+          </p:cNvPr>
+          <p:cNvSpPr>
+            <a:spLocks noGrp="1"/>
+          </p:cNvSpPr>
+          <p:nvPr>
+            <p:ph type="title"/>
+          </p:nvPr>
+        </p:nvSpPr>
+        <p:spPr/>
+        <p:txBody>
+          <a:bodyPr/>
+          <a:lstStyle/>
+          <a:p>
+            <a:pPr algn="l"/>
+            <a:r>
+              <a:rPr lang="en-US" dirty="0"/>
+              <a:t>Environment: Model</a:t>
+            </a:r>
+          </a:p>
+        </p:txBody>
+      </p:sp>
+      <p:sp>
+        <p:nvSpPr>
+          <p:cNvPr id="3" name="Content Placeholder 2">
+            <a:extLst>
+              <a:ext uri="{FF2B5EF4-FFF2-40B4-BE49-F238E27FC236}">
+                <a16:creationId xmlns:a16="http://schemas.microsoft.com/office/drawing/2014/main" id="{3281FC19-996E-C663-CF91-0330A46D7691}"/>
+              </a:ext>
+            </a:extLst>
+          </p:cNvPr>
+          <p:cNvSpPr>
+            <a:spLocks noGrp="1"/>
+          </p:cNvSpPr>
+          <p:nvPr>
+            <p:ph idx="1"/>
+          </p:nvPr>
+        </p:nvSpPr>
+        <p:spPr>
+          <a:xfrm>
+            <a:off x="2197730" y="1885285"/>
+            <a:ext cx="7796540" cy="3997828"/>
+          </a:xfrm>
+        </p:spPr>
+        <p:txBody>
+          <a:bodyPr/>
+          <a:lstStyle/>
+          <a:p>
+            <a:r>
+              <a:rPr lang="en-US" dirty="0"/>
+              <a:t>class Model:</a:t>
+            </a:r>
+          </a:p>
+          <a:p>
+            <a:pPr marL="0" indent="0">
+              <a:buNone/>
+            </a:pPr>
+            <a:r>
+              <a:rPr lang="en-US" dirty="0"/>
+              <a:t>	- main class for environment</a:t>
+            </a:r>
+          </a:p>
+          <a:p>
+            <a:pPr marL="0" indent="0">
+              <a:buNone/>
+            </a:pPr>
+            <a:r>
+              <a:rPr lang="en-US" dirty="0"/>
+              <a:t>	- entities are added to this class</a:t>
+            </a:r>
+          </a:p>
+          <a:p>
+            <a:pPr marL="0" indent="0">
+              <a:buNone/>
+            </a:pPr>
+            <a:r>
+              <a:rPr lang="en-US" dirty="0"/>
+              <a:t>	- economy is in charge of updating values in the model</a:t>
+            </a:r>
+          </a:p>
+        </p:txBody>
+      </p:sp>
+    </p:spTree>
+    <p:extLst>
+      <p:ext uri="{BB962C8B-B14F-4D97-AF65-F5344CB8AC3E}">
+        <p14:creationId xmlns:p14="http://schemas.microsoft.com/office/powerpoint/2010/main" val="3699989646"/>
+      </p:ext>
+    </p:extLst>
+  </p:cSld>
+  <p:clrMapOvr>
+    <a:masterClrMapping/>
+  </p:clrMapOvr>
+  <mc:AlternateContent xmlns:mc="http://schemas.openxmlformats.org/markup-compatibility/2006">
+    <mc:Choice xmlns:p14="http://schemas.microsoft.com/office/powerpoint/2010/main" Requires="p14">
+      <p:transition spd="med" p14:dur="700">
+        <p:fade/>
+      </p:transition>
+    </mc:Choice>
+    <mc:Fallback>
+      <p:transition spd="med">
+        <p:fade/>
+      </p:transition>
+    </mc:Fallback>
+  </mc:AlternateContent>
+</p:sld>
+</file>
+
+<file path=ppt/slides/slide8.xml><?xml version="1.0" encoding="utf-8"?>
+<p:sld xmlns:a="http://schemas.openxmlformats.org/drawingml/2006/main" xmlns:r="http://schemas.openxmlformats.org/officeDocument/2006/relationships" xmlns:p="http://schemas.openxmlformats.org/presentationml/2006/main">
+  <p:cSld>
+    <p:spTree>
+      <p:nvGrpSpPr>
+        <p:cNvPr id="1" name=""/>
+        <p:cNvGrpSpPr/>
+        <p:nvPr/>
+      </p:nvGrpSpPr>
+      <p:grpSpPr>
+        <a:xfrm>
+          <a:off x="0" y="0"/>
+          <a:ext cx="0" cy="0"/>
+          <a:chOff x="0" y="0"/>
+          <a:chExt cx="0" cy="0"/>
+        </a:xfrm>
+      </p:grpSpPr>
+      <p:sp>
+        <p:nvSpPr>
+          <p:cNvPr id="2" name="Title 1">
+            <a:extLst>
+              <a:ext uri="{FF2B5EF4-FFF2-40B4-BE49-F238E27FC236}">
+                <a16:creationId xmlns:a16="http://schemas.microsoft.com/office/drawing/2014/main" id="{B6B9F9D5-1364-C056-CDC3-1E4760642DA4}"/>
+              </a:ext>
+            </a:extLst>
+          </p:cNvPr>
+          <p:cNvSpPr>
+            <a:spLocks noGrp="1"/>
+          </p:cNvSpPr>
+          <p:nvPr>
+            <p:ph type="title"/>
+          </p:nvPr>
+        </p:nvSpPr>
+        <p:spPr/>
+        <p:txBody>
+          <a:bodyPr/>
+          <a:lstStyle/>
+          <a:p>
+            <a:pPr algn="l"/>
+            <a:r>
+              <a:rPr lang="en-US" dirty="0"/>
+              <a:t>Environment: Example</a:t>
+            </a:r>
+          </a:p>
+        </p:txBody>
+      </p:sp>
+      <p:sp>
+        <p:nvSpPr>
+          <p:cNvPr id="9" name="TextBox 8">
+            <a:extLst>
+              <a:ext uri="{FF2B5EF4-FFF2-40B4-BE49-F238E27FC236}">
+                <a16:creationId xmlns:a16="http://schemas.microsoft.com/office/drawing/2014/main" id="{53CD502F-781F-AD12-5E64-DE39A74F81E3}"/>
+              </a:ext>
+            </a:extLst>
+          </p:cNvPr>
+          <p:cNvSpPr txBox="1"/>
+          <p:nvPr/>
+        </p:nvSpPr>
+        <p:spPr>
+          <a:xfrm>
+            <a:off x="1831021" y="1565688"/>
+            <a:ext cx="3735280" cy="3139321"/>
+          </a:xfrm>
+          <a:prstGeom prst="rect">
+            <a:avLst/>
+          </a:prstGeom>
+          <a:noFill/>
+        </p:spPr>
+        <p:txBody>
+          <a:bodyPr wrap="square">
+            <a:spAutoFit/>
+          </a:bodyPr>
+          <a:lstStyle/>
+          <a:p>
+            <a:r>
+              <a:rPr lang="en-US" sz="1100" b="0" dirty="0">
+                <a:solidFill>
+                  <a:srgbClr val="9CDCFE"/>
+                </a:solidFill>
+                <a:effectLst/>
+                <a:latin typeface="Consolas" panose="020B0609020204030204" pitchFamily="49" charset="0"/>
+              </a:rPr>
+              <a:t>resource_1</a:t>
+            </a:r>
+            <a:r>
+              <a:rPr lang="en-US" sz="1100" b="0" dirty="0">
+                <a:solidFill>
+                  <a:srgbClr val="D4D4D4"/>
+                </a:solidFill>
+                <a:effectLst/>
+                <a:latin typeface="Consolas" panose="020B0609020204030204" pitchFamily="49" charset="0"/>
+              </a:rPr>
+              <a:t> = </a:t>
+            </a:r>
+            <a:r>
+              <a:rPr lang="en-US" sz="1100" b="0" dirty="0">
+                <a:solidFill>
+                  <a:srgbClr val="4EC9B0"/>
+                </a:solidFill>
+                <a:effectLst/>
+                <a:latin typeface="Consolas" panose="020B0609020204030204" pitchFamily="49" charset="0"/>
+              </a:rPr>
+              <a:t>Resource</a:t>
+            </a:r>
+            <a:r>
+              <a:rPr lang="en-US" sz="1100" b="0" dirty="0">
+                <a:solidFill>
+                  <a:srgbClr val="D4D4D4"/>
+                </a:solidFill>
+                <a:effectLst/>
+                <a:latin typeface="Consolas" panose="020B0609020204030204" pitchFamily="49" charset="0"/>
+              </a:rPr>
+              <a:t>(</a:t>
+            </a:r>
+          </a:p>
+          <a:p>
+            <a:r>
+              <a:rPr lang="en-US" sz="1100" b="0" dirty="0">
+                <a:solidFill>
+                  <a:srgbClr val="D4D4D4"/>
+                </a:solidFill>
+                <a:effectLst/>
+                <a:latin typeface="Consolas" panose="020B0609020204030204" pitchFamily="49" charset="0"/>
+              </a:rPr>
+              <a:t>    </a:t>
+            </a:r>
+            <a:r>
+              <a:rPr lang="en-US" sz="1100" b="0" dirty="0">
+                <a:solidFill>
+                  <a:srgbClr val="9CDCFE"/>
+                </a:solidFill>
+                <a:effectLst/>
+                <a:latin typeface="Consolas" panose="020B0609020204030204" pitchFamily="49" charset="0"/>
+              </a:rPr>
+              <a:t>name</a:t>
+            </a:r>
+            <a:r>
+              <a:rPr lang="en-US" sz="1100" b="0" dirty="0">
+                <a:solidFill>
+                  <a:srgbClr val="D4D4D4"/>
+                </a:solidFill>
+                <a:effectLst/>
+                <a:latin typeface="Consolas" panose="020B0609020204030204" pitchFamily="49" charset="0"/>
+              </a:rPr>
+              <a:t> = </a:t>
+            </a:r>
+            <a:r>
+              <a:rPr lang="en-US" sz="1100" b="0" dirty="0">
+                <a:solidFill>
+                  <a:srgbClr val="CE9178"/>
+                </a:solidFill>
+                <a:effectLst/>
+                <a:latin typeface="Consolas" panose="020B0609020204030204" pitchFamily="49" charset="0"/>
+              </a:rPr>
+              <a:t>'water'</a:t>
+            </a:r>
+            <a:r>
+              <a:rPr lang="en-US" sz="1100" b="0" dirty="0">
+                <a:solidFill>
+                  <a:srgbClr val="D4D4D4"/>
+                </a:solidFill>
+                <a:effectLst/>
+                <a:latin typeface="Consolas" panose="020B0609020204030204" pitchFamily="49" charset="0"/>
+              </a:rPr>
+              <a:t>,</a:t>
+            </a:r>
+          </a:p>
+          <a:p>
+            <a:r>
+              <a:rPr lang="en-US" sz="1100" b="0" dirty="0">
+                <a:solidFill>
+                  <a:srgbClr val="D4D4D4"/>
+                </a:solidFill>
+                <a:effectLst/>
+                <a:latin typeface="Consolas" panose="020B0609020204030204" pitchFamily="49" charset="0"/>
+              </a:rPr>
+              <a:t>    </a:t>
+            </a:r>
+            <a:r>
+              <a:rPr lang="en-US" sz="1100" b="0" dirty="0">
+                <a:solidFill>
+                  <a:srgbClr val="9CDCFE"/>
+                </a:solidFill>
+                <a:effectLst/>
+                <a:latin typeface="Consolas" panose="020B0609020204030204" pitchFamily="49" charset="0"/>
+              </a:rPr>
+              <a:t>source</a:t>
+            </a:r>
+            <a:r>
+              <a:rPr lang="en-US" sz="1100" b="0" dirty="0">
+                <a:solidFill>
+                  <a:srgbClr val="D4D4D4"/>
+                </a:solidFill>
+                <a:effectLst/>
+                <a:latin typeface="Consolas" panose="020B0609020204030204" pitchFamily="49" charset="0"/>
+              </a:rPr>
+              <a:t> = </a:t>
+            </a:r>
+            <a:r>
+              <a:rPr lang="en-US" sz="1100" b="0" dirty="0">
+                <a:solidFill>
+                  <a:srgbClr val="B5CEA8"/>
+                </a:solidFill>
+                <a:effectLst/>
+                <a:latin typeface="Consolas" panose="020B0609020204030204" pitchFamily="49" charset="0"/>
+              </a:rPr>
+              <a:t>5</a:t>
+            </a:r>
+            <a:r>
+              <a:rPr lang="en-US" sz="1100" b="0" dirty="0">
+                <a:solidFill>
+                  <a:srgbClr val="D4D4D4"/>
+                </a:solidFill>
+                <a:effectLst/>
+                <a:latin typeface="Consolas" panose="020B0609020204030204" pitchFamily="49" charset="0"/>
+              </a:rPr>
+              <a:t>,</a:t>
+            </a:r>
+          </a:p>
+          <a:p>
+            <a:r>
+              <a:rPr lang="en-US" sz="1100" b="0" dirty="0">
+                <a:solidFill>
+                  <a:srgbClr val="D4D4D4"/>
+                </a:solidFill>
+                <a:effectLst/>
+                <a:latin typeface="Consolas" panose="020B0609020204030204" pitchFamily="49" charset="0"/>
+              </a:rPr>
+              <a:t>    </a:t>
+            </a:r>
+            <a:r>
+              <a:rPr lang="en-US" sz="1100" b="0" dirty="0">
+                <a:solidFill>
+                  <a:srgbClr val="9CDCFE"/>
+                </a:solidFill>
+                <a:effectLst/>
+                <a:latin typeface="Consolas" panose="020B0609020204030204" pitchFamily="49" charset="0"/>
+              </a:rPr>
+              <a:t>demand</a:t>
+            </a:r>
+            <a:r>
+              <a:rPr lang="en-US" sz="1100" b="0" dirty="0">
+                <a:solidFill>
+                  <a:srgbClr val="D4D4D4"/>
+                </a:solidFill>
+                <a:effectLst/>
+                <a:latin typeface="Consolas" panose="020B0609020204030204" pitchFamily="49" charset="0"/>
+              </a:rPr>
+              <a:t> = </a:t>
+            </a:r>
+            <a:r>
+              <a:rPr lang="en-US" sz="1100" b="0" dirty="0">
+                <a:solidFill>
+                  <a:srgbClr val="B5CEA8"/>
+                </a:solidFill>
+                <a:effectLst/>
+                <a:latin typeface="Consolas" panose="020B0609020204030204" pitchFamily="49" charset="0"/>
+              </a:rPr>
+              <a:t>4</a:t>
+            </a:r>
+            <a:r>
+              <a:rPr lang="en-US" sz="1100" b="0" dirty="0">
+                <a:solidFill>
+                  <a:srgbClr val="D4D4D4"/>
+                </a:solidFill>
+                <a:effectLst/>
+                <a:latin typeface="Consolas" panose="020B0609020204030204" pitchFamily="49" charset="0"/>
+              </a:rPr>
+              <a:t>,</a:t>
+            </a:r>
+          </a:p>
+          <a:p>
+            <a:r>
+              <a:rPr lang="en-US" sz="1100" b="0" dirty="0">
+                <a:solidFill>
+                  <a:srgbClr val="D4D4D4"/>
+                </a:solidFill>
+                <a:effectLst/>
+                <a:latin typeface="Consolas" panose="020B0609020204030204" pitchFamily="49" charset="0"/>
+              </a:rPr>
+              <a:t>    </a:t>
+            </a:r>
+            <a:r>
+              <a:rPr lang="en-US" sz="1100" b="0" dirty="0" err="1">
+                <a:solidFill>
+                  <a:srgbClr val="9CDCFE"/>
+                </a:solidFill>
+                <a:effectLst/>
+                <a:latin typeface="Consolas" panose="020B0609020204030204" pitchFamily="49" charset="0"/>
+              </a:rPr>
+              <a:t>deficiency_current</a:t>
+            </a:r>
+            <a:r>
+              <a:rPr lang="en-US" sz="1100" b="0" dirty="0">
+                <a:solidFill>
+                  <a:srgbClr val="D4D4D4"/>
+                </a:solidFill>
+                <a:effectLst/>
+                <a:latin typeface="Consolas" panose="020B0609020204030204" pitchFamily="49" charset="0"/>
+              </a:rPr>
+              <a:t> = </a:t>
+            </a:r>
+            <a:r>
+              <a:rPr lang="en-US" sz="1100" b="0" dirty="0">
+                <a:solidFill>
+                  <a:srgbClr val="B5CEA8"/>
+                </a:solidFill>
+                <a:effectLst/>
+                <a:latin typeface="Consolas" panose="020B0609020204030204" pitchFamily="49" charset="0"/>
+              </a:rPr>
+              <a:t>0</a:t>
+            </a:r>
+            <a:r>
+              <a:rPr lang="en-US" sz="1100" b="0" dirty="0">
+                <a:solidFill>
+                  <a:srgbClr val="D4D4D4"/>
+                </a:solidFill>
+                <a:effectLst/>
+                <a:latin typeface="Consolas" panose="020B0609020204030204" pitchFamily="49" charset="0"/>
+              </a:rPr>
+              <a:t>,</a:t>
+            </a:r>
+          </a:p>
+          <a:p>
+            <a:r>
+              <a:rPr lang="en-US" sz="1100" b="0" dirty="0">
+                <a:solidFill>
+                  <a:srgbClr val="D4D4D4"/>
+                </a:solidFill>
+                <a:effectLst/>
+                <a:latin typeface="Consolas" panose="020B0609020204030204" pitchFamily="49" charset="0"/>
+              </a:rPr>
+              <a:t>    </a:t>
+            </a:r>
+            <a:r>
+              <a:rPr lang="en-US" sz="1100" b="0" dirty="0" err="1">
+                <a:solidFill>
+                  <a:srgbClr val="9CDCFE"/>
+                </a:solidFill>
+                <a:effectLst/>
+                <a:latin typeface="Consolas" panose="020B0609020204030204" pitchFamily="49" charset="0"/>
+              </a:rPr>
+              <a:t>deficiency_max</a:t>
+            </a:r>
+            <a:r>
+              <a:rPr lang="en-US" sz="1100" b="0" dirty="0">
+                <a:solidFill>
+                  <a:srgbClr val="D4D4D4"/>
+                </a:solidFill>
+                <a:effectLst/>
+                <a:latin typeface="Consolas" panose="020B0609020204030204" pitchFamily="49" charset="0"/>
+              </a:rPr>
+              <a:t> = </a:t>
+            </a:r>
+            <a:r>
+              <a:rPr lang="en-US" sz="1100" b="0" dirty="0">
+                <a:solidFill>
+                  <a:srgbClr val="B5CEA8"/>
+                </a:solidFill>
+                <a:effectLst/>
+                <a:latin typeface="Consolas" panose="020B0609020204030204" pitchFamily="49" charset="0"/>
+              </a:rPr>
+              <a:t>10</a:t>
+            </a:r>
+            <a:r>
+              <a:rPr lang="en-US" sz="1100" b="0" dirty="0">
+                <a:solidFill>
+                  <a:srgbClr val="D4D4D4"/>
+                </a:solidFill>
+                <a:effectLst/>
+                <a:latin typeface="Consolas" panose="020B0609020204030204" pitchFamily="49" charset="0"/>
+              </a:rPr>
+              <a:t>,</a:t>
+            </a:r>
+          </a:p>
+          <a:p>
+            <a:r>
+              <a:rPr lang="en-US" sz="1100" b="0" dirty="0">
+                <a:solidFill>
+                  <a:srgbClr val="D4D4D4"/>
+                </a:solidFill>
+                <a:effectLst/>
+                <a:latin typeface="Consolas" panose="020B0609020204030204" pitchFamily="49" charset="0"/>
+              </a:rPr>
+              <a:t>    </a:t>
+            </a:r>
+            <a:r>
+              <a:rPr lang="en-US" sz="1100" b="0" dirty="0" err="1">
+                <a:solidFill>
+                  <a:srgbClr val="9CDCFE"/>
+                </a:solidFill>
+                <a:effectLst/>
+                <a:latin typeface="Consolas" panose="020B0609020204030204" pitchFamily="49" charset="0"/>
+              </a:rPr>
+              <a:t>storage_current</a:t>
+            </a:r>
+            <a:r>
+              <a:rPr lang="en-US" sz="1100" b="0" dirty="0">
+                <a:solidFill>
+                  <a:srgbClr val="D4D4D4"/>
+                </a:solidFill>
+                <a:effectLst/>
+                <a:latin typeface="Consolas" panose="020B0609020204030204" pitchFamily="49" charset="0"/>
+              </a:rPr>
+              <a:t> = </a:t>
+            </a:r>
+            <a:r>
+              <a:rPr lang="en-US" sz="1100" b="0" dirty="0">
+                <a:solidFill>
+                  <a:srgbClr val="B5CEA8"/>
+                </a:solidFill>
+                <a:effectLst/>
+                <a:latin typeface="Consolas" panose="020B0609020204030204" pitchFamily="49" charset="0"/>
+              </a:rPr>
+              <a:t>2</a:t>
+            </a:r>
+            <a:r>
+              <a:rPr lang="en-US" sz="1100" b="0" dirty="0">
+                <a:solidFill>
+                  <a:srgbClr val="D4D4D4"/>
+                </a:solidFill>
+                <a:effectLst/>
+                <a:latin typeface="Consolas" panose="020B0609020204030204" pitchFamily="49" charset="0"/>
+              </a:rPr>
+              <a:t>,</a:t>
+            </a:r>
+          </a:p>
+          <a:p>
+            <a:r>
+              <a:rPr lang="en-US" sz="1100" b="0" dirty="0">
+                <a:solidFill>
+                  <a:srgbClr val="D4D4D4"/>
+                </a:solidFill>
+                <a:effectLst/>
+                <a:latin typeface="Consolas" panose="020B0609020204030204" pitchFamily="49" charset="0"/>
+              </a:rPr>
+              <a:t>    </a:t>
+            </a:r>
+            <a:r>
+              <a:rPr lang="en-US" sz="1100" b="0" dirty="0" err="1">
+                <a:solidFill>
+                  <a:srgbClr val="9CDCFE"/>
+                </a:solidFill>
+                <a:effectLst/>
+                <a:latin typeface="Consolas" panose="020B0609020204030204" pitchFamily="49" charset="0"/>
+              </a:rPr>
+              <a:t>storage_max</a:t>
+            </a:r>
+            <a:r>
+              <a:rPr lang="en-US" sz="1100" b="0" dirty="0">
+                <a:solidFill>
+                  <a:srgbClr val="D4D4D4"/>
+                </a:solidFill>
+                <a:effectLst/>
+                <a:latin typeface="Consolas" panose="020B0609020204030204" pitchFamily="49" charset="0"/>
+              </a:rPr>
+              <a:t> = </a:t>
+            </a:r>
+            <a:r>
+              <a:rPr lang="en-US" sz="1100" b="0" dirty="0">
+                <a:solidFill>
+                  <a:srgbClr val="B5CEA8"/>
+                </a:solidFill>
+                <a:effectLst/>
+                <a:latin typeface="Consolas" panose="020B0609020204030204" pitchFamily="49" charset="0"/>
+              </a:rPr>
+              <a:t>10</a:t>
+            </a:r>
+            <a:r>
+              <a:rPr lang="en-US" sz="1100" b="0" dirty="0">
+                <a:solidFill>
+                  <a:srgbClr val="D4D4D4"/>
+                </a:solidFill>
+                <a:effectLst/>
+                <a:latin typeface="Consolas" panose="020B0609020204030204" pitchFamily="49" charset="0"/>
+              </a:rPr>
+              <a:t>,</a:t>
+            </a:r>
+          </a:p>
+          <a:p>
+            <a:r>
+              <a:rPr lang="en-US" sz="1100" b="0" dirty="0">
+                <a:solidFill>
+                  <a:srgbClr val="D4D4D4"/>
+                </a:solidFill>
+                <a:effectLst/>
+                <a:latin typeface="Consolas" panose="020B0609020204030204" pitchFamily="49" charset="0"/>
+              </a:rPr>
+              <a:t>    </a:t>
+            </a:r>
+            <a:r>
+              <a:rPr lang="en-US" sz="1100" b="0" dirty="0">
+                <a:solidFill>
+                  <a:srgbClr val="9CDCFE"/>
+                </a:solidFill>
+                <a:effectLst/>
+                <a:latin typeface="Consolas" panose="020B0609020204030204" pitchFamily="49" charset="0"/>
+              </a:rPr>
+              <a:t>connections</a:t>
+            </a:r>
+            <a:r>
+              <a:rPr lang="en-US" sz="1100" b="0" dirty="0">
+                <a:solidFill>
+                  <a:srgbClr val="D4D4D4"/>
+                </a:solidFill>
+                <a:effectLst/>
+                <a:latin typeface="Consolas" panose="020B0609020204030204" pitchFamily="49" charset="0"/>
+              </a:rPr>
+              <a:t>=[</a:t>
+            </a:r>
+          </a:p>
+          <a:p>
+            <a:r>
+              <a:rPr lang="en-US" sz="1100" b="0" dirty="0">
+                <a:solidFill>
+                  <a:srgbClr val="D4D4D4"/>
+                </a:solidFill>
+                <a:effectLst/>
+                <a:latin typeface="Consolas" panose="020B0609020204030204" pitchFamily="49" charset="0"/>
+              </a:rPr>
+              <a:t>        </a:t>
+            </a:r>
+            <a:r>
+              <a:rPr lang="en-US" sz="1100" b="0" dirty="0">
+                <a:solidFill>
+                  <a:srgbClr val="4EC9B0"/>
+                </a:solidFill>
+                <a:effectLst/>
+                <a:latin typeface="Consolas" panose="020B0609020204030204" pitchFamily="49" charset="0"/>
+              </a:rPr>
+              <a:t>Link</a:t>
+            </a:r>
+            <a:r>
+              <a:rPr lang="en-US" sz="1100" b="0" dirty="0">
+                <a:solidFill>
+                  <a:srgbClr val="D4D4D4"/>
+                </a:solidFill>
+                <a:effectLst/>
+                <a:latin typeface="Consolas" panose="020B0609020204030204" pitchFamily="49" charset="0"/>
+              </a:rPr>
+              <a:t>(</a:t>
+            </a:r>
+          </a:p>
+          <a:p>
+            <a:r>
+              <a:rPr lang="en-US" sz="1100" b="0" dirty="0">
+                <a:solidFill>
+                  <a:srgbClr val="D4D4D4"/>
+                </a:solidFill>
+                <a:effectLst/>
+                <a:latin typeface="Consolas" panose="020B0609020204030204" pitchFamily="49" charset="0"/>
+              </a:rPr>
+              <a:t>            </a:t>
+            </a:r>
+            <a:r>
+              <a:rPr lang="en-US" sz="1100" b="0" dirty="0">
+                <a:solidFill>
+                  <a:srgbClr val="9CDCFE"/>
+                </a:solidFill>
+                <a:effectLst/>
+                <a:latin typeface="Consolas" panose="020B0609020204030204" pitchFamily="49" charset="0"/>
+              </a:rPr>
+              <a:t>end</a:t>
+            </a:r>
+            <a:r>
+              <a:rPr lang="en-US" sz="1100" b="0" dirty="0">
+                <a:solidFill>
+                  <a:srgbClr val="D4D4D4"/>
+                </a:solidFill>
+                <a:effectLst/>
+                <a:latin typeface="Consolas" panose="020B0609020204030204" pitchFamily="49" charset="0"/>
+              </a:rPr>
+              <a:t>=</a:t>
+            </a:r>
+            <a:r>
+              <a:rPr lang="en-US" sz="1100" b="0" dirty="0">
+                <a:solidFill>
+                  <a:srgbClr val="CE9178"/>
+                </a:solidFill>
+                <a:effectLst/>
+                <a:latin typeface="Consolas" panose="020B0609020204030204" pitchFamily="49" charset="0"/>
+              </a:rPr>
+              <a:t>'city_2'</a:t>
+            </a:r>
+            <a:r>
+              <a:rPr lang="en-US" sz="1100" b="0" dirty="0">
+                <a:solidFill>
+                  <a:srgbClr val="D4D4D4"/>
+                </a:solidFill>
+                <a:effectLst/>
+                <a:latin typeface="Consolas" panose="020B0609020204030204" pitchFamily="49" charset="0"/>
+              </a:rPr>
+              <a:t>,</a:t>
+            </a:r>
+          </a:p>
+          <a:p>
+            <a:r>
+              <a:rPr lang="en-US" sz="1100" b="0" dirty="0">
+                <a:solidFill>
+                  <a:srgbClr val="D4D4D4"/>
+                </a:solidFill>
+                <a:effectLst/>
+                <a:latin typeface="Consolas" panose="020B0609020204030204" pitchFamily="49" charset="0"/>
+              </a:rPr>
+              <a:t>            </a:t>
+            </a:r>
+            <a:r>
+              <a:rPr lang="en-US" sz="1100" b="0" dirty="0">
+                <a:solidFill>
+                  <a:srgbClr val="9CDCFE"/>
+                </a:solidFill>
+                <a:effectLst/>
+                <a:latin typeface="Consolas" panose="020B0609020204030204" pitchFamily="49" charset="0"/>
+              </a:rPr>
+              <a:t>active</a:t>
+            </a:r>
+            <a:r>
+              <a:rPr lang="en-US" sz="1100" b="0" dirty="0">
+                <a:solidFill>
+                  <a:srgbClr val="D4D4D4"/>
+                </a:solidFill>
+                <a:effectLst/>
+                <a:latin typeface="Consolas" panose="020B0609020204030204" pitchFamily="49" charset="0"/>
+              </a:rPr>
+              <a:t>=</a:t>
+            </a:r>
+            <a:r>
+              <a:rPr lang="en-US" sz="1100" b="0" dirty="0">
+                <a:solidFill>
+                  <a:srgbClr val="569CD6"/>
+                </a:solidFill>
+                <a:effectLst/>
+                <a:latin typeface="Consolas" panose="020B0609020204030204" pitchFamily="49" charset="0"/>
+              </a:rPr>
+              <a:t>True</a:t>
+            </a:r>
+            <a:r>
+              <a:rPr lang="en-US" sz="1100" b="0" dirty="0">
+                <a:solidFill>
+                  <a:srgbClr val="D4D4D4"/>
+                </a:solidFill>
+                <a:effectLst/>
+                <a:latin typeface="Consolas" panose="020B0609020204030204" pitchFamily="49" charset="0"/>
+              </a:rPr>
+              <a:t>,</a:t>
+            </a:r>
+          </a:p>
+          <a:p>
+            <a:r>
+              <a:rPr lang="en-US" sz="1100" b="0" dirty="0">
+                <a:solidFill>
+                  <a:srgbClr val="D4D4D4"/>
+                </a:solidFill>
+                <a:effectLst/>
+                <a:latin typeface="Consolas" panose="020B0609020204030204" pitchFamily="49" charset="0"/>
+              </a:rPr>
+              <a:t>            </a:t>
+            </a:r>
+            <a:r>
+              <a:rPr lang="en-US" sz="1100" b="0" dirty="0">
+                <a:solidFill>
+                  <a:srgbClr val="9CDCFE"/>
+                </a:solidFill>
+                <a:effectLst/>
+                <a:latin typeface="Consolas" panose="020B0609020204030204" pitchFamily="49" charset="0"/>
+              </a:rPr>
+              <a:t>chance</a:t>
+            </a:r>
+            <a:r>
+              <a:rPr lang="en-US" sz="1100" b="0" dirty="0">
+                <a:solidFill>
+                  <a:srgbClr val="D4D4D4"/>
+                </a:solidFill>
+                <a:effectLst/>
+                <a:latin typeface="Consolas" panose="020B0609020204030204" pitchFamily="49" charset="0"/>
+              </a:rPr>
+              <a:t>=</a:t>
+            </a:r>
+            <a:r>
+              <a:rPr lang="en-US" sz="1100" b="0" dirty="0">
+                <a:solidFill>
+                  <a:srgbClr val="B5CEA8"/>
+                </a:solidFill>
+                <a:effectLst/>
+                <a:latin typeface="Consolas" panose="020B0609020204030204" pitchFamily="49" charset="0"/>
+              </a:rPr>
+              <a:t>1</a:t>
+            </a:r>
+            <a:r>
+              <a:rPr lang="en-US" sz="1100" b="0" dirty="0">
+                <a:solidFill>
+                  <a:srgbClr val="D4D4D4"/>
+                </a:solidFill>
+                <a:effectLst/>
+                <a:latin typeface="Consolas" panose="020B0609020204030204" pitchFamily="49" charset="0"/>
+              </a:rPr>
+              <a:t>,</a:t>
+            </a:r>
+          </a:p>
+          <a:p>
+            <a:r>
+              <a:rPr lang="en-US" sz="1100" b="0" dirty="0">
+                <a:solidFill>
+                  <a:srgbClr val="D4D4D4"/>
+                </a:solidFill>
+                <a:effectLst/>
+                <a:latin typeface="Consolas" panose="020B0609020204030204" pitchFamily="49" charset="0"/>
+              </a:rPr>
+              <a:t>            </a:t>
+            </a:r>
+            <a:r>
+              <a:rPr lang="en-US" sz="1100" b="0" dirty="0" err="1">
+                <a:solidFill>
+                  <a:srgbClr val="9CDCFE"/>
+                </a:solidFill>
+                <a:effectLst/>
+                <a:latin typeface="Consolas" panose="020B0609020204030204" pitchFamily="49" charset="0"/>
+              </a:rPr>
+              <a:t>price_factor</a:t>
+            </a:r>
+            <a:r>
+              <a:rPr lang="en-US" sz="1100" b="0" dirty="0">
+                <a:solidFill>
+                  <a:srgbClr val="D4D4D4"/>
+                </a:solidFill>
+                <a:effectLst/>
+                <a:latin typeface="Consolas" panose="020B0609020204030204" pitchFamily="49" charset="0"/>
+              </a:rPr>
+              <a:t>=</a:t>
+            </a:r>
+            <a:r>
+              <a:rPr lang="en-US" sz="1100" b="0" dirty="0">
+                <a:solidFill>
+                  <a:srgbClr val="B5CEA8"/>
+                </a:solidFill>
+                <a:effectLst/>
+                <a:latin typeface="Consolas" panose="020B0609020204030204" pitchFamily="49" charset="0"/>
+              </a:rPr>
+              <a:t>1</a:t>
+            </a:r>
+            <a:r>
+              <a:rPr lang="en-US" sz="1100" b="0" dirty="0">
+                <a:solidFill>
+                  <a:srgbClr val="D4D4D4"/>
+                </a:solidFill>
+                <a:effectLst/>
+                <a:latin typeface="Consolas" panose="020B0609020204030204" pitchFamily="49" charset="0"/>
+              </a:rPr>
+              <a:t>,</a:t>
+            </a:r>
+          </a:p>
+          <a:p>
+            <a:r>
+              <a:rPr lang="en-US" sz="1100" b="0" dirty="0">
+                <a:solidFill>
+                  <a:srgbClr val="D4D4D4"/>
+                </a:solidFill>
+                <a:effectLst/>
+                <a:latin typeface="Consolas" panose="020B0609020204030204" pitchFamily="49" charset="0"/>
+              </a:rPr>
+              <a:t>            </a:t>
+            </a:r>
+            <a:r>
+              <a:rPr lang="en-US" sz="1100" b="0" dirty="0" err="1">
+                <a:solidFill>
+                  <a:srgbClr val="9CDCFE"/>
+                </a:solidFill>
+                <a:effectLst/>
+                <a:latin typeface="Consolas" panose="020B0609020204030204" pitchFamily="49" charset="0"/>
+              </a:rPr>
+              <a:t>max_discharge</a:t>
+            </a:r>
+            <a:r>
+              <a:rPr lang="en-US" sz="1100" b="0" dirty="0">
+                <a:solidFill>
+                  <a:srgbClr val="D4D4D4"/>
+                </a:solidFill>
+                <a:effectLst/>
+                <a:latin typeface="Consolas" panose="020B0609020204030204" pitchFamily="49" charset="0"/>
+              </a:rPr>
+              <a:t>=</a:t>
+            </a:r>
+            <a:r>
+              <a:rPr lang="en-US" sz="1100" b="0" dirty="0">
+                <a:solidFill>
+                  <a:srgbClr val="B5CEA8"/>
+                </a:solidFill>
+                <a:effectLst/>
+                <a:latin typeface="Consolas" panose="020B0609020204030204" pitchFamily="49" charset="0"/>
+              </a:rPr>
+              <a:t>3</a:t>
+            </a:r>
+            <a:endParaRPr lang="en-US" sz="1100" b="0" dirty="0">
+              <a:solidFill>
+                <a:srgbClr val="D4D4D4"/>
+              </a:solidFill>
+              <a:effectLst/>
+              <a:latin typeface="Consolas" panose="020B0609020204030204" pitchFamily="49" charset="0"/>
+            </a:endParaRPr>
+          </a:p>
+          <a:p>
+            <a:r>
+              <a:rPr lang="en-US" sz="1100" b="0" dirty="0">
+                <a:solidFill>
+                  <a:srgbClr val="D4D4D4"/>
+                </a:solidFill>
+                <a:effectLst/>
+                <a:latin typeface="Consolas" panose="020B0609020204030204" pitchFamily="49" charset="0"/>
+              </a:rPr>
+              <a:t>        ),</a:t>
+            </a:r>
+          </a:p>
+          <a:p>
+            <a:r>
+              <a:rPr lang="en-US" sz="1100" b="0" dirty="0">
+                <a:solidFill>
+                  <a:srgbClr val="D4D4D4"/>
+                </a:solidFill>
+                <a:effectLst/>
+                <a:latin typeface="Consolas" panose="020B0609020204030204" pitchFamily="49" charset="0"/>
+              </a:rPr>
+              <a:t>    ]</a:t>
+            </a:r>
+          </a:p>
+          <a:p>
+            <a:r>
+              <a:rPr lang="en-US" sz="1100" b="0" dirty="0">
+                <a:solidFill>
+                  <a:srgbClr val="D4D4D4"/>
+                </a:solidFill>
+                <a:effectLst/>
+                <a:latin typeface="Consolas" panose="020B0609020204030204" pitchFamily="49" charset="0"/>
+              </a:rPr>
+              <a:t>)</a:t>
+            </a:r>
+          </a:p>
+        </p:txBody>
+      </p:sp>
+      <p:sp>
+        <p:nvSpPr>
+          <p:cNvPr id="11" name="TextBox 10">
+            <a:extLst>
+              <a:ext uri="{FF2B5EF4-FFF2-40B4-BE49-F238E27FC236}">
+                <a16:creationId xmlns:a16="http://schemas.microsoft.com/office/drawing/2014/main" id="{CC819E8A-B76D-A3C1-908A-531B8857050C}"/>
+              </a:ext>
+            </a:extLst>
+          </p:cNvPr>
+          <p:cNvSpPr txBox="1"/>
+          <p:nvPr/>
+        </p:nvSpPr>
+        <p:spPr>
+          <a:xfrm>
+            <a:off x="1831021" y="4705009"/>
+            <a:ext cx="3229251" cy="1107996"/>
+          </a:xfrm>
+          <a:prstGeom prst="rect">
+            <a:avLst/>
+          </a:prstGeom>
+          <a:noFill/>
+        </p:spPr>
+        <p:txBody>
+          <a:bodyPr wrap="square">
+            <a:spAutoFit/>
+          </a:bodyPr>
+          <a:lstStyle/>
+          <a:p>
+            <a:r>
+              <a:rPr lang="en-US" sz="1100" b="0" dirty="0">
+                <a:solidFill>
+                  <a:srgbClr val="9CDCFE"/>
+                </a:solidFill>
+                <a:effectLst/>
+                <a:latin typeface="Consolas" panose="020B0609020204030204" pitchFamily="49" charset="0"/>
+              </a:rPr>
+              <a:t>entity_1</a:t>
+            </a:r>
+            <a:r>
+              <a:rPr lang="en-US" sz="1100" b="0" dirty="0">
+                <a:solidFill>
+                  <a:srgbClr val="D4D4D4"/>
+                </a:solidFill>
+                <a:effectLst/>
+                <a:latin typeface="Consolas" panose="020B0609020204030204" pitchFamily="49" charset="0"/>
+              </a:rPr>
+              <a:t> = </a:t>
+            </a:r>
+            <a:r>
+              <a:rPr lang="en-US" sz="1100" b="0" dirty="0">
+                <a:solidFill>
+                  <a:srgbClr val="4EC9B0"/>
+                </a:solidFill>
+                <a:effectLst/>
+                <a:latin typeface="Consolas" panose="020B0609020204030204" pitchFamily="49" charset="0"/>
+              </a:rPr>
+              <a:t>Entity</a:t>
+            </a:r>
+            <a:r>
+              <a:rPr lang="en-US" sz="1100" b="0" dirty="0">
+                <a:solidFill>
+                  <a:srgbClr val="D4D4D4"/>
+                </a:solidFill>
+                <a:effectLst/>
+                <a:latin typeface="Consolas" panose="020B0609020204030204" pitchFamily="49" charset="0"/>
+              </a:rPr>
+              <a:t>(</a:t>
+            </a:r>
+          </a:p>
+          <a:p>
+            <a:r>
+              <a:rPr lang="en-US" sz="1100" b="0" dirty="0">
+                <a:solidFill>
+                  <a:srgbClr val="D4D4D4"/>
+                </a:solidFill>
+                <a:effectLst/>
+                <a:latin typeface="Consolas" panose="020B0609020204030204" pitchFamily="49" charset="0"/>
+              </a:rPr>
+              <a:t>    </a:t>
+            </a:r>
+            <a:r>
+              <a:rPr lang="en-US" sz="1100" b="0" dirty="0">
+                <a:solidFill>
+                  <a:srgbClr val="9CDCFE"/>
+                </a:solidFill>
+                <a:effectLst/>
+                <a:latin typeface="Consolas" panose="020B0609020204030204" pitchFamily="49" charset="0"/>
+              </a:rPr>
+              <a:t>name</a:t>
+            </a:r>
+            <a:r>
+              <a:rPr lang="en-US" sz="1100" b="0" dirty="0">
+                <a:solidFill>
+                  <a:srgbClr val="D4D4D4"/>
+                </a:solidFill>
+                <a:effectLst/>
+                <a:latin typeface="Consolas" panose="020B0609020204030204" pitchFamily="49" charset="0"/>
+              </a:rPr>
+              <a:t>=</a:t>
+            </a:r>
+            <a:r>
+              <a:rPr lang="en-US" sz="1100" b="0" dirty="0">
+                <a:solidFill>
+                  <a:srgbClr val="CE9178"/>
+                </a:solidFill>
+                <a:effectLst/>
+                <a:latin typeface="Consolas" panose="020B0609020204030204" pitchFamily="49" charset="0"/>
+              </a:rPr>
+              <a:t>'city_1'</a:t>
+            </a:r>
+            <a:r>
+              <a:rPr lang="en-US" sz="1100" b="0" dirty="0">
+                <a:solidFill>
+                  <a:srgbClr val="D4D4D4"/>
+                </a:solidFill>
+                <a:effectLst/>
+                <a:latin typeface="Consolas" panose="020B0609020204030204" pitchFamily="49" charset="0"/>
+              </a:rPr>
+              <a:t>,</a:t>
+            </a:r>
+          </a:p>
+          <a:p>
+            <a:r>
+              <a:rPr lang="en-US" sz="1100" b="0" dirty="0">
+                <a:solidFill>
+                  <a:srgbClr val="D4D4D4"/>
+                </a:solidFill>
+                <a:effectLst/>
+                <a:latin typeface="Consolas" panose="020B0609020204030204" pitchFamily="49" charset="0"/>
+              </a:rPr>
+              <a:t>    </a:t>
+            </a:r>
+            <a:r>
+              <a:rPr lang="en-US" sz="1100" b="0" dirty="0">
+                <a:solidFill>
+                  <a:srgbClr val="9CDCFE"/>
+                </a:solidFill>
+                <a:effectLst/>
+                <a:latin typeface="Consolas" panose="020B0609020204030204" pitchFamily="49" charset="0"/>
+              </a:rPr>
+              <a:t>location</a:t>
+            </a:r>
+            <a:r>
+              <a:rPr lang="en-US" sz="1100" b="0" dirty="0">
+                <a:solidFill>
+                  <a:srgbClr val="D4D4D4"/>
+                </a:solidFill>
+                <a:effectLst/>
+                <a:latin typeface="Consolas" panose="020B0609020204030204" pitchFamily="49" charset="0"/>
+              </a:rPr>
+              <a:t>=[</a:t>
+            </a:r>
+            <a:r>
+              <a:rPr lang="en-US" sz="1100" b="0" dirty="0">
+                <a:solidFill>
+                  <a:srgbClr val="B5CEA8"/>
+                </a:solidFill>
+                <a:effectLst/>
+                <a:latin typeface="Consolas" panose="020B0609020204030204" pitchFamily="49" charset="0"/>
+              </a:rPr>
+              <a:t>0.7</a:t>
+            </a:r>
+            <a:r>
+              <a:rPr lang="en-US" sz="1100" b="0" dirty="0">
+                <a:solidFill>
+                  <a:srgbClr val="D4D4D4"/>
+                </a:solidFill>
+                <a:effectLst/>
+                <a:latin typeface="Consolas" panose="020B0609020204030204" pitchFamily="49" charset="0"/>
+              </a:rPr>
+              <a:t>, -</a:t>
+            </a:r>
+            <a:r>
+              <a:rPr lang="en-US" sz="1100" b="0" dirty="0">
+                <a:solidFill>
+                  <a:srgbClr val="B5CEA8"/>
+                </a:solidFill>
+                <a:effectLst/>
+                <a:latin typeface="Consolas" panose="020B0609020204030204" pitchFamily="49" charset="0"/>
+              </a:rPr>
+              <a:t>0.5</a:t>
+            </a:r>
+            <a:r>
+              <a:rPr lang="en-US" sz="1100" b="0" dirty="0">
+                <a:solidFill>
+                  <a:srgbClr val="D4D4D4"/>
+                </a:solidFill>
+                <a:effectLst/>
+                <a:latin typeface="Consolas" panose="020B0609020204030204" pitchFamily="49" charset="0"/>
+              </a:rPr>
+              <a:t>],</a:t>
+            </a:r>
+          </a:p>
+          <a:p>
+            <a:r>
+              <a:rPr lang="en-US" sz="1100" b="0" dirty="0">
+                <a:solidFill>
+                  <a:srgbClr val="D4D4D4"/>
+                </a:solidFill>
+                <a:effectLst/>
+                <a:latin typeface="Consolas" panose="020B0609020204030204" pitchFamily="49" charset="0"/>
+              </a:rPr>
+              <a:t>    </a:t>
+            </a:r>
+            <a:r>
+              <a:rPr lang="en-US" sz="1100" b="0" dirty="0">
+                <a:solidFill>
+                  <a:srgbClr val="9CDCFE"/>
+                </a:solidFill>
+                <a:effectLst/>
+                <a:latin typeface="Consolas" panose="020B0609020204030204" pitchFamily="49" charset="0"/>
+              </a:rPr>
+              <a:t>resources</a:t>
+            </a:r>
+            <a:r>
+              <a:rPr lang="en-US" sz="1100" b="0" dirty="0">
+                <a:solidFill>
+                  <a:srgbClr val="D4D4D4"/>
+                </a:solidFill>
+                <a:effectLst/>
+                <a:latin typeface="Consolas" panose="020B0609020204030204" pitchFamily="49" charset="0"/>
+              </a:rPr>
+              <a:t>=[</a:t>
+            </a:r>
+            <a:r>
+              <a:rPr lang="en-US" sz="1100" b="0" dirty="0">
+                <a:solidFill>
+                  <a:srgbClr val="9CDCFE"/>
+                </a:solidFill>
+                <a:effectLst/>
+                <a:latin typeface="Consolas" panose="020B0609020204030204" pitchFamily="49" charset="0"/>
+              </a:rPr>
+              <a:t>resource_1</a:t>
+            </a:r>
+            <a:r>
+              <a:rPr lang="en-US" sz="1100" b="0" dirty="0">
+                <a:solidFill>
+                  <a:srgbClr val="D4D4D4"/>
+                </a:solidFill>
+                <a:effectLst/>
+                <a:latin typeface="Consolas" panose="020B0609020204030204" pitchFamily="49" charset="0"/>
+              </a:rPr>
+              <a:t>]</a:t>
+            </a:r>
+          </a:p>
+          <a:p>
+            <a:r>
+              <a:rPr lang="en-US" sz="1100" b="0" dirty="0">
+                <a:solidFill>
+                  <a:srgbClr val="D4D4D4"/>
+                </a:solidFill>
+                <a:effectLst/>
+                <a:latin typeface="Consolas" panose="020B0609020204030204" pitchFamily="49" charset="0"/>
+              </a:rPr>
+              <a:t>)</a:t>
+            </a:r>
+          </a:p>
+          <a:p>
+            <a:endParaRPr lang="en-US" sz="1100" b="0" dirty="0">
+              <a:solidFill>
+                <a:srgbClr val="D4D4D4"/>
+              </a:solidFill>
+              <a:effectLst/>
+              <a:latin typeface="Consolas" panose="020B0609020204030204" pitchFamily="49" charset="0"/>
+            </a:endParaRPr>
+          </a:p>
+        </p:txBody>
+      </p:sp>
+      <p:sp>
+        <p:nvSpPr>
+          <p:cNvPr id="13" name="TextBox 12">
+            <a:extLst>
+              <a:ext uri="{FF2B5EF4-FFF2-40B4-BE49-F238E27FC236}">
+                <a16:creationId xmlns:a16="http://schemas.microsoft.com/office/drawing/2014/main" id="{3FBFBF35-186E-CCCF-3803-54DDD13F9594}"/>
+              </a:ext>
+            </a:extLst>
+          </p:cNvPr>
+          <p:cNvSpPr txBox="1"/>
+          <p:nvPr/>
+        </p:nvSpPr>
+        <p:spPr>
+          <a:xfrm>
+            <a:off x="6679750" y="1565688"/>
+            <a:ext cx="3318029" cy="3139321"/>
+          </a:xfrm>
+          <a:prstGeom prst="rect">
+            <a:avLst/>
+          </a:prstGeom>
+          <a:noFill/>
+        </p:spPr>
+        <p:txBody>
+          <a:bodyPr wrap="square">
+            <a:spAutoFit/>
+          </a:bodyPr>
+          <a:lstStyle/>
+          <a:p>
+            <a:r>
+              <a:rPr lang="en-US" sz="1100" b="0" dirty="0">
+                <a:solidFill>
+                  <a:srgbClr val="9CDCFE"/>
+                </a:solidFill>
+                <a:effectLst/>
+                <a:latin typeface="Consolas" panose="020B0609020204030204" pitchFamily="49" charset="0"/>
+              </a:rPr>
+              <a:t>resource_2</a:t>
+            </a:r>
+            <a:r>
+              <a:rPr lang="en-US" sz="1100" b="0" dirty="0">
+                <a:solidFill>
+                  <a:srgbClr val="D4D4D4"/>
+                </a:solidFill>
+                <a:effectLst/>
+                <a:latin typeface="Consolas" panose="020B0609020204030204" pitchFamily="49" charset="0"/>
+              </a:rPr>
+              <a:t> = </a:t>
+            </a:r>
+            <a:r>
+              <a:rPr lang="en-US" sz="1100" b="0" dirty="0">
+                <a:solidFill>
+                  <a:srgbClr val="4EC9B0"/>
+                </a:solidFill>
+                <a:effectLst/>
+                <a:latin typeface="Consolas" panose="020B0609020204030204" pitchFamily="49" charset="0"/>
+              </a:rPr>
+              <a:t>Resource</a:t>
+            </a:r>
+            <a:r>
+              <a:rPr lang="en-US" sz="1100" b="0" dirty="0">
+                <a:solidFill>
+                  <a:srgbClr val="D4D4D4"/>
+                </a:solidFill>
+                <a:effectLst/>
+                <a:latin typeface="Consolas" panose="020B0609020204030204" pitchFamily="49" charset="0"/>
+              </a:rPr>
+              <a:t>(</a:t>
+            </a:r>
+          </a:p>
+          <a:p>
+            <a:r>
+              <a:rPr lang="en-US" sz="1100" b="0" dirty="0">
+                <a:solidFill>
+                  <a:srgbClr val="D4D4D4"/>
+                </a:solidFill>
+                <a:effectLst/>
+                <a:latin typeface="Consolas" panose="020B0609020204030204" pitchFamily="49" charset="0"/>
+              </a:rPr>
+              <a:t>    </a:t>
+            </a:r>
+            <a:r>
+              <a:rPr lang="en-US" sz="1100" b="0" dirty="0">
+                <a:solidFill>
+                  <a:srgbClr val="9CDCFE"/>
+                </a:solidFill>
+                <a:effectLst/>
+                <a:latin typeface="Consolas" panose="020B0609020204030204" pitchFamily="49" charset="0"/>
+              </a:rPr>
+              <a:t>name</a:t>
+            </a:r>
+            <a:r>
+              <a:rPr lang="en-US" sz="1100" b="0" dirty="0">
+                <a:solidFill>
+                  <a:srgbClr val="D4D4D4"/>
+                </a:solidFill>
+                <a:effectLst/>
+                <a:latin typeface="Consolas" panose="020B0609020204030204" pitchFamily="49" charset="0"/>
+              </a:rPr>
+              <a:t>=</a:t>
+            </a:r>
+            <a:r>
+              <a:rPr lang="en-US" sz="1100" b="0" dirty="0">
+                <a:solidFill>
+                  <a:srgbClr val="CE9178"/>
+                </a:solidFill>
+                <a:effectLst/>
+                <a:latin typeface="Consolas" panose="020B0609020204030204" pitchFamily="49" charset="0"/>
+              </a:rPr>
+              <a:t>'water'</a:t>
+            </a:r>
+            <a:r>
+              <a:rPr lang="en-US" sz="1100" b="0" dirty="0">
+                <a:solidFill>
+                  <a:srgbClr val="D4D4D4"/>
+                </a:solidFill>
+                <a:effectLst/>
+                <a:latin typeface="Consolas" panose="020B0609020204030204" pitchFamily="49" charset="0"/>
+              </a:rPr>
+              <a:t>,</a:t>
+            </a:r>
+          </a:p>
+          <a:p>
+            <a:r>
+              <a:rPr lang="en-US" sz="1100" b="0" dirty="0">
+                <a:solidFill>
+                  <a:srgbClr val="D4D4D4"/>
+                </a:solidFill>
+                <a:effectLst/>
+                <a:latin typeface="Consolas" panose="020B0609020204030204" pitchFamily="49" charset="0"/>
+              </a:rPr>
+              <a:t>    </a:t>
+            </a:r>
+            <a:r>
+              <a:rPr lang="en-US" sz="1100" b="0" dirty="0">
+                <a:solidFill>
+                  <a:srgbClr val="9CDCFE"/>
+                </a:solidFill>
+                <a:effectLst/>
+                <a:latin typeface="Consolas" panose="020B0609020204030204" pitchFamily="49" charset="0"/>
+              </a:rPr>
+              <a:t>source</a:t>
+            </a:r>
+            <a:r>
+              <a:rPr lang="en-US" sz="1100" b="0" dirty="0">
+                <a:solidFill>
+                  <a:srgbClr val="D4D4D4"/>
+                </a:solidFill>
+                <a:effectLst/>
+                <a:latin typeface="Consolas" panose="020B0609020204030204" pitchFamily="49" charset="0"/>
+              </a:rPr>
+              <a:t>=</a:t>
+            </a:r>
+            <a:r>
+              <a:rPr lang="en-US" sz="1100" b="0" dirty="0">
+                <a:solidFill>
+                  <a:srgbClr val="B5CEA8"/>
+                </a:solidFill>
+                <a:effectLst/>
+                <a:latin typeface="Consolas" panose="020B0609020204030204" pitchFamily="49" charset="0"/>
+              </a:rPr>
+              <a:t>7</a:t>
+            </a:r>
+            <a:r>
+              <a:rPr lang="en-US" sz="1100" b="0" dirty="0">
+                <a:solidFill>
+                  <a:srgbClr val="D4D4D4"/>
+                </a:solidFill>
+                <a:effectLst/>
+                <a:latin typeface="Consolas" panose="020B0609020204030204" pitchFamily="49" charset="0"/>
+              </a:rPr>
+              <a:t>,</a:t>
+            </a:r>
+          </a:p>
+          <a:p>
+            <a:r>
+              <a:rPr lang="en-US" sz="1100" b="0" dirty="0">
+                <a:solidFill>
+                  <a:srgbClr val="D4D4D4"/>
+                </a:solidFill>
+                <a:effectLst/>
+                <a:latin typeface="Consolas" panose="020B0609020204030204" pitchFamily="49" charset="0"/>
+              </a:rPr>
+              <a:t>    </a:t>
+            </a:r>
+            <a:r>
+              <a:rPr lang="en-US" sz="1100" b="0" dirty="0">
+                <a:solidFill>
+                  <a:srgbClr val="9CDCFE"/>
+                </a:solidFill>
+                <a:effectLst/>
+                <a:latin typeface="Consolas" panose="020B0609020204030204" pitchFamily="49" charset="0"/>
+              </a:rPr>
+              <a:t>demand</a:t>
+            </a:r>
+            <a:r>
+              <a:rPr lang="en-US" sz="1100" b="0" dirty="0">
+                <a:solidFill>
+                  <a:srgbClr val="D4D4D4"/>
+                </a:solidFill>
+                <a:effectLst/>
+                <a:latin typeface="Consolas" panose="020B0609020204030204" pitchFamily="49" charset="0"/>
+              </a:rPr>
+              <a:t>=</a:t>
+            </a:r>
+            <a:r>
+              <a:rPr lang="en-US" sz="1100" b="0" dirty="0">
+                <a:solidFill>
+                  <a:srgbClr val="B5CEA8"/>
+                </a:solidFill>
+                <a:effectLst/>
+                <a:latin typeface="Consolas" panose="020B0609020204030204" pitchFamily="49" charset="0"/>
+              </a:rPr>
+              <a:t>4</a:t>
+            </a:r>
+            <a:r>
+              <a:rPr lang="en-US" sz="1100" b="0" dirty="0">
+                <a:solidFill>
+                  <a:srgbClr val="D4D4D4"/>
+                </a:solidFill>
+                <a:effectLst/>
+                <a:latin typeface="Consolas" panose="020B0609020204030204" pitchFamily="49" charset="0"/>
+              </a:rPr>
+              <a:t>,</a:t>
+            </a:r>
+          </a:p>
+          <a:p>
+            <a:r>
+              <a:rPr lang="en-US" sz="1100" b="0" dirty="0">
+                <a:solidFill>
+                  <a:srgbClr val="D4D4D4"/>
+                </a:solidFill>
+                <a:effectLst/>
+                <a:latin typeface="Consolas" panose="020B0609020204030204" pitchFamily="49" charset="0"/>
+              </a:rPr>
+              <a:t>    </a:t>
+            </a:r>
+            <a:r>
+              <a:rPr lang="en-US" sz="1100" b="0" dirty="0">
+                <a:solidFill>
+                  <a:srgbClr val="9CDCFE"/>
+                </a:solidFill>
+                <a:effectLst/>
+                <a:latin typeface="Consolas" panose="020B0609020204030204" pitchFamily="49" charset="0"/>
+              </a:rPr>
+              <a:t>deficiency_current</a:t>
+            </a:r>
+            <a:r>
+              <a:rPr lang="en-US" sz="1100" b="0" dirty="0">
+                <a:solidFill>
+                  <a:srgbClr val="D4D4D4"/>
+                </a:solidFill>
+                <a:effectLst/>
+                <a:latin typeface="Consolas" panose="020B0609020204030204" pitchFamily="49" charset="0"/>
+              </a:rPr>
+              <a:t>=</a:t>
+            </a:r>
+            <a:r>
+              <a:rPr lang="en-US" sz="1100" b="0" dirty="0">
+                <a:solidFill>
+                  <a:srgbClr val="B5CEA8"/>
+                </a:solidFill>
+                <a:effectLst/>
+                <a:latin typeface="Consolas" panose="020B0609020204030204" pitchFamily="49" charset="0"/>
+              </a:rPr>
+              <a:t>0</a:t>
+            </a:r>
+            <a:r>
+              <a:rPr lang="en-US" sz="1100" b="0" dirty="0">
+                <a:solidFill>
+                  <a:srgbClr val="D4D4D4"/>
+                </a:solidFill>
+                <a:effectLst/>
+                <a:latin typeface="Consolas" panose="020B0609020204030204" pitchFamily="49" charset="0"/>
+              </a:rPr>
+              <a:t>,</a:t>
+            </a:r>
+          </a:p>
+          <a:p>
+            <a:r>
+              <a:rPr lang="en-US" sz="1100" b="0" dirty="0">
+                <a:solidFill>
+                  <a:srgbClr val="D4D4D4"/>
+                </a:solidFill>
+                <a:effectLst/>
+                <a:latin typeface="Consolas" panose="020B0609020204030204" pitchFamily="49" charset="0"/>
+              </a:rPr>
+              <a:t>    </a:t>
+            </a:r>
+            <a:r>
+              <a:rPr lang="en-US" sz="1100" b="0" dirty="0">
+                <a:solidFill>
+                  <a:srgbClr val="9CDCFE"/>
+                </a:solidFill>
+                <a:effectLst/>
+                <a:latin typeface="Consolas" panose="020B0609020204030204" pitchFamily="49" charset="0"/>
+              </a:rPr>
+              <a:t>deficiency_max</a:t>
+            </a:r>
+            <a:r>
+              <a:rPr lang="en-US" sz="1100" b="0" dirty="0">
+                <a:solidFill>
+                  <a:srgbClr val="D4D4D4"/>
+                </a:solidFill>
+                <a:effectLst/>
+                <a:latin typeface="Consolas" panose="020B0609020204030204" pitchFamily="49" charset="0"/>
+              </a:rPr>
+              <a:t>=</a:t>
+            </a:r>
+            <a:r>
+              <a:rPr lang="en-US" sz="1100" b="0" dirty="0">
+                <a:solidFill>
+                  <a:srgbClr val="B5CEA8"/>
+                </a:solidFill>
+                <a:effectLst/>
+                <a:latin typeface="Consolas" panose="020B0609020204030204" pitchFamily="49" charset="0"/>
+              </a:rPr>
+              <a:t>12</a:t>
+            </a:r>
+            <a:r>
+              <a:rPr lang="en-US" sz="1100" b="0" dirty="0">
+                <a:solidFill>
+                  <a:srgbClr val="D4D4D4"/>
+                </a:solidFill>
+                <a:effectLst/>
+                <a:latin typeface="Consolas" panose="020B0609020204030204" pitchFamily="49" charset="0"/>
+              </a:rPr>
+              <a:t>,</a:t>
+            </a:r>
+          </a:p>
+          <a:p>
+            <a:r>
+              <a:rPr lang="en-US" sz="1100" b="0" dirty="0">
+                <a:solidFill>
+                  <a:srgbClr val="D4D4D4"/>
+                </a:solidFill>
+                <a:effectLst/>
+                <a:latin typeface="Consolas" panose="020B0609020204030204" pitchFamily="49" charset="0"/>
+              </a:rPr>
+              <a:t>    </a:t>
+            </a:r>
+            <a:r>
+              <a:rPr lang="en-US" sz="1100" b="0" dirty="0">
+                <a:solidFill>
+                  <a:srgbClr val="9CDCFE"/>
+                </a:solidFill>
+                <a:effectLst/>
+                <a:latin typeface="Consolas" panose="020B0609020204030204" pitchFamily="49" charset="0"/>
+              </a:rPr>
+              <a:t>storage_current</a:t>
+            </a:r>
+            <a:r>
+              <a:rPr lang="en-US" sz="1100" b="0" dirty="0">
+                <a:solidFill>
+                  <a:srgbClr val="D4D4D4"/>
+                </a:solidFill>
+                <a:effectLst/>
+                <a:latin typeface="Consolas" panose="020B0609020204030204" pitchFamily="49" charset="0"/>
+              </a:rPr>
+              <a:t>=</a:t>
+            </a:r>
+            <a:r>
+              <a:rPr lang="en-US" sz="1100" b="0" dirty="0">
+                <a:solidFill>
+                  <a:srgbClr val="B5CEA8"/>
+                </a:solidFill>
+                <a:effectLst/>
+                <a:latin typeface="Consolas" panose="020B0609020204030204" pitchFamily="49" charset="0"/>
+              </a:rPr>
+              <a:t>0</a:t>
+            </a:r>
+            <a:r>
+              <a:rPr lang="en-US" sz="1100" b="0" dirty="0">
+                <a:solidFill>
+                  <a:srgbClr val="D4D4D4"/>
+                </a:solidFill>
+                <a:effectLst/>
+                <a:latin typeface="Consolas" panose="020B0609020204030204" pitchFamily="49" charset="0"/>
+              </a:rPr>
+              <a:t>,</a:t>
+            </a:r>
+          </a:p>
+          <a:p>
+            <a:r>
+              <a:rPr lang="en-US" sz="1100" b="0" dirty="0">
+                <a:solidFill>
+                  <a:srgbClr val="D4D4D4"/>
+                </a:solidFill>
+                <a:effectLst/>
+                <a:latin typeface="Consolas" panose="020B0609020204030204" pitchFamily="49" charset="0"/>
+              </a:rPr>
+              <a:t>    </a:t>
+            </a:r>
+            <a:r>
+              <a:rPr lang="en-US" sz="1100" b="0" dirty="0">
+                <a:solidFill>
+                  <a:srgbClr val="9CDCFE"/>
+                </a:solidFill>
+                <a:effectLst/>
+                <a:latin typeface="Consolas" panose="020B0609020204030204" pitchFamily="49" charset="0"/>
+              </a:rPr>
+              <a:t>storage_max</a:t>
+            </a:r>
+            <a:r>
+              <a:rPr lang="en-US" sz="1100" b="0" dirty="0">
+                <a:solidFill>
+                  <a:srgbClr val="D4D4D4"/>
+                </a:solidFill>
+                <a:effectLst/>
+                <a:latin typeface="Consolas" panose="020B0609020204030204" pitchFamily="49" charset="0"/>
+              </a:rPr>
+              <a:t>=</a:t>
+            </a:r>
+            <a:r>
+              <a:rPr lang="en-US" sz="1100" b="0" dirty="0">
+                <a:solidFill>
+                  <a:srgbClr val="B5CEA8"/>
+                </a:solidFill>
+                <a:effectLst/>
+                <a:latin typeface="Consolas" panose="020B0609020204030204" pitchFamily="49" charset="0"/>
+              </a:rPr>
+              <a:t>8</a:t>
+            </a:r>
+            <a:r>
+              <a:rPr lang="en-US" sz="1100" b="0" dirty="0">
+                <a:solidFill>
+                  <a:srgbClr val="D4D4D4"/>
+                </a:solidFill>
+                <a:effectLst/>
+                <a:latin typeface="Consolas" panose="020B0609020204030204" pitchFamily="49" charset="0"/>
+              </a:rPr>
+              <a:t>,</a:t>
+            </a:r>
+          </a:p>
+          <a:p>
+            <a:r>
+              <a:rPr lang="en-US" sz="1100" b="0" dirty="0">
+                <a:solidFill>
+                  <a:srgbClr val="D4D4D4"/>
+                </a:solidFill>
+                <a:effectLst/>
+                <a:latin typeface="Consolas" panose="020B0609020204030204" pitchFamily="49" charset="0"/>
+              </a:rPr>
+              <a:t>    </a:t>
+            </a:r>
+            <a:r>
+              <a:rPr lang="en-US" sz="1100" b="0" dirty="0">
+                <a:solidFill>
+                  <a:srgbClr val="9CDCFE"/>
+                </a:solidFill>
+                <a:effectLst/>
+                <a:latin typeface="Consolas" panose="020B0609020204030204" pitchFamily="49" charset="0"/>
+              </a:rPr>
+              <a:t>connections</a:t>
+            </a:r>
+            <a:r>
+              <a:rPr lang="en-US" sz="1100" b="0" dirty="0">
+                <a:solidFill>
+                  <a:srgbClr val="D4D4D4"/>
+                </a:solidFill>
+                <a:effectLst/>
+                <a:latin typeface="Consolas" panose="020B0609020204030204" pitchFamily="49" charset="0"/>
+              </a:rPr>
+              <a:t>=[</a:t>
+            </a:r>
+          </a:p>
+          <a:p>
+            <a:r>
+              <a:rPr lang="en-US" sz="1100" b="0" dirty="0">
+                <a:solidFill>
+                  <a:srgbClr val="D4D4D4"/>
+                </a:solidFill>
+                <a:effectLst/>
+                <a:latin typeface="Consolas" panose="020B0609020204030204" pitchFamily="49" charset="0"/>
+              </a:rPr>
+              <a:t>        </a:t>
+            </a:r>
+            <a:r>
+              <a:rPr lang="en-US" sz="1100" b="0" dirty="0">
+                <a:solidFill>
+                  <a:srgbClr val="4EC9B0"/>
+                </a:solidFill>
+                <a:effectLst/>
+                <a:latin typeface="Consolas" panose="020B0609020204030204" pitchFamily="49" charset="0"/>
+              </a:rPr>
+              <a:t>Link</a:t>
+            </a:r>
+            <a:r>
+              <a:rPr lang="en-US" sz="1100" b="0" dirty="0">
+                <a:solidFill>
+                  <a:srgbClr val="D4D4D4"/>
+                </a:solidFill>
+                <a:effectLst/>
+                <a:latin typeface="Consolas" panose="020B0609020204030204" pitchFamily="49" charset="0"/>
+              </a:rPr>
+              <a:t>(</a:t>
+            </a:r>
+          </a:p>
+          <a:p>
+            <a:r>
+              <a:rPr lang="en-US" sz="1100" b="0" dirty="0">
+                <a:solidFill>
+                  <a:srgbClr val="D4D4D4"/>
+                </a:solidFill>
+                <a:effectLst/>
+                <a:latin typeface="Consolas" panose="020B0609020204030204" pitchFamily="49" charset="0"/>
+              </a:rPr>
+              <a:t>            </a:t>
+            </a:r>
+            <a:r>
+              <a:rPr lang="en-US" sz="1100" b="0" dirty="0">
+                <a:solidFill>
+                  <a:srgbClr val="9CDCFE"/>
+                </a:solidFill>
+                <a:effectLst/>
+                <a:latin typeface="Consolas" panose="020B0609020204030204" pitchFamily="49" charset="0"/>
+              </a:rPr>
+              <a:t>end</a:t>
+            </a:r>
+            <a:r>
+              <a:rPr lang="en-US" sz="1100" b="0" dirty="0">
+                <a:solidFill>
+                  <a:srgbClr val="D4D4D4"/>
+                </a:solidFill>
+                <a:effectLst/>
+                <a:latin typeface="Consolas" panose="020B0609020204030204" pitchFamily="49" charset="0"/>
+              </a:rPr>
+              <a:t>=</a:t>
+            </a:r>
+            <a:r>
+              <a:rPr lang="en-US" sz="1100" b="0" dirty="0">
+                <a:solidFill>
+                  <a:srgbClr val="CE9178"/>
+                </a:solidFill>
+                <a:effectLst/>
+                <a:latin typeface="Consolas" panose="020B0609020204030204" pitchFamily="49" charset="0"/>
+              </a:rPr>
+              <a:t>'city_1'</a:t>
+            </a:r>
+            <a:r>
+              <a:rPr lang="en-US" sz="1100" b="0" dirty="0">
+                <a:solidFill>
+                  <a:srgbClr val="D4D4D4"/>
+                </a:solidFill>
+                <a:effectLst/>
+                <a:latin typeface="Consolas" panose="020B0609020204030204" pitchFamily="49" charset="0"/>
+              </a:rPr>
+              <a:t>,</a:t>
+            </a:r>
+          </a:p>
+          <a:p>
+            <a:r>
+              <a:rPr lang="en-US" sz="1100" b="0" dirty="0">
+                <a:solidFill>
+                  <a:srgbClr val="D4D4D4"/>
+                </a:solidFill>
+                <a:effectLst/>
+                <a:latin typeface="Consolas" panose="020B0609020204030204" pitchFamily="49" charset="0"/>
+              </a:rPr>
+              <a:t>            </a:t>
+            </a:r>
+            <a:r>
+              <a:rPr lang="en-US" sz="1100" b="0" dirty="0">
+                <a:solidFill>
+                  <a:srgbClr val="9CDCFE"/>
+                </a:solidFill>
+                <a:effectLst/>
+                <a:latin typeface="Consolas" panose="020B0609020204030204" pitchFamily="49" charset="0"/>
+              </a:rPr>
+              <a:t>active</a:t>
+            </a:r>
+            <a:r>
+              <a:rPr lang="en-US" sz="1100" b="0" dirty="0">
+                <a:solidFill>
+                  <a:srgbClr val="D4D4D4"/>
+                </a:solidFill>
+                <a:effectLst/>
+                <a:latin typeface="Consolas" panose="020B0609020204030204" pitchFamily="49" charset="0"/>
+              </a:rPr>
+              <a:t>=</a:t>
+            </a:r>
+            <a:r>
+              <a:rPr lang="en-US" sz="1100" b="0" dirty="0">
+                <a:solidFill>
+                  <a:srgbClr val="569CD6"/>
+                </a:solidFill>
+                <a:effectLst/>
+                <a:latin typeface="Consolas" panose="020B0609020204030204" pitchFamily="49" charset="0"/>
+              </a:rPr>
+              <a:t>True</a:t>
+            </a:r>
+            <a:r>
+              <a:rPr lang="en-US" sz="1100" b="0" dirty="0">
+                <a:solidFill>
+                  <a:srgbClr val="D4D4D4"/>
+                </a:solidFill>
+                <a:effectLst/>
+                <a:latin typeface="Consolas" panose="020B0609020204030204" pitchFamily="49" charset="0"/>
+              </a:rPr>
+              <a:t>,</a:t>
+            </a:r>
+          </a:p>
+          <a:p>
+            <a:r>
+              <a:rPr lang="en-US" sz="1100" b="0" dirty="0">
+                <a:solidFill>
+                  <a:srgbClr val="D4D4D4"/>
+                </a:solidFill>
+                <a:effectLst/>
+                <a:latin typeface="Consolas" panose="020B0609020204030204" pitchFamily="49" charset="0"/>
+              </a:rPr>
+              <a:t>            </a:t>
+            </a:r>
+            <a:r>
+              <a:rPr lang="en-US" sz="1100" b="0" dirty="0">
+                <a:solidFill>
+                  <a:srgbClr val="9CDCFE"/>
+                </a:solidFill>
+                <a:effectLst/>
+                <a:latin typeface="Consolas" panose="020B0609020204030204" pitchFamily="49" charset="0"/>
+              </a:rPr>
+              <a:t>chance</a:t>
+            </a:r>
+            <a:r>
+              <a:rPr lang="en-US" sz="1100" b="0" dirty="0">
+                <a:solidFill>
+                  <a:srgbClr val="D4D4D4"/>
+                </a:solidFill>
+                <a:effectLst/>
+                <a:latin typeface="Consolas" panose="020B0609020204030204" pitchFamily="49" charset="0"/>
+              </a:rPr>
+              <a:t>=</a:t>
+            </a:r>
+            <a:r>
+              <a:rPr lang="en-US" sz="1100" b="0" dirty="0">
+                <a:solidFill>
+                  <a:srgbClr val="B5CEA8"/>
+                </a:solidFill>
+                <a:effectLst/>
+                <a:latin typeface="Consolas" panose="020B0609020204030204" pitchFamily="49" charset="0"/>
+              </a:rPr>
+              <a:t>1</a:t>
+            </a:r>
+            <a:r>
+              <a:rPr lang="en-US" sz="1100" b="0" dirty="0">
+                <a:solidFill>
+                  <a:srgbClr val="D4D4D4"/>
+                </a:solidFill>
+                <a:effectLst/>
+                <a:latin typeface="Consolas" panose="020B0609020204030204" pitchFamily="49" charset="0"/>
+              </a:rPr>
+              <a:t>,</a:t>
+            </a:r>
+          </a:p>
+          <a:p>
+            <a:r>
+              <a:rPr lang="en-US" sz="1100" b="0" dirty="0">
+                <a:solidFill>
+                  <a:srgbClr val="D4D4D4"/>
+                </a:solidFill>
+                <a:effectLst/>
+                <a:latin typeface="Consolas" panose="020B0609020204030204" pitchFamily="49" charset="0"/>
+              </a:rPr>
+              <a:t>            </a:t>
+            </a:r>
+            <a:r>
+              <a:rPr lang="en-US" sz="1100" b="0" dirty="0">
+                <a:solidFill>
+                  <a:srgbClr val="9CDCFE"/>
+                </a:solidFill>
+                <a:effectLst/>
+                <a:latin typeface="Consolas" panose="020B0609020204030204" pitchFamily="49" charset="0"/>
+              </a:rPr>
+              <a:t>price_factor</a:t>
+            </a:r>
+            <a:r>
+              <a:rPr lang="en-US" sz="1100" b="0" dirty="0">
+                <a:solidFill>
+                  <a:srgbClr val="D4D4D4"/>
+                </a:solidFill>
+                <a:effectLst/>
+                <a:latin typeface="Consolas" panose="020B0609020204030204" pitchFamily="49" charset="0"/>
+              </a:rPr>
+              <a:t>=</a:t>
+            </a:r>
+            <a:r>
+              <a:rPr lang="en-US" sz="1100" b="0" dirty="0">
+                <a:solidFill>
+                  <a:srgbClr val="B5CEA8"/>
+                </a:solidFill>
+                <a:effectLst/>
+                <a:latin typeface="Consolas" panose="020B0609020204030204" pitchFamily="49" charset="0"/>
+              </a:rPr>
+              <a:t>1.2</a:t>
+            </a:r>
+            <a:r>
+              <a:rPr lang="en-US" sz="1100" b="0" dirty="0">
+                <a:solidFill>
+                  <a:srgbClr val="D4D4D4"/>
+                </a:solidFill>
+                <a:effectLst/>
+                <a:latin typeface="Consolas" panose="020B0609020204030204" pitchFamily="49" charset="0"/>
+              </a:rPr>
+              <a:t>,</a:t>
+            </a:r>
+          </a:p>
+          <a:p>
+            <a:r>
+              <a:rPr lang="en-US" sz="1100" b="0" dirty="0">
+                <a:solidFill>
+                  <a:srgbClr val="D4D4D4"/>
+                </a:solidFill>
+                <a:effectLst/>
+                <a:latin typeface="Consolas" panose="020B0609020204030204" pitchFamily="49" charset="0"/>
+              </a:rPr>
+              <a:t>            </a:t>
+            </a:r>
+            <a:r>
+              <a:rPr lang="en-US" sz="1100" b="0" dirty="0" err="1">
+                <a:solidFill>
+                  <a:srgbClr val="9CDCFE"/>
+                </a:solidFill>
+                <a:effectLst/>
+                <a:latin typeface="Consolas" panose="020B0609020204030204" pitchFamily="49" charset="0"/>
+              </a:rPr>
+              <a:t>max_discharge</a:t>
+            </a:r>
+            <a:r>
+              <a:rPr lang="en-US" sz="1100" b="0" dirty="0">
+                <a:solidFill>
+                  <a:srgbClr val="D4D4D4"/>
+                </a:solidFill>
+                <a:effectLst/>
+                <a:latin typeface="Consolas" panose="020B0609020204030204" pitchFamily="49" charset="0"/>
+              </a:rPr>
+              <a:t>=</a:t>
+            </a:r>
+            <a:r>
+              <a:rPr lang="en-US" sz="1100" b="0" dirty="0">
+                <a:solidFill>
+                  <a:srgbClr val="B5CEA8"/>
+                </a:solidFill>
+                <a:effectLst/>
+                <a:latin typeface="Consolas" panose="020B0609020204030204" pitchFamily="49" charset="0"/>
+              </a:rPr>
+              <a:t>5</a:t>
+            </a:r>
+            <a:endParaRPr lang="en-US" sz="1100" b="0" dirty="0">
+              <a:solidFill>
+                <a:srgbClr val="D4D4D4"/>
+              </a:solidFill>
+              <a:effectLst/>
+              <a:latin typeface="Consolas" panose="020B0609020204030204" pitchFamily="49" charset="0"/>
+            </a:endParaRPr>
+          </a:p>
+          <a:p>
+            <a:r>
+              <a:rPr lang="en-US" sz="1100" b="0" dirty="0">
+                <a:solidFill>
+                  <a:srgbClr val="D4D4D4"/>
+                </a:solidFill>
+                <a:effectLst/>
+                <a:latin typeface="Consolas" panose="020B0609020204030204" pitchFamily="49" charset="0"/>
+              </a:rPr>
+              <a:t>        ),</a:t>
+            </a:r>
+          </a:p>
+          <a:p>
+            <a:r>
+              <a:rPr lang="en-US" sz="1100" b="0" dirty="0">
+                <a:solidFill>
+                  <a:srgbClr val="D4D4D4"/>
+                </a:solidFill>
+                <a:effectLst/>
+                <a:latin typeface="Consolas" panose="020B0609020204030204" pitchFamily="49" charset="0"/>
+              </a:rPr>
+              <a:t>    ]</a:t>
+            </a:r>
+          </a:p>
+          <a:p>
+            <a:r>
+              <a:rPr lang="en-US" sz="1100" b="0" dirty="0">
+                <a:solidFill>
+                  <a:srgbClr val="D4D4D4"/>
+                </a:solidFill>
+                <a:effectLst/>
+                <a:latin typeface="Consolas" panose="020B0609020204030204" pitchFamily="49" charset="0"/>
+              </a:rPr>
+              <a:t>)</a:t>
+            </a:r>
+          </a:p>
+        </p:txBody>
+      </p:sp>
+      <p:sp>
+        <p:nvSpPr>
+          <p:cNvPr id="15" name="TextBox 14">
+            <a:extLst>
+              <a:ext uri="{FF2B5EF4-FFF2-40B4-BE49-F238E27FC236}">
+                <a16:creationId xmlns:a16="http://schemas.microsoft.com/office/drawing/2014/main" id="{38441CAD-FDD9-EB94-8D75-A2B65B62E74C}"/>
+              </a:ext>
+            </a:extLst>
+          </p:cNvPr>
+          <p:cNvSpPr txBox="1"/>
+          <p:nvPr/>
+        </p:nvSpPr>
+        <p:spPr>
+          <a:xfrm>
+            <a:off x="6679750" y="4705009"/>
+            <a:ext cx="2767614" cy="938719"/>
+          </a:xfrm>
+          <a:prstGeom prst="rect">
+            <a:avLst/>
+          </a:prstGeom>
+          <a:noFill/>
+        </p:spPr>
+        <p:txBody>
+          <a:bodyPr wrap="square">
+            <a:spAutoFit/>
+          </a:bodyPr>
+          <a:lstStyle/>
+          <a:p>
+            <a:r>
+              <a:rPr lang="en-US" sz="1100" b="0" dirty="0">
+                <a:solidFill>
+                  <a:srgbClr val="9CDCFE"/>
+                </a:solidFill>
+                <a:effectLst/>
+                <a:latin typeface="Consolas" panose="020B0609020204030204" pitchFamily="49" charset="0"/>
+              </a:rPr>
+              <a:t>entity_2</a:t>
+            </a:r>
+            <a:r>
+              <a:rPr lang="en-US" sz="1100" b="0" dirty="0">
+                <a:solidFill>
+                  <a:srgbClr val="D4D4D4"/>
+                </a:solidFill>
+                <a:effectLst/>
+                <a:latin typeface="Consolas" panose="020B0609020204030204" pitchFamily="49" charset="0"/>
+              </a:rPr>
+              <a:t> = </a:t>
+            </a:r>
+            <a:r>
+              <a:rPr lang="en-US" sz="1100" b="0" dirty="0">
+                <a:solidFill>
+                  <a:srgbClr val="4EC9B0"/>
+                </a:solidFill>
+                <a:effectLst/>
+                <a:latin typeface="Consolas" panose="020B0609020204030204" pitchFamily="49" charset="0"/>
+              </a:rPr>
+              <a:t>Entity</a:t>
+            </a:r>
+            <a:r>
+              <a:rPr lang="en-US" sz="1100" b="0" dirty="0">
+                <a:solidFill>
+                  <a:srgbClr val="D4D4D4"/>
+                </a:solidFill>
+                <a:effectLst/>
+                <a:latin typeface="Consolas" panose="020B0609020204030204" pitchFamily="49" charset="0"/>
+              </a:rPr>
+              <a:t>(</a:t>
+            </a:r>
+          </a:p>
+          <a:p>
+            <a:r>
+              <a:rPr lang="en-US" sz="1100" b="0" dirty="0">
+                <a:solidFill>
+                  <a:srgbClr val="D4D4D4"/>
+                </a:solidFill>
+                <a:effectLst/>
+                <a:latin typeface="Consolas" panose="020B0609020204030204" pitchFamily="49" charset="0"/>
+              </a:rPr>
+              <a:t>    </a:t>
+            </a:r>
+            <a:r>
+              <a:rPr lang="en-US" sz="1100" b="0" dirty="0">
+                <a:solidFill>
+                  <a:srgbClr val="9CDCFE"/>
+                </a:solidFill>
+                <a:effectLst/>
+                <a:latin typeface="Consolas" panose="020B0609020204030204" pitchFamily="49" charset="0"/>
+              </a:rPr>
+              <a:t>name</a:t>
+            </a:r>
+            <a:r>
+              <a:rPr lang="en-US" sz="1100" b="0" dirty="0">
+                <a:solidFill>
+                  <a:srgbClr val="D4D4D4"/>
+                </a:solidFill>
+                <a:effectLst/>
+                <a:latin typeface="Consolas" panose="020B0609020204030204" pitchFamily="49" charset="0"/>
+              </a:rPr>
+              <a:t>=</a:t>
+            </a:r>
+            <a:r>
+              <a:rPr lang="en-US" sz="1100" b="0" dirty="0">
+                <a:solidFill>
+                  <a:srgbClr val="CE9178"/>
+                </a:solidFill>
+                <a:effectLst/>
+                <a:latin typeface="Consolas" panose="020B0609020204030204" pitchFamily="49" charset="0"/>
+              </a:rPr>
+              <a:t>'city_2'</a:t>
+            </a:r>
+            <a:r>
+              <a:rPr lang="en-US" sz="1100" b="0" dirty="0">
+                <a:solidFill>
+                  <a:srgbClr val="D4D4D4"/>
+                </a:solidFill>
+                <a:effectLst/>
+                <a:latin typeface="Consolas" panose="020B0609020204030204" pitchFamily="49" charset="0"/>
+              </a:rPr>
+              <a:t>,</a:t>
+            </a:r>
+          </a:p>
+          <a:p>
+            <a:r>
+              <a:rPr lang="en-US" sz="1100" b="0" dirty="0">
+                <a:solidFill>
+                  <a:srgbClr val="D4D4D4"/>
+                </a:solidFill>
+                <a:effectLst/>
+                <a:latin typeface="Consolas" panose="020B0609020204030204" pitchFamily="49" charset="0"/>
+              </a:rPr>
+              <a:t>    </a:t>
+            </a:r>
+            <a:r>
+              <a:rPr lang="en-US" sz="1100" b="0" dirty="0">
+                <a:solidFill>
+                  <a:srgbClr val="9CDCFE"/>
+                </a:solidFill>
+                <a:effectLst/>
+                <a:latin typeface="Consolas" panose="020B0609020204030204" pitchFamily="49" charset="0"/>
+              </a:rPr>
+              <a:t>location</a:t>
+            </a:r>
+            <a:r>
+              <a:rPr lang="en-US" sz="1100" b="0" dirty="0">
+                <a:solidFill>
+                  <a:srgbClr val="D4D4D4"/>
+                </a:solidFill>
+                <a:effectLst/>
+                <a:latin typeface="Consolas" panose="020B0609020204030204" pitchFamily="49" charset="0"/>
+              </a:rPr>
+              <a:t>=[-</a:t>
+            </a:r>
+            <a:r>
+              <a:rPr lang="en-US" sz="1100" b="0" dirty="0">
+                <a:solidFill>
+                  <a:srgbClr val="B5CEA8"/>
+                </a:solidFill>
+                <a:effectLst/>
+                <a:latin typeface="Consolas" panose="020B0609020204030204" pitchFamily="49" charset="0"/>
+              </a:rPr>
+              <a:t>0.3</a:t>
+            </a:r>
+            <a:r>
+              <a:rPr lang="en-US" sz="1100" b="0" dirty="0">
+                <a:solidFill>
+                  <a:srgbClr val="D4D4D4"/>
+                </a:solidFill>
+                <a:effectLst/>
+                <a:latin typeface="Consolas" panose="020B0609020204030204" pitchFamily="49" charset="0"/>
+              </a:rPr>
+              <a:t>, </a:t>
+            </a:r>
+            <a:r>
+              <a:rPr lang="en-US" sz="1100" b="0" dirty="0">
+                <a:solidFill>
+                  <a:srgbClr val="B5CEA8"/>
+                </a:solidFill>
+                <a:effectLst/>
+                <a:latin typeface="Consolas" panose="020B0609020204030204" pitchFamily="49" charset="0"/>
+              </a:rPr>
+              <a:t>0.4</a:t>
+            </a:r>
+            <a:r>
+              <a:rPr lang="en-US" sz="1100" b="0" dirty="0">
+                <a:solidFill>
+                  <a:srgbClr val="D4D4D4"/>
+                </a:solidFill>
+                <a:effectLst/>
+                <a:latin typeface="Consolas" panose="020B0609020204030204" pitchFamily="49" charset="0"/>
+              </a:rPr>
+              <a:t>],</a:t>
+            </a:r>
+          </a:p>
+          <a:p>
+            <a:r>
+              <a:rPr lang="en-US" sz="1100" b="0" dirty="0">
+                <a:solidFill>
+                  <a:srgbClr val="D4D4D4"/>
+                </a:solidFill>
+                <a:effectLst/>
+                <a:latin typeface="Consolas" panose="020B0609020204030204" pitchFamily="49" charset="0"/>
+              </a:rPr>
+              <a:t>    </a:t>
+            </a:r>
+            <a:r>
+              <a:rPr lang="en-US" sz="1100" b="0" dirty="0">
+                <a:solidFill>
+                  <a:srgbClr val="9CDCFE"/>
+                </a:solidFill>
+                <a:effectLst/>
+                <a:latin typeface="Consolas" panose="020B0609020204030204" pitchFamily="49" charset="0"/>
+              </a:rPr>
+              <a:t>resources</a:t>
+            </a:r>
+            <a:r>
+              <a:rPr lang="en-US" sz="1100" b="0" dirty="0">
+                <a:solidFill>
+                  <a:srgbClr val="D4D4D4"/>
+                </a:solidFill>
+                <a:effectLst/>
+                <a:latin typeface="Consolas" panose="020B0609020204030204" pitchFamily="49" charset="0"/>
+              </a:rPr>
+              <a:t>=[</a:t>
+            </a:r>
+            <a:r>
+              <a:rPr lang="en-US" sz="1100" b="0" dirty="0">
+                <a:solidFill>
+                  <a:srgbClr val="9CDCFE"/>
+                </a:solidFill>
+                <a:effectLst/>
+                <a:latin typeface="Consolas" panose="020B0609020204030204" pitchFamily="49" charset="0"/>
+              </a:rPr>
+              <a:t>resource_2</a:t>
+            </a:r>
+            <a:r>
+              <a:rPr lang="en-US" sz="1100" b="0" dirty="0">
+                <a:solidFill>
+                  <a:srgbClr val="D4D4D4"/>
+                </a:solidFill>
+                <a:effectLst/>
+                <a:latin typeface="Consolas" panose="020B0609020204030204" pitchFamily="49" charset="0"/>
+              </a:rPr>
+              <a:t>]</a:t>
+            </a:r>
+          </a:p>
+          <a:p>
+            <a:r>
+              <a:rPr lang="en-US" sz="1100" b="0" dirty="0">
+                <a:solidFill>
+                  <a:srgbClr val="D4D4D4"/>
+                </a:solidFill>
+                <a:effectLst/>
+                <a:latin typeface="Consolas" panose="020B0609020204030204" pitchFamily="49" charset="0"/>
+              </a:rPr>
+              <a:t>)</a:t>
+            </a:r>
+          </a:p>
+        </p:txBody>
+      </p:sp>
+      <p:cxnSp>
+        <p:nvCxnSpPr>
+          <p:cNvPr id="17" name="Straight Connector 16">
+            <a:extLst>
+              <a:ext uri="{FF2B5EF4-FFF2-40B4-BE49-F238E27FC236}">
+                <a16:creationId xmlns:a16="http://schemas.microsoft.com/office/drawing/2014/main" id="{A1AD5D4E-5843-2EDB-CEAD-015996F1AFB1}"/>
+              </a:ext>
+            </a:extLst>
+          </p:cNvPr>
+          <p:cNvCxnSpPr>
+            <a:cxnSpLocks/>
+          </p:cNvCxnSpPr>
+          <p:nvPr/>
+        </p:nvCxnSpPr>
+        <p:spPr>
+          <a:xfrm>
+            <a:off x="5566301" y="1707732"/>
+            <a:ext cx="0" cy="3849690"/>
+          </a:xfrm>
+          <a:prstGeom prst="line">
+            <a:avLst/>
+          </a:prstGeom>
+          <a:ln>
+            <a:prstDash val="dash"/>
+          </a:ln>
+        </p:spPr>
+        <p:style>
+          <a:lnRef idx="1">
+            <a:schemeClr val="accent1"/>
+          </a:lnRef>
+          <a:fillRef idx="0">
+            <a:schemeClr val="accent1"/>
+          </a:fillRef>
+          <a:effectRef idx="0">
+            <a:schemeClr val="accent1"/>
+          </a:effectRef>
+          <a:fontRef idx="minor">
+            <a:schemeClr val="tx1"/>
+          </a:fontRef>
+        </p:style>
+      </p:cxnSp>
+      <p:sp>
+        <p:nvSpPr>
+          <p:cNvPr id="5" name="TextBox 4">
+            <a:extLst>
+              <a:ext uri="{FF2B5EF4-FFF2-40B4-BE49-F238E27FC236}">
+                <a16:creationId xmlns:a16="http://schemas.microsoft.com/office/drawing/2014/main" id="{B2DFDD19-BAF7-13AA-FC02-8AE66455D27C}"/>
+              </a:ext>
+            </a:extLst>
+          </p:cNvPr>
+          <p:cNvSpPr txBox="1"/>
+          <p:nvPr/>
+        </p:nvSpPr>
+        <p:spPr>
+          <a:xfrm>
+            <a:off x="2904108" y="6049944"/>
+            <a:ext cx="5519691" cy="307777"/>
+          </a:xfrm>
+          <a:prstGeom prst="rect">
+            <a:avLst/>
+          </a:prstGeom>
+          <a:noFill/>
+        </p:spPr>
+        <p:txBody>
+          <a:bodyPr wrap="square">
+            <a:spAutoFit/>
+          </a:bodyPr>
+          <a:lstStyle/>
+          <a:p>
+            <a:pPr algn="ctr"/>
+            <a:r>
+              <a:rPr lang="en-US" sz="1400" b="0" dirty="0">
+                <a:solidFill>
+                  <a:srgbClr val="4EC9B0"/>
+                </a:solidFill>
+                <a:effectLst/>
+                <a:latin typeface="Consolas" panose="020B0609020204030204" pitchFamily="49" charset="0"/>
+              </a:rPr>
+              <a:t>Model</a:t>
+            </a:r>
+            <a:r>
+              <a:rPr lang="en-US" sz="1400" b="0" dirty="0">
+                <a:solidFill>
+                  <a:srgbClr val="D4D4D4"/>
+                </a:solidFill>
+                <a:effectLst/>
+                <a:latin typeface="Consolas" panose="020B0609020204030204" pitchFamily="49" charset="0"/>
+              </a:rPr>
+              <a:t>(</a:t>
+            </a:r>
+            <a:r>
+              <a:rPr lang="en-US" sz="1400" b="0" dirty="0">
+                <a:solidFill>
+                  <a:srgbClr val="9CDCFE"/>
+                </a:solidFill>
+                <a:effectLst/>
+                <a:latin typeface="Consolas" panose="020B0609020204030204" pitchFamily="49" charset="0"/>
+              </a:rPr>
+              <a:t>entities</a:t>
+            </a:r>
+            <a:r>
+              <a:rPr lang="en-US" sz="1400" b="0" dirty="0">
+                <a:solidFill>
+                  <a:srgbClr val="D4D4D4"/>
+                </a:solidFill>
+                <a:effectLst/>
+                <a:latin typeface="Consolas" panose="020B0609020204030204" pitchFamily="49" charset="0"/>
+              </a:rPr>
+              <a:t>=[</a:t>
+            </a:r>
+            <a:r>
+              <a:rPr lang="en-US" sz="1400" b="0" dirty="0">
+                <a:solidFill>
+                  <a:srgbClr val="9CDCFE"/>
+                </a:solidFill>
+                <a:effectLst/>
+                <a:latin typeface="Consolas" panose="020B0609020204030204" pitchFamily="49" charset="0"/>
+              </a:rPr>
+              <a:t>entity_1</a:t>
+            </a:r>
+            <a:r>
+              <a:rPr lang="en-US" sz="1400" b="0" dirty="0">
+                <a:solidFill>
+                  <a:srgbClr val="D4D4D4"/>
+                </a:solidFill>
+                <a:effectLst/>
+                <a:latin typeface="Consolas" panose="020B0609020204030204" pitchFamily="49" charset="0"/>
+              </a:rPr>
+              <a:t>, </a:t>
+            </a:r>
+            <a:r>
+              <a:rPr lang="en-US" sz="1400" b="0" dirty="0">
+                <a:solidFill>
+                  <a:srgbClr val="9CDCFE"/>
+                </a:solidFill>
+                <a:effectLst/>
+                <a:latin typeface="Consolas" panose="020B0609020204030204" pitchFamily="49" charset="0"/>
+              </a:rPr>
+              <a:t>entity_2</a:t>
+            </a:r>
+            <a:r>
+              <a:rPr lang="en-US" sz="1400" b="0" dirty="0">
+                <a:solidFill>
+                  <a:srgbClr val="D4D4D4"/>
+                </a:solidFill>
+                <a:effectLst/>
+                <a:latin typeface="Consolas" panose="020B0609020204030204" pitchFamily="49" charset="0"/>
+              </a:rPr>
+              <a:t>])</a:t>
+            </a:r>
+          </a:p>
+        </p:txBody>
+      </p:sp>
+    </p:spTree>
+    <p:extLst>
+      <p:ext uri="{BB962C8B-B14F-4D97-AF65-F5344CB8AC3E}">
+        <p14:creationId xmlns:p14="http://schemas.microsoft.com/office/powerpoint/2010/main" val="3112408171"/>
+      </p:ext>
+    </p:extLst>
+  </p:cSld>
+  <p:clrMapOvr>
+    <a:masterClrMapping/>
+  </p:clrMapOvr>
+  <mc:AlternateContent xmlns:mc="http://schemas.openxmlformats.org/markup-compatibility/2006">
+    <mc:Choice xmlns:p14="http://schemas.microsoft.com/office/powerpoint/2010/main" Requires="p14">
+      <p:transition spd="med" p14:dur="700">
+        <p:fade/>
+      </p:transition>
+    </mc:Choice>
+    <mc:Fallback>
+      <p:transition spd="med">
+        <p:fade/>
+      </p:transition>
+    </mc:Fallback>
+  </mc:AlternateContent>
+</p:sld>
+</file>
+
+<file path=ppt/slides/slide9.xml><?xml version="1.0" encoding="utf-8"?>
+<p:sld xmlns:a="http://schemas.openxmlformats.org/drawingml/2006/main" xmlns:r="http://schemas.openxmlformats.org/officeDocument/2006/relationships" xmlns:p="http://schemas.openxmlformats.org/presentationml/2006/main">
+  <p:cSld>
+    <p:spTree>
+      <p:nvGrpSpPr>
+        <p:cNvPr id="1" name=""/>
+        <p:cNvGrpSpPr/>
+        <p:nvPr/>
+      </p:nvGrpSpPr>
+      <p:grpSpPr>
+        <a:xfrm>
+          <a:off x="0" y="0"/>
+          <a:ext cx="0" cy="0"/>
+          <a:chOff x="0" y="0"/>
+          <a:chExt cx="0" cy="0"/>
+        </a:xfrm>
+      </p:grpSpPr>
+      <p:sp>
+        <p:nvSpPr>
+          <p:cNvPr id="2" name="Title 1">
+            <a:extLst>
+              <a:ext uri="{FF2B5EF4-FFF2-40B4-BE49-F238E27FC236}">
+                <a16:creationId xmlns:a16="http://schemas.microsoft.com/office/drawing/2014/main" id="{B6B9F9D5-1364-C056-CDC3-1E4760642DA4}"/>
+              </a:ext>
+            </a:extLst>
+          </p:cNvPr>
+          <p:cNvSpPr>
+            <a:spLocks noGrp="1"/>
+          </p:cNvSpPr>
+          <p:nvPr>
+            <p:ph type="title"/>
+          </p:nvPr>
+        </p:nvSpPr>
+        <p:spPr/>
+        <p:txBody>
+          <a:bodyPr/>
+          <a:lstStyle/>
+          <a:p>
+            <a:pPr algn="l"/>
+            <a:r>
+              <a:rPr lang="en-US" dirty="0"/>
+              <a:t>How Model Works: graphs</a:t>
+            </a:r>
+          </a:p>
+        </p:txBody>
+      </p:sp>
+      <p:sp>
+        <p:nvSpPr>
+          <p:cNvPr id="3" name="Content Placeholder 2">
+            <a:extLst>
+              <a:ext uri="{FF2B5EF4-FFF2-40B4-BE49-F238E27FC236}">
+                <a16:creationId xmlns:a16="http://schemas.microsoft.com/office/drawing/2014/main" id="{3281FC19-996E-C663-CF91-0330A46D7691}"/>
+              </a:ext>
+            </a:extLst>
+          </p:cNvPr>
+          <p:cNvSpPr>
+            <a:spLocks noGrp="1"/>
+          </p:cNvSpPr>
+          <p:nvPr>
+            <p:ph idx="1"/>
+          </p:nvPr>
+        </p:nvSpPr>
+        <p:spPr>
+          <a:xfrm>
+            <a:off x="2197730" y="1885285"/>
+            <a:ext cx="7958330" cy="3997828"/>
+          </a:xfrm>
+        </p:spPr>
+        <p:txBody>
+          <a:bodyPr/>
+          <a:lstStyle/>
+          <a:p>
+            <a:r>
+              <a:rPr lang="en-US" dirty="0"/>
+              <a:t>The information within the model needs to convert into graph(s)</a:t>
+            </a:r>
+          </a:p>
+          <a:p>
+            <a:r>
+              <a:rPr lang="en-US" dirty="0"/>
+              <a:t>“</a:t>
+            </a:r>
+            <a:r>
+              <a:rPr lang="en-US" dirty="0" err="1"/>
+              <a:t>networkx</a:t>
+            </a:r>
+            <a:r>
+              <a:rPr lang="en-US" dirty="0"/>
+              <a:t>” library is used for handling graphs</a:t>
+            </a:r>
+          </a:p>
+          <a:p>
+            <a:r>
+              <a:rPr lang="en-US" dirty="0"/>
+              <a:t>Two graph representations are useful:</a:t>
+            </a:r>
+          </a:p>
+          <a:p>
+            <a:pPr lvl="1">
+              <a:buFontTx/>
+              <a:buChar char="-"/>
+            </a:pPr>
+            <a:r>
+              <a:rPr lang="en-US" dirty="0"/>
+              <a:t>normal graph</a:t>
+            </a:r>
+          </a:p>
+          <a:p>
+            <a:pPr lvl="1">
+              <a:buFontTx/>
+              <a:buChar char="-"/>
+            </a:pPr>
+            <a:r>
+              <a:rPr lang="en-US" dirty="0"/>
+              <a:t>detailed graph</a:t>
+            </a:r>
+          </a:p>
+        </p:txBody>
+      </p:sp>
+    </p:spTree>
+    <p:extLst>
+      <p:ext uri="{BB962C8B-B14F-4D97-AF65-F5344CB8AC3E}">
+        <p14:creationId xmlns:p14="http://schemas.microsoft.com/office/powerpoint/2010/main" val="2130585822"/>
+      </p:ext>
+    </p:extLst>
+  </p:cSld>
+  <p:clrMapOvr>
+    <a:masterClrMapping/>
+  </p:clrMapOvr>
+  <mc:AlternateContent xmlns:mc="http://schemas.openxmlformats.org/markup-compatibility/2006">
+    <mc:Choice xmlns:p14="http://schemas.microsoft.com/office/powerpoint/2010/main" Requires="p14">
+      <p:transition spd="med" p14:dur="700">
+        <p:fade/>
+      </p:transition>
+    </mc:Choice>
+    <mc:Fallback>
+      <p:transition spd="med">
+        <p:fade/>
+      </p:transition>
+    </mc:Fallback>
+  </mc:AlternateContent>
 </p:sld>
 </file>
 
@@ -4810,4 +9930,299 @@
     </a:ext>
   </a:extLst>
 </a:theme>
+</file>
+
+<file path=ppt/theme/theme2.xml><?xml version="1.0" encoding="utf-8"?>
+<a:theme xmlns:a="http://schemas.openxmlformats.org/drawingml/2006/main" name="Office Theme">
+  <a:themeElements>
+    <a:clrScheme name="Office">
+      <a:dk1>
+        <a:sysClr val="windowText" lastClr="000000"/>
+      </a:dk1>
+      <a:lt1>
+        <a:sysClr val="window" lastClr="FFFFFF"/>
+      </a:lt1>
+      <a:dk2>
+        <a:srgbClr val="44546A"/>
+      </a:dk2>
+      <a:lt2>
+        <a:srgbClr val="E7E6E6"/>
+      </a:lt2>
+      <a:accent1>
+        <a:srgbClr val="4472C4"/>
+      </a:accent1>
+      <a:accent2>
+        <a:srgbClr val="ED7D31"/>
+      </a:accent2>
+      <a:accent3>
+        <a:srgbClr val="A5A5A5"/>
+      </a:accent3>
+      <a:accent4>
+        <a:srgbClr val="FFC000"/>
+      </a:accent4>
+      <a:accent5>
+        <a:srgbClr val="5B9BD5"/>
+      </a:accent5>
+      <a:accent6>
+        <a:srgbClr val="70AD47"/>
+      </a:accent6>
+      <a:hlink>
+        <a:srgbClr val="0563C1"/>
+      </a:hlink>
+      <a:folHlink>
+        <a:srgbClr val="954F72"/>
+      </a:folHlink>
+    </a:clrScheme>
+    <a:fontScheme name="Office">
+      <a:majorFont>
+        <a:latin typeface="Calibri Light" panose="020F0302020204030204"/>
+        <a:ea typeface=""/>
+        <a:cs typeface=""/>
+        <a:font script="Jpan" typeface="游ゴシック Light"/>
+        <a:font script="Hang" typeface="맑은 고딕"/>
+        <a:font script="Hans" typeface="等线 Light"/>
+        <a:font script="Hant" typeface="新細明體"/>
+        <a:font script="Arab" typeface="Times New Roman"/>
+        <a:font script="Hebr" typeface="Times New Roman"/>
+        <a:font script="Thai" typeface="Angsana New"/>
+        <a:font script="Ethi" typeface="Nyala"/>
+        <a:font script="Beng" typeface="Vrinda"/>
+        <a:font script="Gujr" typeface="Shruti"/>
+        <a:font script="Khmr" typeface="MoolBoran"/>
+        <a:font script="Knda" typeface="Tunga"/>
+        <a:font script="Guru" typeface="Raavi"/>
+        <a:font script="Cans" typeface="Euphemia"/>
+        <a:font script="Cher" typeface="Plantagenet Cherokee"/>
+        <a:font script="Yiii" typeface="Microsoft Yi Baiti"/>
+        <a:font script="Tibt" typeface="Microsoft Himalaya"/>
+        <a:font script="Thaa" typeface="MV Boli"/>
+        <a:font script="Deva" typeface="Mangal"/>
+        <a:font script="Telu" typeface="Gautami"/>
+        <a:font script="Taml" typeface="Latha"/>
+        <a:font script="Syrc" typeface="Estrangelo Edessa"/>
+        <a:font script="Orya" typeface="Kalinga"/>
+        <a:font script="Mlym" typeface="Kartika"/>
+        <a:font script="Laoo" typeface="DokChampa"/>
+        <a:font script="Sinh" typeface="Iskoola Pota"/>
+        <a:font script="Mong" typeface="Mongolian Baiti"/>
+        <a:font script="Viet" typeface="Times New Roman"/>
+        <a:font script="Uigh" typeface="Microsoft Uighur"/>
+        <a:font script="Geor" typeface="Sylfaen"/>
+        <a:font script="Armn" typeface="Arial"/>
+        <a:font script="Bugi" typeface="Leelawadee UI"/>
+        <a:font script="Bopo" typeface="Microsoft JhengHei"/>
+        <a:font script="Java" typeface="Javanese Text"/>
+        <a:font script="Lisu" typeface="Segoe UI"/>
+        <a:font script="Mymr" typeface="Myanmar Text"/>
+        <a:font script="Nkoo" typeface="Ebrima"/>
+        <a:font script="Olck" typeface="Nirmala UI"/>
+        <a:font script="Osma" typeface="Ebrima"/>
+        <a:font script="Phag" typeface="Phagspa"/>
+        <a:font script="Syrn" typeface="Estrangelo Edessa"/>
+        <a:font script="Syrj" typeface="Estrangelo Edessa"/>
+        <a:font script="Syre" typeface="Estrangelo Edessa"/>
+        <a:font script="Sora" typeface="Nirmala UI"/>
+        <a:font script="Tale" typeface="Microsoft Tai Le"/>
+        <a:font script="Talu" typeface="Microsoft New Tai Lue"/>
+        <a:font script="Tfng" typeface="Ebrima"/>
+      </a:majorFont>
+      <a:minorFont>
+        <a:latin typeface="Calibri" panose="020F0502020204030204"/>
+        <a:ea typeface=""/>
+        <a:cs typeface=""/>
+        <a:font script="Jpan" typeface="游ゴシック"/>
+        <a:font script="Hang" typeface="맑은 고딕"/>
+        <a:font script="Hans" typeface="等线"/>
+        <a:font script="Hant" typeface="新細明體"/>
+        <a:font script="Arab" typeface="Arial"/>
+        <a:font script="Hebr" typeface="Arial"/>
+        <a:font script="Thai" typeface="Cordia New"/>
+        <a:font script="Ethi" typeface="Nyala"/>
+        <a:font script="Beng" typeface="Vrinda"/>
+        <a:font script="Gujr" typeface="Shruti"/>
+        <a:font script="Khmr" typeface="DaunPenh"/>
+        <a:font script="Knda" typeface="Tunga"/>
+        <a:font script="Guru" typeface="Raavi"/>
+        <a:font script="Cans" typeface="Euphemia"/>
+        <a:font script="Cher" typeface="Plantagenet Cherokee"/>
+        <a:font script="Yiii" typeface="Microsoft Yi Baiti"/>
+        <a:font script="Tibt" typeface="Microsoft Himalaya"/>
+        <a:font script="Thaa" typeface="MV Boli"/>
+        <a:font script="Deva" typeface="Mangal"/>
+        <a:font script="Telu" typeface="Gautami"/>
+        <a:font script="Taml" typeface="Latha"/>
+        <a:font script="Syrc" typeface="Estrangelo Edessa"/>
+        <a:font script="Orya" typeface="Kalinga"/>
+        <a:font script="Mlym" typeface="Kartika"/>
+        <a:font script="Laoo" typeface="DokChampa"/>
+        <a:font script="Sinh" typeface="Iskoola Pota"/>
+        <a:font script="Mong" typeface="Mongolian Baiti"/>
+        <a:font script="Viet" typeface="Arial"/>
+        <a:font script="Uigh" typeface="Microsoft Uighur"/>
+        <a:font script="Geor" typeface="Sylfaen"/>
+        <a:font script="Armn" typeface="Arial"/>
+        <a:font script="Bugi" typeface="Leelawadee UI"/>
+        <a:font script="Bopo" typeface="Microsoft JhengHei"/>
+        <a:font script="Java" typeface="Javanese Text"/>
+        <a:font script="Lisu" typeface="Segoe UI"/>
+        <a:font script="Mymr" typeface="Myanmar Text"/>
+        <a:font script="Nkoo" typeface="Ebrima"/>
+        <a:font script="Olck" typeface="Nirmala UI"/>
+        <a:font script="Osma" typeface="Ebrima"/>
+        <a:font script="Phag" typeface="Phagspa"/>
+        <a:font script="Syrn" typeface="Estrangelo Edessa"/>
+        <a:font script="Syrj" typeface="Estrangelo Edessa"/>
+        <a:font script="Syre" typeface="Estrangelo Edessa"/>
+        <a:font script="Sora" typeface="Nirmala UI"/>
+        <a:font script="Tale" typeface="Microsoft Tai Le"/>
+        <a:font script="Talu" typeface="Microsoft New Tai Lue"/>
+        <a:font script="Tfng" typeface="Ebrima"/>
+      </a:minorFont>
+    </a:fontScheme>
+    <a:fmtScheme name="Office">
+      <a:fillStyleLst>
+        <a:solidFill>
+          <a:schemeClr val="phClr"/>
+        </a:solidFill>
+        <a:gradFill rotWithShape="1">
+          <a:gsLst>
+            <a:gs pos="0">
+              <a:schemeClr val="phClr">
+                <a:lumMod val="110000"/>
+                <a:satMod val="105000"/>
+                <a:tint val="67000"/>
+              </a:schemeClr>
+            </a:gs>
+            <a:gs pos="50000">
+              <a:schemeClr val="phClr">
+                <a:lumMod val="105000"/>
+                <a:satMod val="103000"/>
+                <a:tint val="73000"/>
+              </a:schemeClr>
+            </a:gs>
+            <a:gs pos="100000">
+              <a:schemeClr val="phClr">
+                <a:lumMod val="105000"/>
+                <a:satMod val="109000"/>
+                <a:tint val="81000"/>
+              </a:schemeClr>
+            </a:gs>
+          </a:gsLst>
+          <a:lin ang="5400000" scaled="0"/>
+        </a:gradFill>
+        <a:gradFill rotWithShape="1">
+          <a:gsLst>
+            <a:gs pos="0">
+              <a:schemeClr val="phClr">
+                <a:satMod val="103000"/>
+                <a:lumMod val="102000"/>
+                <a:tint val="94000"/>
+              </a:schemeClr>
+            </a:gs>
+            <a:gs pos="50000">
+              <a:schemeClr val="phClr">
+                <a:satMod val="110000"/>
+                <a:lumMod val="100000"/>
+                <a:shade val="100000"/>
+              </a:schemeClr>
+            </a:gs>
+            <a:gs pos="100000">
+              <a:schemeClr val="phClr">
+                <a:lumMod val="99000"/>
+                <a:satMod val="120000"/>
+                <a:shade val="78000"/>
+              </a:schemeClr>
+            </a:gs>
+          </a:gsLst>
+          <a:lin ang="5400000" scaled="0"/>
+        </a:gradFill>
+      </a:fillStyleLst>
+      <a:lnStyleLst>
+        <a:ln w="6350" cap="flat" cmpd="sng" algn="ctr">
+          <a:solidFill>
+            <a:schemeClr val="phClr"/>
+          </a:solidFill>
+          <a:prstDash val="solid"/>
+          <a:miter lim="800000"/>
+        </a:ln>
+        <a:ln w="12700" cap="flat" cmpd="sng" algn="ctr">
+          <a:solidFill>
+            <a:schemeClr val="phClr"/>
+          </a:solidFill>
+          <a:prstDash val="solid"/>
+          <a:miter lim="800000"/>
+        </a:ln>
+        <a:ln w="19050" cap="flat" cmpd="sng" algn="ctr">
+          <a:solidFill>
+            <a:schemeClr val="phClr"/>
+          </a:solidFill>
+          <a:prstDash val="solid"/>
+          <a:miter lim="800000"/>
+        </a:ln>
+      </a:lnStyleLst>
+      <a:effectStyleLst>
+        <a:effectStyle>
+          <a:effectLst/>
+        </a:effectStyle>
+        <a:effectStyle>
+          <a:effectLst/>
+        </a:effectStyle>
+        <a:effectStyle>
+          <a:effectLst>
+            <a:outerShdw blurRad="57150" dist="19050" dir="5400000" algn="ctr" rotWithShape="0">
+              <a:srgbClr val="000000">
+                <a:alpha val="63000"/>
+              </a:srgbClr>
+            </a:outerShdw>
+          </a:effectLst>
+        </a:effectStyle>
+      </a:effectStyleLst>
+      <a:bgFillStyleLst>
+        <a:solidFill>
+          <a:schemeClr val="phClr"/>
+        </a:solidFill>
+        <a:solidFill>
+          <a:schemeClr val="phClr">
+            <a:tint val="95000"/>
+            <a:satMod val="170000"/>
+          </a:schemeClr>
+        </a:solidFill>
+        <a:gradFill rotWithShape="1">
+          <a:gsLst>
+            <a:gs pos="0">
+              <a:schemeClr val="phClr">
+                <a:tint val="93000"/>
+                <a:satMod val="150000"/>
+                <a:shade val="98000"/>
+                <a:lumMod val="102000"/>
+              </a:schemeClr>
+            </a:gs>
+            <a:gs pos="50000">
+              <a:schemeClr val="phClr">
+                <a:tint val="98000"/>
+                <a:satMod val="130000"/>
+                <a:shade val="90000"/>
+                <a:lumMod val="103000"/>
+              </a:schemeClr>
+            </a:gs>
+            <a:gs pos="100000">
+              <a:schemeClr val="phClr">
+                <a:shade val="63000"/>
+                <a:satMod val="120000"/>
+              </a:schemeClr>
+            </a:gs>
+          </a:gsLst>
+          <a:lin ang="5400000" scaled="0"/>
+        </a:gradFill>
+      </a:bgFillStyleLst>
+    </a:fmtScheme>
+  </a:themeElements>
+  <a:objectDefaults/>
+  <a:extraClrSchemeLst/>
+  <a:extLst>
+    <a:ext uri="{05A4C25C-085E-4340-85A3-A5531E510DB2}">
+      <thm15:themeFamily xmlns:thm15="http://schemas.microsoft.com/office/thememl/2012/main" name="Office Theme" id="{62F939B6-93AF-4DB8-9C6B-D6C7DFDC589F}" vid="{4A3C46E8-61CC-4603-A589-7422A47A8E4A}"/>
+    </a:ext>
+  </a:extLst>
+</a:theme>
 </file>
--- a/Other/Presentation/Presentation 01.pptx
+++ b/Other/Presentation/Presentation 01.pptx
@@ -5,7 +5,7 @@
     <p:sldMasterId id="2147483777" r:id="rId1"/>
   </p:sldMasterIdLst>
   <p:notesMasterIdLst>
-    <p:notesMasterId r:id="rId21"/>
+    <p:notesMasterId r:id="rId25"/>
   </p:notesMasterIdLst>
   <p:sldIdLst>
     <p:sldId id="256" r:id="rId2"/>
@@ -26,7 +26,11 @@
     <p:sldId id="278" r:id="rId17"/>
     <p:sldId id="275" r:id="rId18"/>
     <p:sldId id="276" r:id="rId19"/>
-    <p:sldId id="277" r:id="rId20"/>
+    <p:sldId id="279" r:id="rId20"/>
+    <p:sldId id="280" r:id="rId21"/>
+    <p:sldId id="281" r:id="rId22"/>
+    <p:sldId id="277" r:id="rId23"/>
+    <p:sldId id="282" r:id="rId24"/>
   </p:sldIdLst>
   <p:sldSz cx="12192000" cy="6858000"/>
   <p:notesSz cx="6858000" cy="9144000"/>
@@ -5007,8 +5011,15 @@
           <a:p>
             <a:pPr algn="ctr"/>
             <a:r>
-              <a:rPr lang="en-US" dirty="0"/>
+              <a:rPr lang="en-US" sz="2000" dirty="0"/>
               <a:t>“Modeling Environment”</a:t>
+            </a:r>
+          </a:p>
+          <a:p>
+            <a:pPr algn="ctr"/>
+            <a:r>
+              <a:rPr lang="en-US" sz="1400" dirty="0"/>
+              <a:t>Sep 06, 2022</a:t>
             </a:r>
           </a:p>
         </p:txBody>
@@ -9231,8 +9242,8 @@
         </p:nvSpPr>
         <p:spPr>
           <a:xfrm>
-            <a:off x="2197730" y="2052116"/>
-            <a:ext cx="7958330" cy="3997828"/>
+            <a:off x="2197730" y="1927829"/>
+            <a:ext cx="7958330" cy="2848358"/>
           </a:xfrm>
         </p:spPr>
         <p:txBody>
@@ -9381,6 +9392,326 @@
               <a:t>14</a:t>
             </a:fld>
             <a:endParaRPr lang="en-US"/>
+          </a:p>
+        </p:txBody>
+      </p:sp>
+      <p:sp>
+        <p:nvSpPr>
+          <p:cNvPr id="5" name="Content Placeholder 2">
+            <a:extLst>
+              <a:ext uri="{FF2B5EF4-FFF2-40B4-BE49-F238E27FC236}">
+                <a16:creationId xmlns:a16="http://schemas.microsoft.com/office/drawing/2014/main" id="{E1BE3CC1-8FDB-D50D-339B-AB5E306F8FA1}"/>
+              </a:ext>
+            </a:extLst>
+          </p:cNvPr>
+          <p:cNvSpPr txBox="1">
+            <a:spLocks/>
+          </p:cNvSpPr>
+          <p:nvPr/>
+        </p:nvSpPr>
+        <p:spPr>
+          <a:xfrm>
+            <a:off x="2350130" y="4366041"/>
+            <a:ext cx="7958330" cy="1683903"/>
+          </a:xfrm>
+          <a:prstGeom prst="rect">
+            <a:avLst/>
+          </a:prstGeom>
+        </p:spPr>
+        <p:txBody>
+          <a:bodyPr vert="horz" lIns="91440" tIns="45720" rIns="91440" bIns="45720" rtlCol="0" anchor="ctr">
+            <a:normAutofit/>
+          </a:bodyPr>
+          <a:lstStyle>
+            <a:lvl1pPr marL="344488" indent="-344488" algn="l" defTabSz="914400" rtl="0" eaLnBrk="1" latinLnBrk="0" hangingPunct="1">
+              <a:lnSpc>
+                <a:spcPct val="120000"/>
+              </a:lnSpc>
+              <a:spcBef>
+                <a:spcPts val="1000"/>
+              </a:spcBef>
+              <a:spcAft>
+                <a:spcPts val="600"/>
+              </a:spcAft>
+              <a:buClr>
+                <a:schemeClr val="accent6"/>
+              </a:buClr>
+              <a:buSzPct val="90000"/>
+              <a:buFont typeface="Wingdings" panose="05000000000000000000" pitchFamily="2" charset="2"/>
+              <a:buChar char="§"/>
+              <a:defRPr sz="2000" kern="1200">
+                <a:solidFill>
+                  <a:schemeClr val="tx1"/>
+                </a:solidFill>
+                <a:effectLst/>
+                <a:latin typeface="+mn-lt"/>
+                <a:ea typeface="+mn-ea"/>
+                <a:cs typeface="+mn-cs"/>
+              </a:defRPr>
+            </a:lvl1pPr>
+            <a:lvl2pPr marL="795338" indent="-338138" algn="l" defTabSz="914400" rtl="0" eaLnBrk="1" latinLnBrk="0" hangingPunct="1">
+              <a:lnSpc>
+                <a:spcPct val="120000"/>
+              </a:lnSpc>
+              <a:spcBef>
+                <a:spcPts val="500"/>
+              </a:spcBef>
+              <a:spcAft>
+                <a:spcPts val="600"/>
+              </a:spcAft>
+              <a:buClr>
+                <a:schemeClr val="accent6"/>
+              </a:buClr>
+              <a:buSzPct val="90000"/>
+              <a:buFont typeface="Wingdings" panose="05000000000000000000" pitchFamily="2" charset="2"/>
+              <a:buChar char="§"/>
+              <a:defRPr sz="1800" kern="1200">
+                <a:solidFill>
+                  <a:schemeClr val="tx1"/>
+                </a:solidFill>
+                <a:effectLst/>
+                <a:latin typeface="+mn-lt"/>
+                <a:ea typeface="+mn-ea"/>
+                <a:cs typeface="+mn-cs"/>
+              </a:defRPr>
+            </a:lvl2pPr>
+            <a:lvl3pPr marL="1258888" indent="-344488" algn="l" defTabSz="914400" rtl="0" eaLnBrk="1" latinLnBrk="0" hangingPunct="1">
+              <a:lnSpc>
+                <a:spcPct val="120000"/>
+              </a:lnSpc>
+              <a:spcBef>
+                <a:spcPts val="500"/>
+              </a:spcBef>
+              <a:spcAft>
+                <a:spcPts val="600"/>
+              </a:spcAft>
+              <a:buClr>
+                <a:schemeClr val="accent6"/>
+              </a:buClr>
+              <a:buSzPct val="90000"/>
+              <a:buFont typeface="Wingdings" panose="05000000000000000000" pitchFamily="2" charset="2"/>
+              <a:buChar char="§"/>
+              <a:defRPr sz="1600" kern="1200">
+                <a:solidFill>
+                  <a:schemeClr val="tx1"/>
+                </a:solidFill>
+                <a:effectLst/>
+                <a:latin typeface="+mn-lt"/>
+                <a:ea typeface="+mn-ea"/>
+                <a:cs typeface="+mn-cs"/>
+              </a:defRPr>
+            </a:lvl3pPr>
+            <a:lvl4pPr marL="1709738" indent="-338138" algn="l" defTabSz="914400" rtl="0" eaLnBrk="1" latinLnBrk="0" hangingPunct="1">
+              <a:lnSpc>
+                <a:spcPct val="120000"/>
+              </a:lnSpc>
+              <a:spcBef>
+                <a:spcPts val="500"/>
+              </a:spcBef>
+              <a:spcAft>
+                <a:spcPts val="600"/>
+              </a:spcAft>
+              <a:buClr>
+                <a:schemeClr val="accent6"/>
+              </a:buClr>
+              <a:buSzPct val="90000"/>
+              <a:buFont typeface="Wingdings" panose="05000000000000000000" pitchFamily="2" charset="2"/>
+              <a:buChar char="§"/>
+              <a:defRPr sz="1400" kern="1200">
+                <a:solidFill>
+                  <a:schemeClr val="tx1"/>
+                </a:solidFill>
+                <a:effectLst/>
+                <a:latin typeface="+mn-lt"/>
+                <a:ea typeface="+mn-ea"/>
+                <a:cs typeface="+mn-cs"/>
+              </a:defRPr>
+            </a:lvl4pPr>
+            <a:lvl5pPr marL="2173288" indent="-344488" algn="l" defTabSz="914400" rtl="0" eaLnBrk="1" latinLnBrk="0" hangingPunct="1">
+              <a:lnSpc>
+                <a:spcPct val="120000"/>
+              </a:lnSpc>
+              <a:spcBef>
+                <a:spcPts val="500"/>
+              </a:spcBef>
+              <a:spcAft>
+                <a:spcPts val="600"/>
+              </a:spcAft>
+              <a:buClr>
+                <a:schemeClr val="accent6"/>
+              </a:buClr>
+              <a:buSzPct val="90000"/>
+              <a:buFont typeface="Wingdings" panose="05000000000000000000" pitchFamily="2" charset="2"/>
+              <a:buChar char="§"/>
+              <a:defRPr sz="1200" kern="1200">
+                <a:solidFill>
+                  <a:schemeClr val="tx1"/>
+                </a:solidFill>
+                <a:effectLst/>
+                <a:latin typeface="+mn-lt"/>
+                <a:ea typeface="+mn-ea"/>
+                <a:cs typeface="+mn-cs"/>
+              </a:defRPr>
+            </a:lvl5pPr>
+            <a:lvl6pPr marL="2642616" indent="-338328" algn="l" defTabSz="914400" rtl="0" eaLnBrk="1" latinLnBrk="0" hangingPunct="1">
+              <a:lnSpc>
+                <a:spcPct val="120000"/>
+              </a:lnSpc>
+              <a:spcBef>
+                <a:spcPts val="500"/>
+              </a:spcBef>
+              <a:spcAft>
+                <a:spcPts val="600"/>
+              </a:spcAft>
+              <a:buClr>
+                <a:schemeClr val="accent6"/>
+              </a:buClr>
+              <a:buSzPct val="90000"/>
+              <a:buFont typeface="Wingdings" panose="05000000000000000000" pitchFamily="2" charset="2"/>
+              <a:buChar char="§"/>
+              <a:defRPr sz="1200" kern="1200" baseline="0">
+                <a:solidFill>
+                  <a:schemeClr val="tx1"/>
+                </a:solidFill>
+                <a:effectLst/>
+                <a:latin typeface="+mn-lt"/>
+                <a:ea typeface="+mn-ea"/>
+                <a:cs typeface="+mn-cs"/>
+              </a:defRPr>
+            </a:lvl6pPr>
+            <a:lvl7pPr marL="3108960" indent="-338328" algn="l" defTabSz="914400" rtl="0" eaLnBrk="1" latinLnBrk="0" hangingPunct="1">
+              <a:lnSpc>
+                <a:spcPct val="120000"/>
+              </a:lnSpc>
+              <a:spcBef>
+                <a:spcPts val="500"/>
+              </a:spcBef>
+              <a:spcAft>
+                <a:spcPts val="600"/>
+              </a:spcAft>
+              <a:buClr>
+                <a:schemeClr val="accent6"/>
+              </a:buClr>
+              <a:buSzPct val="90000"/>
+              <a:buFont typeface="Wingdings" panose="05000000000000000000" pitchFamily="2" charset="2"/>
+              <a:buChar char="§"/>
+              <a:defRPr sz="1200" kern="1200" baseline="0">
+                <a:solidFill>
+                  <a:schemeClr val="tx1"/>
+                </a:solidFill>
+                <a:effectLst/>
+                <a:latin typeface="+mn-lt"/>
+                <a:ea typeface="+mn-ea"/>
+                <a:cs typeface="+mn-cs"/>
+              </a:defRPr>
+            </a:lvl7pPr>
+            <a:lvl8pPr marL="3575304" indent="-338328" algn="l" defTabSz="914400" rtl="0" eaLnBrk="1" latinLnBrk="0" hangingPunct="1">
+              <a:lnSpc>
+                <a:spcPct val="120000"/>
+              </a:lnSpc>
+              <a:spcBef>
+                <a:spcPts val="500"/>
+              </a:spcBef>
+              <a:spcAft>
+                <a:spcPts val="600"/>
+              </a:spcAft>
+              <a:buClr>
+                <a:schemeClr val="accent6"/>
+              </a:buClr>
+              <a:buSzPct val="90000"/>
+              <a:buFont typeface="Wingdings" panose="05000000000000000000" pitchFamily="2" charset="2"/>
+              <a:buChar char="§"/>
+              <a:defRPr sz="1200" kern="1200" baseline="0">
+                <a:solidFill>
+                  <a:schemeClr val="tx1"/>
+                </a:solidFill>
+                <a:effectLst/>
+                <a:latin typeface="+mn-lt"/>
+                <a:ea typeface="+mn-ea"/>
+                <a:cs typeface="+mn-cs"/>
+              </a:defRPr>
+            </a:lvl8pPr>
+            <a:lvl9pPr marL="4041648" indent="-338328" algn="l" defTabSz="914400" rtl="0" eaLnBrk="1" latinLnBrk="0" hangingPunct="1">
+              <a:lnSpc>
+                <a:spcPct val="120000"/>
+              </a:lnSpc>
+              <a:spcBef>
+                <a:spcPts val="500"/>
+              </a:spcBef>
+              <a:spcAft>
+                <a:spcPts val="600"/>
+              </a:spcAft>
+              <a:buClr>
+                <a:schemeClr val="accent6"/>
+              </a:buClr>
+              <a:buSzPct val="90000"/>
+              <a:buFont typeface="Wingdings" panose="05000000000000000000" pitchFamily="2" charset="2"/>
+              <a:buChar char="§"/>
+              <a:defRPr sz="1200" kern="1200" baseline="0">
+                <a:solidFill>
+                  <a:schemeClr val="tx1"/>
+                </a:solidFill>
+                <a:effectLst/>
+                <a:latin typeface="+mn-lt"/>
+                <a:ea typeface="+mn-ea"/>
+                <a:cs typeface="+mn-cs"/>
+              </a:defRPr>
+            </a:lvl9pPr>
+          </a:lstStyle>
+          <a:p>
+            <a:pPr marL="457200" lvl="1" indent="0">
+              <a:buFont typeface="Wingdings" panose="05000000000000000000" pitchFamily="2" charset="2"/>
+              <a:buNone/>
+            </a:pPr>
+            <a:endParaRPr lang="en-US" dirty="0"/>
+          </a:p>
+          <a:p>
+            <a:r>
+              <a:rPr lang="en-US" dirty="0"/>
+              <a:t>This type of edge was ignored all together in the model:</a:t>
+            </a:r>
+          </a:p>
+          <a:p>
+            <a:pPr lvl="1"/>
+            <a:r>
+              <a:rPr lang="en-US" dirty="0"/>
+              <a:t>Edge Type 4: from “</a:t>
+            </a:r>
+            <a:r>
+              <a:rPr lang="en-US" dirty="0">
+                <a:solidFill>
+                  <a:schemeClr val="tx2">
+                    <a:lumMod val="50000"/>
+                  </a:schemeClr>
+                </a:solidFill>
+              </a:rPr>
+              <a:t>storage</a:t>
+            </a:r>
+            <a:r>
+              <a:rPr lang="en-US" dirty="0"/>
+              <a:t>” to “</a:t>
+            </a:r>
+            <a:r>
+              <a:rPr lang="en-US" dirty="0">
+                <a:solidFill>
+                  <a:schemeClr val="tx2">
+                    <a:lumMod val="50000"/>
+                  </a:schemeClr>
+                </a:solidFill>
+              </a:rPr>
+              <a:t>storage</a:t>
+            </a:r>
+            <a:r>
+              <a:rPr lang="en-US" dirty="0"/>
+              <a:t>”</a:t>
+            </a:r>
+          </a:p>
+          <a:p>
+            <a:pPr marL="457200" lvl="1" indent="0">
+              <a:buFont typeface="Wingdings" panose="05000000000000000000" pitchFamily="2" charset="2"/>
+              <a:buNone/>
+            </a:pPr>
+            <a:endParaRPr lang="en-US" dirty="0"/>
           </a:p>
         </p:txBody>
       </p:sp>
@@ -12726,6 +13057,341 @@
           </a:fontRef>
         </p:style>
       </p:cxnSp>
+      <p:sp>
+        <p:nvSpPr>
+          <p:cNvPr id="3" name="Content Placeholder 2">
+            <a:extLst>
+              <a:ext uri="{FF2B5EF4-FFF2-40B4-BE49-F238E27FC236}">
+                <a16:creationId xmlns:a16="http://schemas.microsoft.com/office/drawing/2014/main" id="{7E5B9577-9CB3-C7DB-7EFC-A0DED64373DD}"/>
+              </a:ext>
+            </a:extLst>
+          </p:cNvPr>
+          <p:cNvSpPr txBox="1">
+            <a:spLocks/>
+          </p:cNvSpPr>
+          <p:nvPr/>
+        </p:nvSpPr>
+        <p:spPr>
+          <a:xfrm>
+            <a:off x="1262742" y="5456258"/>
+            <a:ext cx="9985266" cy="917908"/>
+          </a:xfrm>
+          <a:prstGeom prst="rect">
+            <a:avLst/>
+          </a:prstGeom>
+        </p:spPr>
+        <p:txBody>
+          <a:bodyPr vert="horz" lIns="91440" tIns="45720" rIns="91440" bIns="45720" rtlCol="0" anchor="ctr">
+            <a:normAutofit fontScale="92500"/>
+          </a:bodyPr>
+          <a:lstStyle>
+            <a:lvl1pPr marL="344488" indent="-344488" algn="l" defTabSz="914400" rtl="0" eaLnBrk="1" latinLnBrk="0" hangingPunct="1">
+              <a:lnSpc>
+                <a:spcPct val="120000"/>
+              </a:lnSpc>
+              <a:spcBef>
+                <a:spcPts val="1000"/>
+              </a:spcBef>
+              <a:spcAft>
+                <a:spcPts val="600"/>
+              </a:spcAft>
+              <a:buClr>
+                <a:schemeClr val="accent6"/>
+              </a:buClr>
+              <a:buSzPct val="90000"/>
+              <a:buFont typeface="Wingdings" panose="05000000000000000000" pitchFamily="2" charset="2"/>
+              <a:buChar char="§"/>
+              <a:defRPr sz="2000" kern="1200">
+                <a:solidFill>
+                  <a:schemeClr val="tx1"/>
+                </a:solidFill>
+                <a:effectLst/>
+                <a:latin typeface="+mn-lt"/>
+                <a:ea typeface="+mn-ea"/>
+                <a:cs typeface="+mn-cs"/>
+              </a:defRPr>
+            </a:lvl1pPr>
+            <a:lvl2pPr marL="795338" indent="-338138" algn="l" defTabSz="914400" rtl="0" eaLnBrk="1" latinLnBrk="0" hangingPunct="1">
+              <a:lnSpc>
+                <a:spcPct val="120000"/>
+              </a:lnSpc>
+              <a:spcBef>
+                <a:spcPts val="500"/>
+              </a:spcBef>
+              <a:spcAft>
+                <a:spcPts val="600"/>
+              </a:spcAft>
+              <a:buClr>
+                <a:schemeClr val="accent6"/>
+              </a:buClr>
+              <a:buSzPct val="90000"/>
+              <a:buFont typeface="Wingdings" panose="05000000000000000000" pitchFamily="2" charset="2"/>
+              <a:buChar char="§"/>
+              <a:defRPr sz="1800" kern="1200">
+                <a:solidFill>
+                  <a:schemeClr val="tx1"/>
+                </a:solidFill>
+                <a:effectLst/>
+                <a:latin typeface="+mn-lt"/>
+                <a:ea typeface="+mn-ea"/>
+                <a:cs typeface="+mn-cs"/>
+              </a:defRPr>
+            </a:lvl2pPr>
+            <a:lvl3pPr marL="1258888" indent="-344488" algn="l" defTabSz="914400" rtl="0" eaLnBrk="1" latinLnBrk="0" hangingPunct="1">
+              <a:lnSpc>
+                <a:spcPct val="120000"/>
+              </a:lnSpc>
+              <a:spcBef>
+                <a:spcPts val="500"/>
+              </a:spcBef>
+              <a:spcAft>
+                <a:spcPts val="600"/>
+              </a:spcAft>
+              <a:buClr>
+                <a:schemeClr val="accent6"/>
+              </a:buClr>
+              <a:buSzPct val="90000"/>
+              <a:buFont typeface="Wingdings" panose="05000000000000000000" pitchFamily="2" charset="2"/>
+              <a:buChar char="§"/>
+              <a:defRPr sz="1600" kern="1200">
+                <a:solidFill>
+                  <a:schemeClr val="tx1"/>
+                </a:solidFill>
+                <a:effectLst/>
+                <a:latin typeface="+mn-lt"/>
+                <a:ea typeface="+mn-ea"/>
+                <a:cs typeface="+mn-cs"/>
+              </a:defRPr>
+            </a:lvl3pPr>
+            <a:lvl4pPr marL="1709738" indent="-338138" algn="l" defTabSz="914400" rtl="0" eaLnBrk="1" latinLnBrk="0" hangingPunct="1">
+              <a:lnSpc>
+                <a:spcPct val="120000"/>
+              </a:lnSpc>
+              <a:spcBef>
+                <a:spcPts val="500"/>
+              </a:spcBef>
+              <a:spcAft>
+                <a:spcPts val="600"/>
+              </a:spcAft>
+              <a:buClr>
+                <a:schemeClr val="accent6"/>
+              </a:buClr>
+              <a:buSzPct val="90000"/>
+              <a:buFont typeface="Wingdings" panose="05000000000000000000" pitchFamily="2" charset="2"/>
+              <a:buChar char="§"/>
+              <a:defRPr sz="1400" kern="1200">
+                <a:solidFill>
+                  <a:schemeClr val="tx1"/>
+                </a:solidFill>
+                <a:effectLst/>
+                <a:latin typeface="+mn-lt"/>
+                <a:ea typeface="+mn-ea"/>
+                <a:cs typeface="+mn-cs"/>
+              </a:defRPr>
+            </a:lvl4pPr>
+            <a:lvl5pPr marL="2173288" indent="-344488" algn="l" defTabSz="914400" rtl="0" eaLnBrk="1" latinLnBrk="0" hangingPunct="1">
+              <a:lnSpc>
+                <a:spcPct val="120000"/>
+              </a:lnSpc>
+              <a:spcBef>
+                <a:spcPts val="500"/>
+              </a:spcBef>
+              <a:spcAft>
+                <a:spcPts val="600"/>
+              </a:spcAft>
+              <a:buClr>
+                <a:schemeClr val="accent6"/>
+              </a:buClr>
+              <a:buSzPct val="90000"/>
+              <a:buFont typeface="Wingdings" panose="05000000000000000000" pitchFamily="2" charset="2"/>
+              <a:buChar char="§"/>
+              <a:defRPr sz="1200" kern="1200">
+                <a:solidFill>
+                  <a:schemeClr val="tx1"/>
+                </a:solidFill>
+                <a:effectLst/>
+                <a:latin typeface="+mn-lt"/>
+                <a:ea typeface="+mn-ea"/>
+                <a:cs typeface="+mn-cs"/>
+              </a:defRPr>
+            </a:lvl5pPr>
+            <a:lvl6pPr marL="2642616" indent="-338328" algn="l" defTabSz="914400" rtl="0" eaLnBrk="1" latinLnBrk="0" hangingPunct="1">
+              <a:lnSpc>
+                <a:spcPct val="120000"/>
+              </a:lnSpc>
+              <a:spcBef>
+                <a:spcPts val="500"/>
+              </a:spcBef>
+              <a:spcAft>
+                <a:spcPts val="600"/>
+              </a:spcAft>
+              <a:buClr>
+                <a:schemeClr val="accent6"/>
+              </a:buClr>
+              <a:buSzPct val="90000"/>
+              <a:buFont typeface="Wingdings" panose="05000000000000000000" pitchFamily="2" charset="2"/>
+              <a:buChar char="§"/>
+              <a:defRPr sz="1200" kern="1200" baseline="0">
+                <a:solidFill>
+                  <a:schemeClr val="tx1"/>
+                </a:solidFill>
+                <a:effectLst/>
+                <a:latin typeface="+mn-lt"/>
+                <a:ea typeface="+mn-ea"/>
+                <a:cs typeface="+mn-cs"/>
+              </a:defRPr>
+            </a:lvl6pPr>
+            <a:lvl7pPr marL="3108960" indent="-338328" algn="l" defTabSz="914400" rtl="0" eaLnBrk="1" latinLnBrk="0" hangingPunct="1">
+              <a:lnSpc>
+                <a:spcPct val="120000"/>
+              </a:lnSpc>
+              <a:spcBef>
+                <a:spcPts val="500"/>
+              </a:spcBef>
+              <a:spcAft>
+                <a:spcPts val="600"/>
+              </a:spcAft>
+              <a:buClr>
+                <a:schemeClr val="accent6"/>
+              </a:buClr>
+              <a:buSzPct val="90000"/>
+              <a:buFont typeface="Wingdings" panose="05000000000000000000" pitchFamily="2" charset="2"/>
+              <a:buChar char="§"/>
+              <a:defRPr sz="1200" kern="1200" baseline="0">
+                <a:solidFill>
+                  <a:schemeClr val="tx1"/>
+                </a:solidFill>
+                <a:effectLst/>
+                <a:latin typeface="+mn-lt"/>
+                <a:ea typeface="+mn-ea"/>
+                <a:cs typeface="+mn-cs"/>
+              </a:defRPr>
+            </a:lvl7pPr>
+            <a:lvl8pPr marL="3575304" indent="-338328" algn="l" defTabSz="914400" rtl="0" eaLnBrk="1" latinLnBrk="0" hangingPunct="1">
+              <a:lnSpc>
+                <a:spcPct val="120000"/>
+              </a:lnSpc>
+              <a:spcBef>
+                <a:spcPts val="500"/>
+              </a:spcBef>
+              <a:spcAft>
+                <a:spcPts val="600"/>
+              </a:spcAft>
+              <a:buClr>
+                <a:schemeClr val="accent6"/>
+              </a:buClr>
+              <a:buSzPct val="90000"/>
+              <a:buFont typeface="Wingdings" panose="05000000000000000000" pitchFamily="2" charset="2"/>
+              <a:buChar char="§"/>
+              <a:defRPr sz="1200" kern="1200" baseline="0">
+                <a:solidFill>
+                  <a:schemeClr val="tx1"/>
+                </a:solidFill>
+                <a:effectLst/>
+                <a:latin typeface="+mn-lt"/>
+                <a:ea typeface="+mn-ea"/>
+                <a:cs typeface="+mn-cs"/>
+              </a:defRPr>
+            </a:lvl8pPr>
+            <a:lvl9pPr marL="4041648" indent="-338328" algn="l" defTabSz="914400" rtl="0" eaLnBrk="1" latinLnBrk="0" hangingPunct="1">
+              <a:lnSpc>
+                <a:spcPct val="120000"/>
+              </a:lnSpc>
+              <a:spcBef>
+                <a:spcPts val="500"/>
+              </a:spcBef>
+              <a:spcAft>
+                <a:spcPts val="600"/>
+              </a:spcAft>
+              <a:buClr>
+                <a:schemeClr val="accent6"/>
+              </a:buClr>
+              <a:buSzPct val="90000"/>
+              <a:buFont typeface="Wingdings" panose="05000000000000000000" pitchFamily="2" charset="2"/>
+              <a:buChar char="§"/>
+              <a:defRPr sz="1200" kern="1200" baseline="0">
+                <a:solidFill>
+                  <a:schemeClr val="tx1"/>
+                </a:solidFill>
+                <a:effectLst/>
+                <a:latin typeface="+mn-lt"/>
+                <a:ea typeface="+mn-ea"/>
+                <a:cs typeface="+mn-cs"/>
+              </a:defRPr>
+            </a:lvl9pPr>
+          </a:lstStyle>
+          <a:p>
+            <a:pPr marL="457200" lvl="1" indent="0">
+              <a:buNone/>
+            </a:pPr>
+            <a:r>
+              <a:rPr lang="en-US" dirty="0"/>
+              <a:t>7. Update graph, the unmet demands volume will be </a:t>
+            </a:r>
+            <a:r>
+              <a:rPr lang="en-US" dirty="0" err="1"/>
+              <a:t>deficiency_current</a:t>
+            </a:r>
+            <a:r>
+              <a:rPr lang="en-US" dirty="0"/>
+              <a:t>, and if it exceeds </a:t>
+            </a:r>
+            <a:r>
+              <a:rPr lang="en-US" dirty="0" err="1"/>
+              <a:t>deficiency_max</a:t>
+            </a:r>
+            <a:r>
+              <a:rPr lang="en-US" dirty="0"/>
+              <a:t>, the entity is not active anymore. The extra source volume will also go to waste.</a:t>
+            </a:r>
+          </a:p>
+        </p:txBody>
+      </p:sp>
+      <p:cxnSp>
+        <p:nvCxnSpPr>
+          <p:cNvPr id="6" name="Straight Connector 5">
+            <a:extLst>
+              <a:ext uri="{FF2B5EF4-FFF2-40B4-BE49-F238E27FC236}">
+                <a16:creationId xmlns:a16="http://schemas.microsoft.com/office/drawing/2014/main" id="{2EB33073-2F54-1D4F-7C07-4446056587C8}"/>
+              </a:ext>
+            </a:extLst>
+          </p:cNvPr>
+          <p:cNvCxnSpPr/>
+          <p:nvPr/>
+        </p:nvCxnSpPr>
+        <p:spPr>
+          <a:xfrm>
+            <a:off x="1410789" y="6481620"/>
+            <a:ext cx="9159350" cy="0"/>
+          </a:xfrm>
+          <a:prstGeom prst="line">
+            <a:avLst/>
+          </a:prstGeom>
+          <a:ln w="19050">
+            <a:solidFill>
+              <a:schemeClr val="bg1">
+                <a:lumMod val="50000"/>
+                <a:lumOff val="50000"/>
+              </a:schemeClr>
+            </a:solidFill>
+            <a:prstDash val="sysDot"/>
+          </a:ln>
+        </p:spPr>
+        <p:style>
+          <a:lnRef idx="1">
+            <a:schemeClr val="accent1"/>
+          </a:lnRef>
+          <a:fillRef idx="0">
+            <a:schemeClr val="accent1"/>
+          </a:fillRef>
+          <a:effectRef idx="0">
+            <a:schemeClr val="accent1"/>
+          </a:effectRef>
+          <a:fontRef idx="minor">
+            <a:schemeClr val="tx1"/>
+          </a:fontRef>
+        </p:style>
+      </p:cxnSp>
     </p:spTree>
     <p:extLst>
       <p:ext uri="{BB962C8B-B14F-4D97-AF65-F5344CB8AC3E}">
@@ -12932,6 +13598,94 @@
                       </p:childTnLst>
                     </p:cTn>
                   </p:par>
+                  <p:par>
+                    <p:cTn id="19" fill="hold">
+                      <p:stCondLst>
+                        <p:cond delay="indefinite"/>
+                      </p:stCondLst>
+                      <p:childTnLst>
+                        <p:par>
+                          <p:cTn id="20" fill="hold">
+                            <p:stCondLst>
+                              <p:cond delay="0"/>
+                            </p:stCondLst>
+                            <p:childTnLst>
+                              <p:par>
+                                <p:cTn id="21" presetID="10" presetClass="entr" presetSubtype="0" fill="hold" nodeType="clickEffect">
+                                  <p:stCondLst>
+                                    <p:cond delay="0"/>
+                                  </p:stCondLst>
+                                  <p:childTnLst>
+                                    <p:set>
+                                      <p:cBhvr>
+                                        <p:cTn id="22" dur="1" fill="hold">
+                                          <p:stCondLst>
+                                            <p:cond delay="0"/>
+                                          </p:stCondLst>
+                                        </p:cTn>
+                                        <p:tgtEl>
+                                          <p:spTgt spid="6"/>
+                                        </p:tgtEl>
+                                        <p:attrNameLst>
+                                          <p:attrName>style.visibility</p:attrName>
+                                        </p:attrNameLst>
+                                      </p:cBhvr>
+                                      <p:to>
+                                        <p:strVal val="visible"/>
+                                      </p:to>
+                                    </p:set>
+                                    <p:animEffect transition="in" filter="fade">
+                                      <p:cBhvr>
+                                        <p:cTn id="23" dur="500"/>
+                                        <p:tgtEl>
+                                          <p:spTgt spid="6"/>
+                                        </p:tgtEl>
+                                      </p:cBhvr>
+                                    </p:animEffect>
+                                  </p:childTnLst>
+                                </p:cTn>
+                              </p:par>
+                              <p:par>
+                                <p:cTn id="24" presetID="10" presetClass="entr" presetSubtype="0" fill="hold" grpId="0" nodeType="withEffect">
+                                  <p:stCondLst>
+                                    <p:cond delay="0"/>
+                                  </p:stCondLst>
+                                  <p:childTnLst>
+                                    <p:set>
+                                      <p:cBhvr>
+                                        <p:cTn id="25" dur="1" fill="hold">
+                                          <p:stCondLst>
+                                            <p:cond delay="0"/>
+                                          </p:stCondLst>
+                                        </p:cTn>
+                                        <p:tgtEl>
+                                          <p:spTgt spid="3"/>
+                                        </p:tgtEl>
+                                        <p:attrNameLst>
+                                          <p:attrName>style.visibility</p:attrName>
+                                        </p:attrNameLst>
+                                      </p:cBhvr>
+                                      <p:to>
+                                        <p:strVal val="visible"/>
+                                      </p:to>
+                                    </p:set>
+                                    <p:animEffect transition="in" filter="fade">
+                                      <p:cBhvr>
+                                        <p:cTn id="26" dur="500"/>
+                                        <p:tgtEl>
+                                          <p:spTgt spid="3"/>
+                                        </p:tgtEl>
+                                      </p:cBhvr>
+                                    </p:animEffect>
+                                  </p:childTnLst>
+                                </p:cTn>
+                              </p:par>
+                            </p:childTnLst>
+                          </p:cTn>
+                        </p:par>
+                      </p:childTnLst>
+                    </p:cTn>
+                  </p:par>
                 </p:childTnLst>
               </p:cTn>
               <p:prevCondLst>
@@ -12956,6 +13710,7 @@
     <p:bldLst>
       <p:bldP spid="5" grpId="0"/>
       <p:bldP spid="11" grpId="0"/>
+      <p:bldP spid="3" grpId="0"/>
     </p:bldLst>
   </p:timing>
 </p:sld>
@@ -16914,7 +17669,7 @@
             <a:pPr algn="l"/>
             <a:r>
               <a:rPr lang="en-US" dirty="0"/>
-              <a:t>Comments on Method 1</a:t>
+              <a:t>How Economy Works: “Method 1”</a:t>
             </a:r>
           </a:p>
         </p:txBody>
@@ -16950,41 +17705,663 @@
       </p:sp>
       <p:sp>
         <p:nvSpPr>
-          <p:cNvPr id="6" name="Content Placeholder 5">
+          <p:cNvPr id="12" name="Content Placeholder 2">
             <a:extLst>
               <a:ext uri="{FF2B5EF4-FFF2-40B4-BE49-F238E27FC236}">
-                <a16:creationId xmlns:a16="http://schemas.microsoft.com/office/drawing/2014/main" id="{AE78ECED-E4CE-5F02-3612-32A693B79946}"/>
+                <a16:creationId xmlns:a16="http://schemas.microsoft.com/office/drawing/2014/main" id="{D1977E11-A53C-285E-1D75-355AB73F60DB}"/>
               </a:ext>
             </a:extLst>
           </p:cNvPr>
-          <p:cNvSpPr>
-            <a:spLocks noGrp="1"/>
+          <p:cNvSpPr txBox="1">
+            <a:spLocks/>
           </p:cNvSpPr>
-          <p:nvPr>
-            <p:ph idx="1"/>
-          </p:nvPr>
+          <p:nvPr/>
         </p:nvSpPr>
         <p:spPr>
           <a:xfrm>
-            <a:off x="2197730" y="2052116"/>
-            <a:ext cx="7796540" cy="3997828"/>
+            <a:off x="1001486" y="1428099"/>
+            <a:ext cx="2220686" cy="931655"/>
           </a:xfrm>
+          <a:prstGeom prst="rect">
+            <a:avLst/>
+          </a:prstGeom>
         </p:spPr>
         <p:txBody>
-          <a:bodyPr/>
-          <a:lstStyle/>
-          <a:p>
-            <a:r>
-              <a:rPr lang="en-US" dirty="0"/>
-              <a:t>a</a:t>
+          <a:bodyPr vert="horz" lIns="91440" tIns="45720" rIns="91440" bIns="45720" rtlCol="0" anchor="ctr">
+            <a:normAutofit/>
+          </a:bodyPr>
+          <a:lstStyle>
+            <a:lvl1pPr marL="344488" indent="-344488" algn="l" defTabSz="914400" rtl="0" eaLnBrk="1" latinLnBrk="0" hangingPunct="1">
+              <a:lnSpc>
+                <a:spcPct val="120000"/>
+              </a:lnSpc>
+              <a:spcBef>
+                <a:spcPts val="1000"/>
+              </a:spcBef>
+              <a:spcAft>
+                <a:spcPts val="600"/>
+              </a:spcAft>
+              <a:buClr>
+                <a:schemeClr val="accent6"/>
+              </a:buClr>
+              <a:buSzPct val="90000"/>
+              <a:buFont typeface="Wingdings" panose="05000000000000000000" pitchFamily="2" charset="2"/>
+              <a:buChar char="§"/>
+              <a:defRPr sz="2000" kern="1200">
+                <a:solidFill>
+                  <a:schemeClr val="tx1"/>
+                </a:solidFill>
+                <a:effectLst/>
+                <a:latin typeface="+mn-lt"/>
+                <a:ea typeface="+mn-ea"/>
+                <a:cs typeface="+mn-cs"/>
+              </a:defRPr>
+            </a:lvl1pPr>
+            <a:lvl2pPr marL="795338" indent="-338138" algn="l" defTabSz="914400" rtl="0" eaLnBrk="1" latinLnBrk="0" hangingPunct="1">
+              <a:lnSpc>
+                <a:spcPct val="120000"/>
+              </a:lnSpc>
+              <a:spcBef>
+                <a:spcPts val="500"/>
+              </a:spcBef>
+              <a:spcAft>
+                <a:spcPts val="600"/>
+              </a:spcAft>
+              <a:buClr>
+                <a:schemeClr val="accent6"/>
+              </a:buClr>
+              <a:buSzPct val="90000"/>
+              <a:buFont typeface="Wingdings" panose="05000000000000000000" pitchFamily="2" charset="2"/>
+              <a:buChar char="§"/>
+              <a:defRPr sz="1800" kern="1200">
+                <a:solidFill>
+                  <a:schemeClr val="tx1"/>
+                </a:solidFill>
+                <a:effectLst/>
+                <a:latin typeface="+mn-lt"/>
+                <a:ea typeface="+mn-ea"/>
+                <a:cs typeface="+mn-cs"/>
+              </a:defRPr>
+            </a:lvl2pPr>
+            <a:lvl3pPr marL="1258888" indent="-344488" algn="l" defTabSz="914400" rtl="0" eaLnBrk="1" latinLnBrk="0" hangingPunct="1">
+              <a:lnSpc>
+                <a:spcPct val="120000"/>
+              </a:lnSpc>
+              <a:spcBef>
+                <a:spcPts val="500"/>
+              </a:spcBef>
+              <a:spcAft>
+                <a:spcPts val="600"/>
+              </a:spcAft>
+              <a:buClr>
+                <a:schemeClr val="accent6"/>
+              </a:buClr>
+              <a:buSzPct val="90000"/>
+              <a:buFont typeface="Wingdings" panose="05000000000000000000" pitchFamily="2" charset="2"/>
+              <a:buChar char="§"/>
+              <a:defRPr sz="1600" kern="1200">
+                <a:solidFill>
+                  <a:schemeClr val="tx1"/>
+                </a:solidFill>
+                <a:effectLst/>
+                <a:latin typeface="+mn-lt"/>
+                <a:ea typeface="+mn-ea"/>
+                <a:cs typeface="+mn-cs"/>
+              </a:defRPr>
+            </a:lvl3pPr>
+            <a:lvl4pPr marL="1709738" indent="-338138" algn="l" defTabSz="914400" rtl="0" eaLnBrk="1" latinLnBrk="0" hangingPunct="1">
+              <a:lnSpc>
+                <a:spcPct val="120000"/>
+              </a:lnSpc>
+              <a:spcBef>
+                <a:spcPts val="500"/>
+              </a:spcBef>
+              <a:spcAft>
+                <a:spcPts val="600"/>
+              </a:spcAft>
+              <a:buClr>
+                <a:schemeClr val="accent6"/>
+              </a:buClr>
+              <a:buSzPct val="90000"/>
+              <a:buFont typeface="Wingdings" panose="05000000000000000000" pitchFamily="2" charset="2"/>
+              <a:buChar char="§"/>
+              <a:defRPr sz="1400" kern="1200">
+                <a:solidFill>
+                  <a:schemeClr val="tx1"/>
+                </a:solidFill>
+                <a:effectLst/>
+                <a:latin typeface="+mn-lt"/>
+                <a:ea typeface="+mn-ea"/>
+                <a:cs typeface="+mn-cs"/>
+              </a:defRPr>
+            </a:lvl4pPr>
+            <a:lvl5pPr marL="2173288" indent="-344488" algn="l" defTabSz="914400" rtl="0" eaLnBrk="1" latinLnBrk="0" hangingPunct="1">
+              <a:lnSpc>
+                <a:spcPct val="120000"/>
+              </a:lnSpc>
+              <a:spcBef>
+                <a:spcPts val="500"/>
+              </a:spcBef>
+              <a:spcAft>
+                <a:spcPts val="600"/>
+              </a:spcAft>
+              <a:buClr>
+                <a:schemeClr val="accent6"/>
+              </a:buClr>
+              <a:buSzPct val="90000"/>
+              <a:buFont typeface="Wingdings" panose="05000000000000000000" pitchFamily="2" charset="2"/>
+              <a:buChar char="§"/>
+              <a:defRPr sz="1200" kern="1200">
+                <a:solidFill>
+                  <a:schemeClr val="tx1"/>
+                </a:solidFill>
+                <a:effectLst/>
+                <a:latin typeface="+mn-lt"/>
+                <a:ea typeface="+mn-ea"/>
+                <a:cs typeface="+mn-cs"/>
+              </a:defRPr>
+            </a:lvl5pPr>
+            <a:lvl6pPr marL="2642616" indent="-338328" algn="l" defTabSz="914400" rtl="0" eaLnBrk="1" latinLnBrk="0" hangingPunct="1">
+              <a:lnSpc>
+                <a:spcPct val="120000"/>
+              </a:lnSpc>
+              <a:spcBef>
+                <a:spcPts val="500"/>
+              </a:spcBef>
+              <a:spcAft>
+                <a:spcPts val="600"/>
+              </a:spcAft>
+              <a:buClr>
+                <a:schemeClr val="accent6"/>
+              </a:buClr>
+              <a:buSzPct val="90000"/>
+              <a:buFont typeface="Wingdings" panose="05000000000000000000" pitchFamily="2" charset="2"/>
+              <a:buChar char="§"/>
+              <a:defRPr sz="1200" kern="1200" baseline="0">
+                <a:solidFill>
+                  <a:schemeClr val="tx1"/>
+                </a:solidFill>
+                <a:effectLst/>
+                <a:latin typeface="+mn-lt"/>
+                <a:ea typeface="+mn-ea"/>
+                <a:cs typeface="+mn-cs"/>
+              </a:defRPr>
+            </a:lvl6pPr>
+            <a:lvl7pPr marL="3108960" indent="-338328" algn="l" defTabSz="914400" rtl="0" eaLnBrk="1" latinLnBrk="0" hangingPunct="1">
+              <a:lnSpc>
+                <a:spcPct val="120000"/>
+              </a:lnSpc>
+              <a:spcBef>
+                <a:spcPts val="500"/>
+              </a:spcBef>
+              <a:spcAft>
+                <a:spcPts val="600"/>
+              </a:spcAft>
+              <a:buClr>
+                <a:schemeClr val="accent6"/>
+              </a:buClr>
+              <a:buSzPct val="90000"/>
+              <a:buFont typeface="Wingdings" panose="05000000000000000000" pitchFamily="2" charset="2"/>
+              <a:buChar char="§"/>
+              <a:defRPr sz="1200" kern="1200" baseline="0">
+                <a:solidFill>
+                  <a:schemeClr val="tx1"/>
+                </a:solidFill>
+                <a:effectLst/>
+                <a:latin typeface="+mn-lt"/>
+                <a:ea typeface="+mn-ea"/>
+                <a:cs typeface="+mn-cs"/>
+              </a:defRPr>
+            </a:lvl7pPr>
+            <a:lvl8pPr marL="3575304" indent="-338328" algn="l" defTabSz="914400" rtl="0" eaLnBrk="1" latinLnBrk="0" hangingPunct="1">
+              <a:lnSpc>
+                <a:spcPct val="120000"/>
+              </a:lnSpc>
+              <a:spcBef>
+                <a:spcPts val="500"/>
+              </a:spcBef>
+              <a:spcAft>
+                <a:spcPts val="600"/>
+              </a:spcAft>
+              <a:buClr>
+                <a:schemeClr val="accent6"/>
+              </a:buClr>
+              <a:buSzPct val="90000"/>
+              <a:buFont typeface="Wingdings" panose="05000000000000000000" pitchFamily="2" charset="2"/>
+              <a:buChar char="§"/>
+              <a:defRPr sz="1200" kern="1200" baseline="0">
+                <a:solidFill>
+                  <a:schemeClr val="tx1"/>
+                </a:solidFill>
+                <a:effectLst/>
+                <a:latin typeface="+mn-lt"/>
+                <a:ea typeface="+mn-ea"/>
+                <a:cs typeface="+mn-cs"/>
+              </a:defRPr>
+            </a:lvl8pPr>
+            <a:lvl9pPr marL="4041648" indent="-338328" algn="l" defTabSz="914400" rtl="0" eaLnBrk="1" latinLnBrk="0" hangingPunct="1">
+              <a:lnSpc>
+                <a:spcPct val="120000"/>
+              </a:lnSpc>
+              <a:spcBef>
+                <a:spcPts val="500"/>
+              </a:spcBef>
+              <a:spcAft>
+                <a:spcPts val="600"/>
+              </a:spcAft>
+              <a:buClr>
+                <a:schemeClr val="accent6"/>
+              </a:buClr>
+              <a:buSzPct val="90000"/>
+              <a:buFont typeface="Wingdings" panose="05000000000000000000" pitchFamily="2" charset="2"/>
+              <a:buChar char="§"/>
+              <a:defRPr sz="1200" kern="1200" baseline="0">
+                <a:solidFill>
+                  <a:schemeClr val="tx1"/>
+                </a:solidFill>
+                <a:effectLst/>
+                <a:latin typeface="+mn-lt"/>
+                <a:ea typeface="+mn-ea"/>
+                <a:cs typeface="+mn-cs"/>
+              </a:defRPr>
+            </a:lvl9pPr>
+          </a:lstStyle>
+          <a:p>
+            <a:pPr marL="457200" lvl="1" indent="0">
+              <a:buFont typeface="Wingdings" panose="05000000000000000000" pitchFamily="2" charset="2"/>
+              <a:buNone/>
+            </a:pPr>
+            <a:r>
+              <a:rPr lang="en-US" sz="2000" dirty="0"/>
+              <a:t>Phase 2/2:</a:t>
             </a:r>
           </a:p>
         </p:txBody>
       </p:sp>
+      <p:sp>
+        <p:nvSpPr>
+          <p:cNvPr id="20" name="Content Placeholder 2">
+            <a:extLst>
+              <a:ext uri="{FF2B5EF4-FFF2-40B4-BE49-F238E27FC236}">
+                <a16:creationId xmlns:a16="http://schemas.microsoft.com/office/drawing/2014/main" id="{9EA0B4D0-87AA-AD72-0867-F2BEBC4010C7}"/>
+              </a:ext>
+            </a:extLst>
+          </p:cNvPr>
+          <p:cNvSpPr txBox="1">
+            <a:spLocks/>
+          </p:cNvSpPr>
+          <p:nvPr/>
+        </p:nvSpPr>
+        <p:spPr>
+          <a:xfrm>
+            <a:off x="1262738" y="2222534"/>
+            <a:ext cx="9187543" cy="1239760"/>
+          </a:xfrm>
+          <a:prstGeom prst="rect">
+            <a:avLst/>
+          </a:prstGeom>
+        </p:spPr>
+        <p:txBody>
+          <a:bodyPr vert="horz" lIns="91440" tIns="45720" rIns="91440" bIns="45720" rtlCol="0" anchor="ctr">
+            <a:normAutofit/>
+          </a:bodyPr>
+          <a:lstStyle>
+            <a:lvl1pPr marL="344488" indent="-344488" algn="l" defTabSz="914400" rtl="0" eaLnBrk="1" latinLnBrk="0" hangingPunct="1">
+              <a:lnSpc>
+                <a:spcPct val="120000"/>
+              </a:lnSpc>
+              <a:spcBef>
+                <a:spcPts val="1000"/>
+              </a:spcBef>
+              <a:spcAft>
+                <a:spcPts val="600"/>
+              </a:spcAft>
+              <a:buClr>
+                <a:schemeClr val="accent6"/>
+              </a:buClr>
+              <a:buSzPct val="90000"/>
+              <a:buFont typeface="Wingdings" panose="05000000000000000000" pitchFamily="2" charset="2"/>
+              <a:buChar char="§"/>
+              <a:defRPr sz="2000" kern="1200">
+                <a:solidFill>
+                  <a:schemeClr val="tx1"/>
+                </a:solidFill>
+                <a:effectLst/>
+                <a:latin typeface="+mn-lt"/>
+                <a:ea typeface="+mn-ea"/>
+                <a:cs typeface="+mn-cs"/>
+              </a:defRPr>
+            </a:lvl1pPr>
+            <a:lvl2pPr marL="795338" indent="-338138" algn="l" defTabSz="914400" rtl="0" eaLnBrk="1" latinLnBrk="0" hangingPunct="1">
+              <a:lnSpc>
+                <a:spcPct val="120000"/>
+              </a:lnSpc>
+              <a:spcBef>
+                <a:spcPts val="500"/>
+              </a:spcBef>
+              <a:spcAft>
+                <a:spcPts val="600"/>
+              </a:spcAft>
+              <a:buClr>
+                <a:schemeClr val="accent6"/>
+              </a:buClr>
+              <a:buSzPct val="90000"/>
+              <a:buFont typeface="Wingdings" panose="05000000000000000000" pitchFamily="2" charset="2"/>
+              <a:buChar char="§"/>
+              <a:defRPr sz="1800" kern="1200">
+                <a:solidFill>
+                  <a:schemeClr val="tx1"/>
+                </a:solidFill>
+                <a:effectLst/>
+                <a:latin typeface="+mn-lt"/>
+                <a:ea typeface="+mn-ea"/>
+                <a:cs typeface="+mn-cs"/>
+              </a:defRPr>
+            </a:lvl2pPr>
+            <a:lvl3pPr marL="1258888" indent="-344488" algn="l" defTabSz="914400" rtl="0" eaLnBrk="1" latinLnBrk="0" hangingPunct="1">
+              <a:lnSpc>
+                <a:spcPct val="120000"/>
+              </a:lnSpc>
+              <a:spcBef>
+                <a:spcPts val="500"/>
+              </a:spcBef>
+              <a:spcAft>
+                <a:spcPts val="600"/>
+              </a:spcAft>
+              <a:buClr>
+                <a:schemeClr val="accent6"/>
+              </a:buClr>
+              <a:buSzPct val="90000"/>
+              <a:buFont typeface="Wingdings" panose="05000000000000000000" pitchFamily="2" charset="2"/>
+              <a:buChar char="§"/>
+              <a:defRPr sz="1600" kern="1200">
+                <a:solidFill>
+                  <a:schemeClr val="tx1"/>
+                </a:solidFill>
+                <a:effectLst/>
+                <a:latin typeface="+mn-lt"/>
+                <a:ea typeface="+mn-ea"/>
+                <a:cs typeface="+mn-cs"/>
+              </a:defRPr>
+            </a:lvl3pPr>
+            <a:lvl4pPr marL="1709738" indent="-338138" algn="l" defTabSz="914400" rtl="0" eaLnBrk="1" latinLnBrk="0" hangingPunct="1">
+              <a:lnSpc>
+                <a:spcPct val="120000"/>
+              </a:lnSpc>
+              <a:spcBef>
+                <a:spcPts val="500"/>
+              </a:spcBef>
+              <a:spcAft>
+                <a:spcPts val="600"/>
+              </a:spcAft>
+              <a:buClr>
+                <a:schemeClr val="accent6"/>
+              </a:buClr>
+              <a:buSzPct val="90000"/>
+              <a:buFont typeface="Wingdings" panose="05000000000000000000" pitchFamily="2" charset="2"/>
+              <a:buChar char="§"/>
+              <a:defRPr sz="1400" kern="1200">
+                <a:solidFill>
+                  <a:schemeClr val="tx1"/>
+                </a:solidFill>
+                <a:effectLst/>
+                <a:latin typeface="+mn-lt"/>
+                <a:ea typeface="+mn-ea"/>
+                <a:cs typeface="+mn-cs"/>
+              </a:defRPr>
+            </a:lvl4pPr>
+            <a:lvl5pPr marL="2173288" indent="-344488" algn="l" defTabSz="914400" rtl="0" eaLnBrk="1" latinLnBrk="0" hangingPunct="1">
+              <a:lnSpc>
+                <a:spcPct val="120000"/>
+              </a:lnSpc>
+              <a:spcBef>
+                <a:spcPts val="500"/>
+              </a:spcBef>
+              <a:spcAft>
+                <a:spcPts val="600"/>
+              </a:spcAft>
+              <a:buClr>
+                <a:schemeClr val="accent6"/>
+              </a:buClr>
+              <a:buSzPct val="90000"/>
+              <a:buFont typeface="Wingdings" panose="05000000000000000000" pitchFamily="2" charset="2"/>
+              <a:buChar char="§"/>
+              <a:defRPr sz="1200" kern="1200">
+                <a:solidFill>
+                  <a:schemeClr val="tx1"/>
+                </a:solidFill>
+                <a:effectLst/>
+                <a:latin typeface="+mn-lt"/>
+                <a:ea typeface="+mn-ea"/>
+                <a:cs typeface="+mn-cs"/>
+              </a:defRPr>
+            </a:lvl5pPr>
+            <a:lvl6pPr marL="2642616" indent="-338328" algn="l" defTabSz="914400" rtl="0" eaLnBrk="1" latinLnBrk="0" hangingPunct="1">
+              <a:lnSpc>
+                <a:spcPct val="120000"/>
+              </a:lnSpc>
+              <a:spcBef>
+                <a:spcPts val="500"/>
+              </a:spcBef>
+              <a:spcAft>
+                <a:spcPts val="600"/>
+              </a:spcAft>
+              <a:buClr>
+                <a:schemeClr val="accent6"/>
+              </a:buClr>
+              <a:buSzPct val="90000"/>
+              <a:buFont typeface="Wingdings" panose="05000000000000000000" pitchFamily="2" charset="2"/>
+              <a:buChar char="§"/>
+              <a:defRPr sz="1200" kern="1200" baseline="0">
+                <a:solidFill>
+                  <a:schemeClr val="tx1"/>
+                </a:solidFill>
+                <a:effectLst/>
+                <a:latin typeface="+mn-lt"/>
+                <a:ea typeface="+mn-ea"/>
+                <a:cs typeface="+mn-cs"/>
+              </a:defRPr>
+            </a:lvl6pPr>
+            <a:lvl7pPr marL="3108960" indent="-338328" algn="l" defTabSz="914400" rtl="0" eaLnBrk="1" latinLnBrk="0" hangingPunct="1">
+              <a:lnSpc>
+                <a:spcPct val="120000"/>
+              </a:lnSpc>
+              <a:spcBef>
+                <a:spcPts val="500"/>
+              </a:spcBef>
+              <a:spcAft>
+                <a:spcPts val="600"/>
+              </a:spcAft>
+              <a:buClr>
+                <a:schemeClr val="accent6"/>
+              </a:buClr>
+              <a:buSzPct val="90000"/>
+              <a:buFont typeface="Wingdings" panose="05000000000000000000" pitchFamily="2" charset="2"/>
+              <a:buChar char="§"/>
+              <a:defRPr sz="1200" kern="1200" baseline="0">
+                <a:solidFill>
+                  <a:schemeClr val="tx1"/>
+                </a:solidFill>
+                <a:effectLst/>
+                <a:latin typeface="+mn-lt"/>
+                <a:ea typeface="+mn-ea"/>
+                <a:cs typeface="+mn-cs"/>
+              </a:defRPr>
+            </a:lvl7pPr>
+            <a:lvl8pPr marL="3575304" indent="-338328" algn="l" defTabSz="914400" rtl="0" eaLnBrk="1" latinLnBrk="0" hangingPunct="1">
+              <a:lnSpc>
+                <a:spcPct val="120000"/>
+              </a:lnSpc>
+              <a:spcBef>
+                <a:spcPts val="500"/>
+              </a:spcBef>
+              <a:spcAft>
+                <a:spcPts val="600"/>
+              </a:spcAft>
+              <a:buClr>
+                <a:schemeClr val="accent6"/>
+              </a:buClr>
+              <a:buSzPct val="90000"/>
+              <a:buFont typeface="Wingdings" panose="05000000000000000000" pitchFamily="2" charset="2"/>
+              <a:buChar char="§"/>
+              <a:defRPr sz="1200" kern="1200" baseline="0">
+                <a:solidFill>
+                  <a:schemeClr val="tx1"/>
+                </a:solidFill>
+                <a:effectLst/>
+                <a:latin typeface="+mn-lt"/>
+                <a:ea typeface="+mn-ea"/>
+                <a:cs typeface="+mn-cs"/>
+              </a:defRPr>
+            </a:lvl8pPr>
+            <a:lvl9pPr marL="4041648" indent="-338328" algn="l" defTabSz="914400" rtl="0" eaLnBrk="1" latinLnBrk="0" hangingPunct="1">
+              <a:lnSpc>
+                <a:spcPct val="120000"/>
+              </a:lnSpc>
+              <a:spcBef>
+                <a:spcPts val="500"/>
+              </a:spcBef>
+              <a:spcAft>
+                <a:spcPts val="600"/>
+              </a:spcAft>
+              <a:buClr>
+                <a:schemeClr val="accent6"/>
+              </a:buClr>
+              <a:buSzPct val="90000"/>
+              <a:buFont typeface="Wingdings" panose="05000000000000000000" pitchFamily="2" charset="2"/>
+              <a:buChar char="§"/>
+              <a:defRPr sz="1200" kern="1200" baseline="0">
+                <a:solidFill>
+                  <a:schemeClr val="tx1"/>
+                </a:solidFill>
+                <a:effectLst/>
+                <a:latin typeface="+mn-lt"/>
+                <a:ea typeface="+mn-ea"/>
+                <a:cs typeface="+mn-cs"/>
+              </a:defRPr>
+            </a:lvl9pPr>
+          </a:lstStyle>
+          <a:p>
+            <a:pPr marL="457200" lvl="1" indent="0">
+              <a:buNone/>
+            </a:pPr>
+            <a:r>
+              <a:rPr lang="en-US" dirty="0"/>
+              <a:t>8. Update graph, the unmet demands volume will be </a:t>
+            </a:r>
+            <a:r>
+              <a:rPr lang="en-US" dirty="0" err="1"/>
+              <a:t>deficiency_current</a:t>
+            </a:r>
+            <a:r>
+              <a:rPr lang="en-US" dirty="0"/>
+              <a:t>, and if it exceeds </a:t>
+            </a:r>
+            <a:r>
+              <a:rPr lang="en-US" dirty="0" err="1"/>
+              <a:t>deficiency_max</a:t>
+            </a:r>
+            <a:r>
+              <a:rPr lang="en-US" dirty="0"/>
+              <a:t>, the entity is not active anymore. The extra source volume will also go to waste.</a:t>
+            </a:r>
+          </a:p>
+        </p:txBody>
+      </p:sp>
+      <p:cxnSp>
+        <p:nvCxnSpPr>
+          <p:cNvPr id="21" name="Straight Connector 20">
+            <a:extLst>
+              <a:ext uri="{FF2B5EF4-FFF2-40B4-BE49-F238E27FC236}">
+                <a16:creationId xmlns:a16="http://schemas.microsoft.com/office/drawing/2014/main" id="{A26603F3-9DFF-2E9C-612C-3A5BC0AE5A7A}"/>
+              </a:ext>
+            </a:extLst>
+          </p:cNvPr>
+          <p:cNvCxnSpPr/>
+          <p:nvPr/>
+        </p:nvCxnSpPr>
+        <p:spPr>
+          <a:xfrm>
+            <a:off x="1410789" y="2230889"/>
+            <a:ext cx="9159350" cy="0"/>
+          </a:xfrm>
+          <a:prstGeom prst="line">
+            <a:avLst/>
+          </a:prstGeom>
+          <a:ln w="19050">
+            <a:solidFill>
+              <a:schemeClr val="bg1">
+                <a:lumMod val="50000"/>
+                <a:lumOff val="50000"/>
+              </a:schemeClr>
+            </a:solidFill>
+            <a:prstDash val="sysDot"/>
+          </a:ln>
+        </p:spPr>
+        <p:style>
+          <a:lnRef idx="1">
+            <a:schemeClr val="accent1"/>
+          </a:lnRef>
+          <a:fillRef idx="0">
+            <a:schemeClr val="accent1"/>
+          </a:fillRef>
+          <a:effectRef idx="0">
+            <a:schemeClr val="accent1"/>
+          </a:effectRef>
+          <a:fontRef idx="minor">
+            <a:schemeClr val="tx1"/>
+          </a:fontRef>
+        </p:style>
+      </p:cxnSp>
+      <p:cxnSp>
+        <p:nvCxnSpPr>
+          <p:cNvPr id="22" name="Straight Connector 21">
+            <a:extLst>
+              <a:ext uri="{FF2B5EF4-FFF2-40B4-BE49-F238E27FC236}">
+                <a16:creationId xmlns:a16="http://schemas.microsoft.com/office/drawing/2014/main" id="{0C6C147B-662B-7AF1-9F77-F62A0FA79B95}"/>
+              </a:ext>
+            </a:extLst>
+          </p:cNvPr>
+          <p:cNvCxnSpPr/>
+          <p:nvPr/>
+        </p:nvCxnSpPr>
+        <p:spPr>
+          <a:xfrm>
+            <a:off x="1410789" y="3487977"/>
+            <a:ext cx="9159350" cy="0"/>
+          </a:xfrm>
+          <a:prstGeom prst="line">
+            <a:avLst/>
+          </a:prstGeom>
+          <a:ln w="19050">
+            <a:solidFill>
+              <a:schemeClr val="bg1">
+                <a:lumMod val="50000"/>
+                <a:lumOff val="50000"/>
+              </a:schemeClr>
+            </a:solidFill>
+            <a:prstDash val="sysDot"/>
+          </a:ln>
+        </p:spPr>
+        <p:style>
+          <a:lnRef idx="1">
+            <a:schemeClr val="accent1"/>
+          </a:lnRef>
+          <a:fillRef idx="0">
+            <a:schemeClr val="accent1"/>
+          </a:fillRef>
+          <a:effectRef idx="0">
+            <a:schemeClr val="accent1"/>
+          </a:effectRef>
+          <a:fontRef idx="minor">
+            <a:schemeClr val="tx1"/>
+          </a:fontRef>
+        </p:style>
+      </p:cxnSp>
     </p:spTree>
     <p:extLst>
       <p:ext uri="{BB962C8B-B14F-4D97-AF65-F5344CB8AC3E}">
-        <p14:creationId xmlns:p14="http://schemas.microsoft.com/office/powerpoint/2010/main" val="2624085294"/>
+        <p14:creationId xmlns:p14="http://schemas.microsoft.com/office/powerpoint/2010/main" val="1527564559"/>
       </p:ext>
     </p:extLst>
   </p:cSld>
@@ -17359,6 +18736,612 @@
       </p:par>
     </p:tnLst>
   </p:timing>
+</p:sld>
+</file>
+
+<file path=ppt/slides/slide20.xml><?xml version="1.0" encoding="utf-8"?>
+<p:sld xmlns:a="http://schemas.openxmlformats.org/drawingml/2006/main" xmlns:r="http://schemas.openxmlformats.org/officeDocument/2006/relationships" xmlns:p="http://schemas.openxmlformats.org/presentationml/2006/main">
+  <p:cSld>
+    <p:spTree>
+      <p:nvGrpSpPr>
+        <p:cNvPr id="1" name=""/>
+        <p:cNvGrpSpPr/>
+        <p:nvPr/>
+      </p:nvGrpSpPr>
+      <p:grpSpPr>
+        <a:xfrm>
+          <a:off x="0" y="0"/>
+          <a:ext cx="0" cy="0"/>
+          <a:chOff x="0" y="0"/>
+          <a:chExt cx="0" cy="0"/>
+        </a:xfrm>
+      </p:grpSpPr>
+      <p:sp>
+        <p:nvSpPr>
+          <p:cNvPr id="2" name="Title 1">
+            <a:extLst>
+              <a:ext uri="{FF2B5EF4-FFF2-40B4-BE49-F238E27FC236}">
+                <a16:creationId xmlns:a16="http://schemas.microsoft.com/office/drawing/2014/main" id="{B6B9F9D5-1364-C056-CDC3-1E4760642DA4}"/>
+              </a:ext>
+            </a:extLst>
+          </p:cNvPr>
+          <p:cNvSpPr>
+            <a:spLocks noGrp="1"/>
+          </p:cNvSpPr>
+          <p:nvPr>
+            <p:ph type="title"/>
+          </p:nvPr>
+        </p:nvSpPr>
+        <p:spPr/>
+        <p:txBody>
+          <a:bodyPr/>
+          <a:lstStyle/>
+          <a:p>
+            <a:pPr algn="l"/>
+            <a:r>
+              <a:rPr lang="en-US" dirty="0"/>
+              <a:t>Steps I Took for Implementation</a:t>
+            </a:r>
+          </a:p>
+        </p:txBody>
+      </p:sp>
+      <p:sp>
+        <p:nvSpPr>
+          <p:cNvPr id="4" name="Slide Number Placeholder 3">
+            <a:extLst>
+              <a:ext uri="{FF2B5EF4-FFF2-40B4-BE49-F238E27FC236}">
+                <a16:creationId xmlns:a16="http://schemas.microsoft.com/office/drawing/2014/main" id="{0B1394F6-0184-CEED-FDBC-31E280FEEBD9}"/>
+              </a:ext>
+            </a:extLst>
+          </p:cNvPr>
+          <p:cNvSpPr>
+            <a:spLocks noGrp="1"/>
+          </p:cNvSpPr>
+          <p:nvPr>
+            <p:ph type="sldNum" sz="quarter" idx="12"/>
+          </p:nvPr>
+        </p:nvSpPr>
+        <p:spPr/>
+        <p:txBody>
+          <a:bodyPr/>
+          <a:lstStyle/>
+          <a:p>
+            <a:fld id="{A1D0E756-7835-4003-93B4-42478B879A84}" type="slidenum">
+              <a:rPr lang="en-US" smtClean="0"/>
+              <a:t>20</a:t>
+            </a:fld>
+            <a:endParaRPr lang="en-US"/>
+          </a:p>
+        </p:txBody>
+      </p:sp>
+      <p:sp>
+        <p:nvSpPr>
+          <p:cNvPr id="6" name="Content Placeholder 5">
+            <a:extLst>
+              <a:ext uri="{FF2B5EF4-FFF2-40B4-BE49-F238E27FC236}">
+                <a16:creationId xmlns:a16="http://schemas.microsoft.com/office/drawing/2014/main" id="{AE78ECED-E4CE-5F02-3612-32A693B79946}"/>
+              </a:ext>
+            </a:extLst>
+          </p:cNvPr>
+          <p:cNvSpPr>
+            <a:spLocks noGrp="1"/>
+          </p:cNvSpPr>
+          <p:nvPr>
+            <p:ph idx="1"/>
+          </p:nvPr>
+        </p:nvSpPr>
+        <p:spPr>
+          <a:xfrm>
+            <a:off x="2197730" y="2052115"/>
+            <a:ext cx="7796540" cy="4171131"/>
+          </a:xfrm>
+        </p:spPr>
+        <p:txBody>
+          <a:bodyPr>
+            <a:normAutofit/>
+          </a:bodyPr>
+          <a:lstStyle/>
+          <a:p>
+            <a:r>
+              <a:rPr lang="en-US" dirty="0"/>
+              <a:t>I’ve immigrated my implementation to </a:t>
+            </a:r>
+            <a:r>
+              <a:rPr lang="en-US" dirty="0" err="1"/>
+              <a:t>networkx</a:t>
+            </a:r>
+            <a:r>
+              <a:rPr lang="en-US" dirty="0"/>
+              <a:t>, but the Economy class is remaining.</a:t>
+            </a:r>
+          </a:p>
+          <a:p>
+            <a:r>
+              <a:rPr lang="en-US" dirty="0"/>
+              <a:t>Simple graphics using </a:t>
+            </a:r>
+            <a:r>
+              <a:rPr lang="en-US" dirty="0" err="1"/>
+              <a:t>networkx</a:t>
+            </a:r>
+            <a:r>
+              <a:rPr lang="en-US" dirty="0"/>
+              <a:t> implemented.</a:t>
+            </a:r>
+          </a:p>
+          <a:p>
+            <a:r>
+              <a:rPr lang="en-US" dirty="0"/>
+              <a:t>JSON conversion/reading for model is done.</a:t>
+            </a:r>
+          </a:p>
+          <a:p>
+            <a:endParaRPr lang="en-US" dirty="0"/>
+          </a:p>
+        </p:txBody>
+      </p:sp>
+    </p:spTree>
+    <p:extLst>
+      <p:ext uri="{BB962C8B-B14F-4D97-AF65-F5344CB8AC3E}">
+        <p14:creationId xmlns:p14="http://schemas.microsoft.com/office/powerpoint/2010/main" val="2372620920"/>
+      </p:ext>
+    </p:extLst>
+  </p:cSld>
+  <p:clrMapOvr>
+    <a:masterClrMapping/>
+  </p:clrMapOvr>
+  <mc:AlternateContent xmlns:mc="http://schemas.openxmlformats.org/markup-compatibility/2006" xmlns:p14="http://schemas.microsoft.com/office/powerpoint/2010/main">
+    <mc:Choice Requires="p14">
+      <p:transition spd="med" p14:dur="700">
+        <p:fade/>
+      </p:transition>
+    </mc:Choice>
+    <mc:Fallback xmlns="">
+      <p:transition spd="med">
+        <p:fade/>
+      </p:transition>
+    </mc:Fallback>
+  </mc:AlternateContent>
+</p:sld>
+</file>
+
+<file path=ppt/slides/slide21.xml><?xml version="1.0" encoding="utf-8"?>
+<p:sld xmlns:a="http://schemas.openxmlformats.org/drawingml/2006/main" xmlns:r="http://schemas.openxmlformats.org/officeDocument/2006/relationships" xmlns:p="http://schemas.openxmlformats.org/presentationml/2006/main">
+  <p:cSld>
+    <p:spTree>
+      <p:nvGrpSpPr>
+        <p:cNvPr id="1" name=""/>
+        <p:cNvGrpSpPr/>
+        <p:nvPr/>
+      </p:nvGrpSpPr>
+      <p:grpSpPr>
+        <a:xfrm>
+          <a:off x="0" y="0"/>
+          <a:ext cx="0" cy="0"/>
+          <a:chOff x="0" y="0"/>
+          <a:chExt cx="0" cy="0"/>
+        </a:xfrm>
+      </p:grpSpPr>
+      <p:sp>
+        <p:nvSpPr>
+          <p:cNvPr id="2" name="Title 1">
+            <a:extLst>
+              <a:ext uri="{FF2B5EF4-FFF2-40B4-BE49-F238E27FC236}">
+                <a16:creationId xmlns:a16="http://schemas.microsoft.com/office/drawing/2014/main" id="{B6B9F9D5-1364-C056-CDC3-1E4760642DA4}"/>
+              </a:ext>
+            </a:extLst>
+          </p:cNvPr>
+          <p:cNvSpPr>
+            <a:spLocks noGrp="1"/>
+          </p:cNvSpPr>
+          <p:nvPr>
+            <p:ph type="title"/>
+          </p:nvPr>
+        </p:nvSpPr>
+        <p:spPr/>
+        <p:txBody>
+          <a:bodyPr/>
+          <a:lstStyle/>
+          <a:p>
+            <a:pPr algn="l"/>
+            <a:r>
+              <a:rPr lang="en-US" dirty="0"/>
+              <a:t>Steps I Will Took for Implementation</a:t>
+            </a:r>
+          </a:p>
+        </p:txBody>
+      </p:sp>
+      <p:sp>
+        <p:nvSpPr>
+          <p:cNvPr id="4" name="Slide Number Placeholder 3">
+            <a:extLst>
+              <a:ext uri="{FF2B5EF4-FFF2-40B4-BE49-F238E27FC236}">
+                <a16:creationId xmlns:a16="http://schemas.microsoft.com/office/drawing/2014/main" id="{0B1394F6-0184-CEED-FDBC-31E280FEEBD9}"/>
+              </a:ext>
+            </a:extLst>
+          </p:cNvPr>
+          <p:cNvSpPr>
+            <a:spLocks noGrp="1"/>
+          </p:cNvSpPr>
+          <p:nvPr>
+            <p:ph type="sldNum" sz="quarter" idx="12"/>
+          </p:nvPr>
+        </p:nvSpPr>
+        <p:spPr/>
+        <p:txBody>
+          <a:bodyPr/>
+          <a:lstStyle/>
+          <a:p>
+            <a:fld id="{A1D0E756-7835-4003-93B4-42478B879A84}" type="slidenum">
+              <a:rPr lang="en-US" smtClean="0"/>
+              <a:t>21</a:t>
+            </a:fld>
+            <a:endParaRPr lang="en-US"/>
+          </a:p>
+        </p:txBody>
+      </p:sp>
+      <p:sp>
+        <p:nvSpPr>
+          <p:cNvPr id="6" name="Content Placeholder 5">
+            <a:extLst>
+              <a:ext uri="{FF2B5EF4-FFF2-40B4-BE49-F238E27FC236}">
+                <a16:creationId xmlns:a16="http://schemas.microsoft.com/office/drawing/2014/main" id="{AE78ECED-E4CE-5F02-3612-32A693B79946}"/>
+              </a:ext>
+            </a:extLst>
+          </p:cNvPr>
+          <p:cNvSpPr>
+            <a:spLocks noGrp="1"/>
+          </p:cNvSpPr>
+          <p:nvPr>
+            <p:ph idx="1"/>
+          </p:nvPr>
+        </p:nvSpPr>
+        <p:spPr>
+          <a:xfrm>
+            <a:off x="2197730" y="2052115"/>
+            <a:ext cx="7796540" cy="4171131"/>
+          </a:xfrm>
+        </p:spPr>
+        <p:txBody>
+          <a:bodyPr>
+            <a:normAutofit/>
+          </a:bodyPr>
+          <a:lstStyle/>
+          <a:p>
+            <a:r>
+              <a:rPr lang="en-US" dirty="0"/>
+              <a:t>Finishing Economy class and connecting to Model class in order to run it</a:t>
+            </a:r>
+          </a:p>
+          <a:p>
+            <a:r>
+              <a:rPr lang="en-US" dirty="0"/>
+              <a:t>Enhancing graphics</a:t>
+            </a:r>
+          </a:p>
+          <a:p>
+            <a:r>
+              <a:rPr lang="en-US" dirty="0"/>
+              <a:t>Using JSON capability to implement save/load for model</a:t>
+            </a:r>
+          </a:p>
+          <a:p>
+            <a:r>
+              <a:rPr lang="en-US" dirty="0"/>
+              <a:t>Implementing the link breakage scenarios</a:t>
+            </a:r>
+          </a:p>
+          <a:p>
+            <a:endParaRPr lang="en-US" dirty="0"/>
+          </a:p>
+        </p:txBody>
+      </p:sp>
+    </p:spTree>
+    <p:extLst>
+      <p:ext uri="{BB962C8B-B14F-4D97-AF65-F5344CB8AC3E}">
+        <p14:creationId xmlns:p14="http://schemas.microsoft.com/office/powerpoint/2010/main" val="3959935154"/>
+      </p:ext>
+    </p:extLst>
+  </p:cSld>
+  <p:clrMapOvr>
+    <a:masterClrMapping/>
+  </p:clrMapOvr>
+  <mc:AlternateContent xmlns:mc="http://schemas.openxmlformats.org/markup-compatibility/2006" xmlns:p14="http://schemas.microsoft.com/office/powerpoint/2010/main">
+    <mc:Choice Requires="p14">
+      <p:transition spd="med" p14:dur="700">
+        <p:fade/>
+      </p:transition>
+    </mc:Choice>
+    <mc:Fallback xmlns="">
+      <p:transition spd="med">
+        <p:fade/>
+      </p:transition>
+    </mc:Fallback>
+  </mc:AlternateContent>
+</p:sld>
+</file>
+
+<file path=ppt/slides/slide22.xml><?xml version="1.0" encoding="utf-8"?>
+<p:sld xmlns:a="http://schemas.openxmlformats.org/drawingml/2006/main" xmlns:r="http://schemas.openxmlformats.org/officeDocument/2006/relationships" xmlns:p="http://schemas.openxmlformats.org/presentationml/2006/main">
+  <p:cSld>
+    <p:spTree>
+      <p:nvGrpSpPr>
+        <p:cNvPr id="1" name=""/>
+        <p:cNvGrpSpPr/>
+        <p:nvPr/>
+      </p:nvGrpSpPr>
+      <p:grpSpPr>
+        <a:xfrm>
+          <a:off x="0" y="0"/>
+          <a:ext cx="0" cy="0"/>
+          <a:chOff x="0" y="0"/>
+          <a:chExt cx="0" cy="0"/>
+        </a:xfrm>
+      </p:grpSpPr>
+      <p:sp>
+        <p:nvSpPr>
+          <p:cNvPr id="2" name="Title 1">
+            <a:extLst>
+              <a:ext uri="{FF2B5EF4-FFF2-40B4-BE49-F238E27FC236}">
+                <a16:creationId xmlns:a16="http://schemas.microsoft.com/office/drawing/2014/main" id="{B6B9F9D5-1364-C056-CDC3-1E4760642DA4}"/>
+              </a:ext>
+            </a:extLst>
+          </p:cNvPr>
+          <p:cNvSpPr>
+            <a:spLocks noGrp="1"/>
+          </p:cNvSpPr>
+          <p:nvPr>
+            <p:ph type="title"/>
+          </p:nvPr>
+        </p:nvSpPr>
+        <p:spPr/>
+        <p:txBody>
+          <a:bodyPr/>
+          <a:lstStyle/>
+          <a:p>
+            <a:pPr algn="l"/>
+            <a:r>
+              <a:rPr lang="en-US" dirty="0"/>
+              <a:t>Comments on My Approach</a:t>
+            </a:r>
+          </a:p>
+        </p:txBody>
+      </p:sp>
+      <p:sp>
+        <p:nvSpPr>
+          <p:cNvPr id="4" name="Slide Number Placeholder 3">
+            <a:extLst>
+              <a:ext uri="{FF2B5EF4-FFF2-40B4-BE49-F238E27FC236}">
+                <a16:creationId xmlns:a16="http://schemas.microsoft.com/office/drawing/2014/main" id="{0B1394F6-0184-CEED-FDBC-31E280FEEBD9}"/>
+              </a:ext>
+            </a:extLst>
+          </p:cNvPr>
+          <p:cNvSpPr>
+            <a:spLocks noGrp="1"/>
+          </p:cNvSpPr>
+          <p:nvPr>
+            <p:ph type="sldNum" sz="quarter" idx="12"/>
+          </p:nvPr>
+        </p:nvSpPr>
+        <p:spPr/>
+        <p:txBody>
+          <a:bodyPr/>
+          <a:lstStyle/>
+          <a:p>
+            <a:fld id="{A1D0E756-7835-4003-93B4-42478B879A84}" type="slidenum">
+              <a:rPr lang="en-US" smtClean="0"/>
+              <a:t>22</a:t>
+            </a:fld>
+            <a:endParaRPr lang="en-US"/>
+          </a:p>
+        </p:txBody>
+      </p:sp>
+      <p:sp>
+        <p:nvSpPr>
+          <p:cNvPr id="6" name="Content Placeholder 5">
+            <a:extLst>
+              <a:ext uri="{FF2B5EF4-FFF2-40B4-BE49-F238E27FC236}">
+                <a16:creationId xmlns:a16="http://schemas.microsoft.com/office/drawing/2014/main" id="{AE78ECED-E4CE-5F02-3612-32A693B79946}"/>
+              </a:ext>
+            </a:extLst>
+          </p:cNvPr>
+          <p:cNvSpPr>
+            <a:spLocks noGrp="1"/>
+          </p:cNvSpPr>
+          <p:nvPr>
+            <p:ph idx="1"/>
+          </p:nvPr>
+        </p:nvSpPr>
+        <p:spPr>
+          <a:xfrm>
+            <a:off x="2197730" y="2052116"/>
+            <a:ext cx="7796540" cy="4135620"/>
+          </a:xfrm>
+        </p:spPr>
+        <p:txBody>
+          <a:bodyPr>
+            <a:normAutofit/>
+          </a:bodyPr>
+          <a:lstStyle/>
+          <a:p>
+            <a:r>
+              <a:rPr lang="en-US" dirty="0"/>
+              <a:t>Neglecting edge type 4 (from “</a:t>
+            </a:r>
+            <a:r>
+              <a:rPr lang="en-US" dirty="0">
+                <a:solidFill>
+                  <a:schemeClr val="tx2">
+                    <a:lumMod val="50000"/>
+                  </a:schemeClr>
+                </a:solidFill>
+              </a:rPr>
+              <a:t>storage</a:t>
+            </a:r>
+            <a:r>
+              <a:rPr lang="en-US" dirty="0"/>
+              <a:t>” to “</a:t>
+            </a:r>
+            <a:r>
+              <a:rPr lang="en-US" dirty="0">
+                <a:solidFill>
+                  <a:schemeClr val="tx2">
+                    <a:lumMod val="50000"/>
+                  </a:schemeClr>
+                </a:solidFill>
+              </a:rPr>
+              <a:t>storage</a:t>
+            </a:r>
+            <a:r>
+              <a:rPr lang="en-US" dirty="0"/>
+              <a:t>”)</a:t>
+            </a:r>
+          </a:p>
+          <a:p>
+            <a:r>
+              <a:rPr lang="en-US" dirty="0"/>
+              <a:t>The way of choosing the best fit for transaction during economic calculations seems spooky.</a:t>
+            </a:r>
+          </a:p>
+          <a:p>
+            <a:r>
+              <a:rPr lang="en-US" dirty="0"/>
+              <a:t>Probably, I relied too much on implementing from scratch.</a:t>
+            </a:r>
+          </a:p>
+          <a:p>
+            <a:endParaRPr lang="en-US" dirty="0"/>
+          </a:p>
+        </p:txBody>
+      </p:sp>
+    </p:spTree>
+    <p:extLst>
+      <p:ext uri="{BB962C8B-B14F-4D97-AF65-F5344CB8AC3E}">
+        <p14:creationId xmlns:p14="http://schemas.microsoft.com/office/powerpoint/2010/main" val="2624085294"/>
+      </p:ext>
+    </p:extLst>
+  </p:cSld>
+  <p:clrMapOvr>
+    <a:masterClrMapping/>
+  </p:clrMapOvr>
+  <mc:AlternateContent xmlns:mc="http://schemas.openxmlformats.org/markup-compatibility/2006" xmlns:p14="http://schemas.microsoft.com/office/powerpoint/2010/main">
+    <mc:Choice Requires="p14">
+      <p:transition spd="med" p14:dur="700">
+        <p:fade/>
+      </p:transition>
+    </mc:Choice>
+    <mc:Fallback xmlns="">
+      <p:transition spd="med">
+        <p:fade/>
+      </p:transition>
+    </mc:Fallback>
+  </mc:AlternateContent>
+</p:sld>
+</file>
+
+<file path=ppt/slides/slide23.xml><?xml version="1.0" encoding="utf-8"?>
+<p:sld xmlns:a="http://schemas.openxmlformats.org/drawingml/2006/main" xmlns:r="http://schemas.openxmlformats.org/officeDocument/2006/relationships" xmlns:p="http://schemas.openxmlformats.org/presentationml/2006/main">
+  <p:cSld>
+    <p:spTree>
+      <p:nvGrpSpPr>
+        <p:cNvPr id="1" name=""/>
+        <p:cNvGrpSpPr/>
+        <p:nvPr/>
+      </p:nvGrpSpPr>
+      <p:grpSpPr>
+        <a:xfrm>
+          <a:off x="0" y="0"/>
+          <a:ext cx="0" cy="0"/>
+          <a:chOff x="0" y="0"/>
+          <a:chExt cx="0" cy="0"/>
+        </a:xfrm>
+      </p:grpSpPr>
+      <p:sp>
+        <p:nvSpPr>
+          <p:cNvPr id="2" name="Title 1">
+            <a:extLst>
+              <a:ext uri="{FF2B5EF4-FFF2-40B4-BE49-F238E27FC236}">
+                <a16:creationId xmlns:a16="http://schemas.microsoft.com/office/drawing/2014/main" id="{5626438E-D767-1B34-9FE1-FB95F48B322D}"/>
+              </a:ext>
+            </a:extLst>
+          </p:cNvPr>
+          <p:cNvSpPr>
+            <a:spLocks noGrp="1"/>
+          </p:cNvSpPr>
+          <p:nvPr>
+            <p:ph type="ctrTitle"/>
+          </p:nvPr>
+        </p:nvSpPr>
+        <p:spPr>
+          <a:xfrm>
+            <a:off x="1864311" y="2690161"/>
+            <a:ext cx="6114643" cy="2268559"/>
+          </a:xfrm>
+        </p:spPr>
+        <p:txBody>
+          <a:bodyPr/>
+          <a:lstStyle/>
+          <a:p>
+            <a:pPr algn="ctr"/>
+            <a:r>
+              <a:rPr lang="en-US" dirty="0"/>
+              <a:t>Thank you for you patience</a:t>
+            </a:r>
+          </a:p>
+        </p:txBody>
+      </p:sp>
+      <p:sp>
+        <p:nvSpPr>
+          <p:cNvPr id="5" name="Subtitle 4">
+            <a:extLst>
+              <a:ext uri="{FF2B5EF4-FFF2-40B4-BE49-F238E27FC236}">
+                <a16:creationId xmlns:a16="http://schemas.microsoft.com/office/drawing/2014/main" id="{C845495E-BD07-3FA1-2CC8-2E553BF4D6A2}"/>
+              </a:ext>
+            </a:extLst>
+          </p:cNvPr>
+          <p:cNvSpPr>
+            <a:spLocks noGrp="1"/>
+          </p:cNvSpPr>
+          <p:nvPr>
+            <p:ph type="subTitle" idx="1"/>
+          </p:nvPr>
+        </p:nvSpPr>
+        <p:spPr>
+          <a:xfrm>
+            <a:off x="2772274" y="4958720"/>
+            <a:ext cx="5357600" cy="1160213"/>
+          </a:xfrm>
+        </p:spPr>
+        <p:txBody>
+          <a:bodyPr/>
+          <a:lstStyle/>
+          <a:p>
+            <a:endParaRPr lang="en-US"/>
+          </a:p>
+        </p:txBody>
+      </p:sp>
+    </p:spTree>
+    <p:extLst>
+      <p:ext uri="{BB962C8B-B14F-4D97-AF65-F5344CB8AC3E}">
+        <p14:creationId xmlns:p14="http://schemas.microsoft.com/office/powerpoint/2010/main" val="2663144107"/>
+      </p:ext>
+    </p:extLst>
+  </p:cSld>
+  <p:clrMapOvr>
+    <a:masterClrMapping/>
+  </p:clrMapOvr>
+  <mc:AlternateContent xmlns:mc="http://schemas.openxmlformats.org/markup-compatibility/2006" xmlns:p14="http://schemas.microsoft.com/office/powerpoint/2010/main">
+    <mc:Choice Requires="p14">
+      <p:transition spd="med" p14:dur="700">
+        <p:fade/>
+      </p:transition>
+    </mc:Choice>
+    <mc:Fallback xmlns="">
+      <p:transition spd="med">
+        <p:fade/>
+      </p:transition>
+    </mc:Fallback>
+  </mc:AlternateContent>
 </p:sld>
 </file>
 
@@ -19058,7 +21041,7 @@
         </p:nvSpPr>
         <p:spPr>
           <a:xfrm>
-            <a:off x="1831021" y="1565688"/>
+            <a:off x="1831021" y="2672187"/>
             <a:ext cx="3735280" cy="3139321"/>
           </a:xfrm>
           <a:prstGeom prst="rect">
@@ -19850,7 +21833,7 @@
         </p:nvSpPr>
         <p:spPr>
           <a:xfrm>
-            <a:off x="1831021" y="4705009"/>
+            <a:off x="1831020" y="1702175"/>
             <a:ext cx="3229251" cy="1107996"/>
           </a:xfrm>
           <a:prstGeom prst="rect">
@@ -20118,7 +22101,7 @@
         </p:nvSpPr>
         <p:spPr>
           <a:xfrm>
-            <a:off x="6679750" y="1565688"/>
+            <a:off x="6625700" y="2672187"/>
             <a:ext cx="3318029" cy="3139321"/>
           </a:xfrm>
           <a:prstGeom prst="rect">
@@ -20910,7 +22893,7 @@
         </p:nvSpPr>
         <p:spPr>
           <a:xfrm>
-            <a:off x="6679750" y="4705009"/>
+            <a:off x="6625700" y="1702175"/>
             <a:ext cx="2767614" cy="938719"/>
           </a:xfrm>
           <a:prstGeom prst="rect">
@@ -21171,7 +23154,7 @@
         </p:nvCxnSpPr>
         <p:spPr>
           <a:xfrm>
-            <a:off x="5566301" y="1707732"/>
+            <a:off x="5566301" y="1766455"/>
             <a:ext cx="0" cy="3849690"/>
           </a:xfrm>
           <a:prstGeom prst="line">
@@ -21393,7 +23376,7 @@
                                           </p:stCondLst>
                                         </p:cTn>
                                         <p:tgtEl>
-                                          <p:spTgt spid="9"/>
+                                          <p:spTgt spid="11"/>
                                         </p:tgtEl>
                                         <p:attrNameLst>
                                           <p:attrName>style.visibility</p:attrName>
@@ -21407,7 +23390,7 @@
                                       <p:cBhvr>
                                         <p:cTn id="7" dur="500"/>
                                         <p:tgtEl>
-                                          <p:spTgt spid="9"/>
+                                          <p:spTgt spid="11"/>
                                         </p:tgtEl>
                                       </p:cBhvr>
                                     </p:animEffect>
@@ -21446,7 +23429,7 @@
                                           </p:stCondLst>
                                         </p:cTn>
                                         <p:tgtEl>
-                                          <p:spTgt spid="11"/>
+                                          <p:spTgt spid="9"/>
                                         </p:tgtEl>
                                         <p:attrNameLst>
                                           <p:attrName>style.visibility</p:attrName>
@@ -21460,7 +23443,7 @@
                                       <p:cBhvr>
                                         <p:cTn id="12" dur="500"/>
                                         <p:tgtEl>
-                                          <p:spTgt spid="11"/>
+                                          <p:spTgt spid="9"/>
                                         </p:tgtEl>
                                       </p:cBhvr>
                                     </p:animEffect>
@@ -21499,7 +23482,7 @@
                                           </p:stCondLst>
                                         </p:cTn>
                                         <p:tgtEl>
-                                          <p:spTgt spid="13"/>
+                                          <p:spTgt spid="15"/>
                                         </p:tgtEl>
                                         <p:attrNameLst>
                                           <p:attrName>style.visibility</p:attrName>
@@ -21513,7 +23496,7 @@
                                       <p:cBhvr>
                                         <p:cTn id="17" dur="500"/>
                                         <p:tgtEl>
-                                          <p:spTgt spid="13"/>
+                                          <p:spTgt spid="15"/>
                                         </p:tgtEl>
                                       </p:cBhvr>
                                     </p:animEffect>
@@ -21587,7 +23570,7 @@
                                           </p:stCondLst>
                                         </p:cTn>
                                         <p:tgtEl>
-                                          <p:spTgt spid="15"/>
+                                          <p:spTgt spid="13"/>
                                         </p:tgtEl>
                                         <p:attrNameLst>
                                           <p:attrName>style.visibility</p:attrName>
@@ -21601,7 +23584,7 @@
                                       <p:cBhvr>
                                         <p:cTn id="25" dur="500"/>
                                         <p:tgtEl>
-                                          <p:spTgt spid="15"/>
+                                          <p:spTgt spid="13"/>
                                         </p:tgtEl>
                                       </p:cBhvr>
                                     </p:animEffect>
